--- a/dfa.pptx
+++ b/dfa.pptx
@@ -5,19 +5,18 @@
     <p:sldMasterId id="2147483648" r:id="rId1"/>
   </p:sldMasterIdLst>
   <p:notesMasterIdLst>
-    <p:notesMasterId r:id="rId9"/>
+    <p:notesMasterId r:id="rId8"/>
   </p:notesMasterIdLst>
   <p:handoutMasterIdLst>
-    <p:handoutMasterId r:id="rId10"/>
+    <p:handoutMasterId r:id="rId9"/>
   </p:handoutMasterIdLst>
   <p:sldIdLst>
     <p:sldId id="258" r:id="rId2"/>
     <p:sldId id="260" r:id="rId3"/>
     <p:sldId id="261" r:id="rId4"/>
     <p:sldId id="262" r:id="rId5"/>
-    <p:sldId id="263" r:id="rId6"/>
-    <p:sldId id="264" r:id="rId7"/>
-    <p:sldId id="265" r:id="rId8"/>
+    <p:sldId id="264" r:id="rId6"/>
+    <p:sldId id="265" r:id="rId7"/>
   </p:sldIdLst>
   <p:sldSz cx="12192000" cy="6858000"/>
   <p:notesSz cx="6858000" cy="9144000"/>
@@ -221,7 +220,7 @@
           <a:p>
             <a:fld id="{35E49E64-1679-A743-A936-EFA45BAFC413}" type="datetimeFigureOut">
               <a:rPr lang="en-US" smtClean="0"/>
-              <a:t>4/20/20</a:t>
+              <a:t>4/21/20</a:t>
             </a:fld>
             <a:endParaRPr lang="en-US"/>
           </a:p>
@@ -405,7 +404,7 @@
           <a:p>
             <a:fld id="{A5C20BB3-3CCB-4FE5-991B-82F6BCB48AF3}" type="datetimeFigureOut">
               <a:rPr lang="en-US" smtClean="0"/>
-              <a:t>4/20/20</a:t>
+              <a:t>4/21/20</a:t>
             </a:fld>
             <a:endParaRPr lang="en-US"/>
           </a:p>
@@ -1166,7 +1165,7 @@
           <a:p>
             <a:fld id="{E0746DE6-3336-457D-A091-FA20AC1C536E}" type="slidenum">
               <a:rPr lang="en-US" smtClean="0"/>
-              <a:t>6</a:t>
+              <a:t>5</a:t>
             </a:fld>
             <a:endParaRPr lang="en-US"/>
           </a:p>
@@ -1176,6 +1175,90 @@
     <p:extLst>
       <p:ext uri="{BB962C8B-B14F-4D97-AF65-F5344CB8AC3E}">
         <p14:creationId xmlns:p14="http://schemas.microsoft.com/office/powerpoint/2010/main" val="1028950630"/>
+      </p:ext>
+    </p:extLst>
+  </p:cSld>
+  <p:clrMapOvr>
+    <a:masterClrMapping/>
+  </p:clrMapOvr>
+</p:notes>
+</file>
+
+<file path=ppt/notesSlides/notesSlide6.xml><?xml version="1.0" encoding="utf-8"?>
+<p:notes xmlns:a="http://schemas.openxmlformats.org/drawingml/2006/main" xmlns:r="http://schemas.openxmlformats.org/officeDocument/2006/relationships" xmlns:p="http://schemas.openxmlformats.org/presentationml/2006/main">
+  <p:cSld>
+    <p:spTree>
+      <p:nvGrpSpPr>
+        <p:cNvPr id="1" name=""/>
+        <p:cNvGrpSpPr/>
+        <p:nvPr/>
+      </p:nvGrpSpPr>
+      <p:grpSpPr>
+        <a:xfrm>
+          <a:off x="0" y="0"/>
+          <a:ext cx="0" cy="0"/>
+          <a:chOff x="0" y="0"/>
+          <a:chExt cx="0" cy="0"/>
+        </a:xfrm>
+      </p:grpSpPr>
+      <p:sp>
+        <p:nvSpPr>
+          <p:cNvPr id="2" name="Slide Image Placeholder 1"/>
+          <p:cNvSpPr>
+            <a:spLocks noGrp="1" noRot="1" noChangeAspect="1"/>
+          </p:cNvSpPr>
+          <p:nvPr>
+            <p:ph type="sldImg"/>
+          </p:nvPr>
+        </p:nvSpPr>
+        <p:spPr/>
+      </p:sp>
+      <p:sp>
+        <p:nvSpPr>
+          <p:cNvPr id="3" name="Notes Placeholder 2"/>
+          <p:cNvSpPr>
+            <a:spLocks noGrp="1"/>
+          </p:cNvSpPr>
+          <p:nvPr>
+            <p:ph type="body" idx="1"/>
+          </p:nvPr>
+        </p:nvSpPr>
+        <p:spPr/>
+        <p:txBody>
+          <a:bodyPr/>
+          <a:lstStyle/>
+          <a:p>
+            <a:endParaRPr lang="en-US" dirty="0"/>
+          </a:p>
+        </p:txBody>
+      </p:sp>
+      <p:sp>
+        <p:nvSpPr>
+          <p:cNvPr id="4" name="Slide Number Placeholder 3"/>
+          <p:cNvSpPr>
+            <a:spLocks noGrp="1"/>
+          </p:cNvSpPr>
+          <p:nvPr>
+            <p:ph type="sldNum" sz="quarter" idx="5"/>
+          </p:nvPr>
+        </p:nvSpPr>
+        <p:spPr/>
+        <p:txBody>
+          <a:bodyPr/>
+          <a:lstStyle/>
+          <a:p>
+            <a:fld id="{E0746DE6-3336-457D-A091-FA20AC1C536E}" type="slidenum">
+              <a:rPr lang="en-US" smtClean="0"/>
+              <a:t>6</a:t>
+            </a:fld>
+            <a:endParaRPr lang="en-US"/>
+          </a:p>
+        </p:txBody>
+      </p:sp>
+    </p:spTree>
+    <p:extLst>
+      <p:ext uri="{BB962C8B-B14F-4D97-AF65-F5344CB8AC3E}">
+        <p14:creationId xmlns:p14="http://schemas.microsoft.com/office/powerpoint/2010/main" val="2354456239"/>
       </p:ext>
     </p:extLst>
   </p:cSld>
@@ -1430,7 +1513,7 @@
           <a:p>
             <a:fld id="{7CA3592D-2530-5E46-ACCE-83CC9BD24E0C}" type="datetime1">
               <a:rPr lang="en-US" smtClean="0"/>
-              <a:t>4/20/20</a:t>
+              <a:t>4/21/20</a:t>
             </a:fld>
             <a:endParaRPr lang="en-US" dirty="0"/>
           </a:p>
@@ -1697,7 +1780,7 @@
           <a:p>
             <a:fld id="{37347519-5484-294B-B441-31265A375FD4}" type="datetime1">
               <a:rPr lang="en-US" smtClean="0"/>
-              <a:t>4/20/20</a:t>
+              <a:t>4/21/20</a:t>
             </a:fld>
             <a:endParaRPr lang="en-US" dirty="0"/>
           </a:p>
@@ -1937,7 +2020,7 @@
           <a:p>
             <a:fld id="{F70368A7-A05D-0A43-857B-68FB89E714C9}" type="datetime1">
               <a:rPr lang="en-US" smtClean="0"/>
-              <a:t>4/20/20</a:t>
+              <a:t>4/21/20</a:t>
             </a:fld>
             <a:endParaRPr lang="en-US" dirty="0"/>
           </a:p>
@@ -2182,7 +2265,7 @@
           <a:p>
             <a:fld id="{4B4EAA22-CCA0-A44B-91FF-B926AE2DF6F9}" type="datetime1">
               <a:rPr lang="en-US" smtClean="0"/>
-              <a:t>4/20/20</a:t>
+              <a:t>4/21/20</a:t>
             </a:fld>
             <a:endParaRPr lang="en-US" dirty="0"/>
           </a:p>
@@ -2494,7 +2577,7 @@
           <a:p>
             <a:fld id="{6510DA64-37FF-BB4F-A793-3EA5E791A904}" type="datetime1">
               <a:rPr lang="en-US" smtClean="0"/>
-              <a:t>4/20/20</a:t>
+              <a:t>4/21/20</a:t>
             </a:fld>
             <a:endParaRPr lang="en-US" dirty="0"/>
           </a:p>
@@ -2801,7 +2884,7 @@
           <a:p>
             <a:fld id="{1CC40808-669C-8541-B2E6-96D3049E352C}" type="datetime1">
               <a:rPr lang="en-US" smtClean="0"/>
-              <a:t>4/20/20</a:t>
+              <a:t>4/21/20</a:t>
             </a:fld>
             <a:endParaRPr lang="en-US" dirty="0"/>
           </a:p>
@@ -3228,7 +3311,7 @@
           <a:p>
             <a:fld id="{D39F522A-0C85-F84D-869C-542C630EB858}" type="datetime1">
               <a:rPr lang="en-US" smtClean="0"/>
-              <a:t>4/20/20</a:t>
+              <a:t>4/21/20</a:t>
             </a:fld>
             <a:endParaRPr lang="en-US" dirty="0"/>
           </a:p>
@@ -3395,7 +3478,7 @@
           <a:p>
             <a:fld id="{165F693F-FCD7-1845-843B-0E93D6EA02D7}" type="datetime1">
               <a:rPr lang="en-US" smtClean="0"/>
-              <a:t>4/20/20</a:t>
+              <a:t>4/21/20</a:t>
             </a:fld>
             <a:endParaRPr lang="en-US" dirty="0"/>
           </a:p>
@@ -3495,7 +3578,7 @@
           <a:p>
             <a:fld id="{9A370E98-BA04-854A-81A4-3E98E3059C65}" type="datetime1">
               <a:rPr lang="en-US" smtClean="0"/>
-              <a:t>4/20/20</a:t>
+              <a:t>4/21/20</a:t>
             </a:fld>
             <a:endParaRPr lang="en-US" dirty="0"/>
           </a:p>
@@ -3878,7 +3961,7 @@
           <a:p>
             <a:fld id="{C20D15BE-C668-7B4E-8484-E5747130EC0F}" type="datetime1">
               <a:rPr lang="en-US" smtClean="0"/>
-              <a:t>4/20/20</a:t>
+              <a:t>4/21/20</a:t>
             </a:fld>
             <a:endParaRPr lang="en-US" dirty="0"/>
           </a:p>
@@ -4172,7 +4255,7 @@
           <a:p>
             <a:fld id="{07A744DD-2C68-7D42-8953-8B5A354179AA}" type="datetime1">
               <a:rPr lang="en-US" smtClean="0"/>
-              <a:t>4/20/20</a:t>
+              <a:t>4/21/20</a:t>
             </a:fld>
             <a:endParaRPr lang="en-US" dirty="0"/>
           </a:p>
@@ -4388,7 +4471,7 @@
           <a:p>
             <a:fld id="{CA414FAE-EEF4-2645-A748-7790E77ED0C0}" type="datetime1">
               <a:rPr lang="en-US" smtClean="0"/>
-              <a:t>4/20/20</a:t>
+              <a:t>4/21/20</a:t>
             </a:fld>
             <a:endParaRPr lang="en-US" dirty="0"/>
           </a:p>
@@ -5576,12 +5659,33 @@
           <a:lstStyle/>
           <a:p>
             <a:r>
-              <a:rPr lang="en-US" sz="2000"/>
-              <a:t>Remote attestation is a means of verifying integrity of software running on a remote device.</a:t>
-            </a:r>
-          </a:p>
-          <a:p>
-            <a:endParaRPr lang="en-US" sz="2000"/>
+              <a:rPr lang="en-US" sz="2000" dirty="0"/>
+              <a:t>What are data flow attacks?</a:t>
+            </a:r>
+          </a:p>
+          <a:p>
+            <a:r>
+              <a:rPr lang="en-US" sz="2000" dirty="0"/>
+              <a:t>Why is it important to do data flow integrity or attestation?</a:t>
+            </a:r>
+          </a:p>
+          <a:p>
+            <a:r>
+              <a:rPr lang="en-US" sz="2000" dirty="0"/>
+              <a:t>Difference between software space and IOT space</a:t>
+            </a:r>
+          </a:p>
+          <a:p>
+            <a:r>
+              <a:rPr lang="en-US" sz="2000" dirty="0"/>
+              <a:t>Eventually, why are we doing attestation and why not integrity?</a:t>
+            </a:r>
+          </a:p>
+          <a:p>
+            <a:endParaRPr lang="en-US" sz="2000" dirty="0"/>
+          </a:p>
+          <a:p>
+            <a:endParaRPr lang="en-US" sz="2000" dirty="0"/>
           </a:p>
         </p:txBody>
       </p:sp>
@@ -6054,7 +6158,28 @@
           </a:bodyPr>
           <a:lstStyle/>
           <a:p>
-            <a:endParaRPr lang="en-US" sz="2000"/>
+            <a:r>
+              <a:rPr lang="en-US" sz="2000" dirty="0"/>
+              <a:t>There is no scheme yet for doing data flow attestation</a:t>
+            </a:r>
+          </a:p>
+          <a:p>
+            <a:r>
+              <a:rPr lang="en-US" sz="2000" dirty="0"/>
+              <a:t>CFLAT and others are doing control flow attestation which is not sufficient because the attacker can change the data pointers to point to sensitive data and steal them</a:t>
+            </a:r>
+          </a:p>
+          <a:p>
+            <a:r>
+              <a:rPr lang="en-US" sz="2000" dirty="0"/>
+              <a:t>Or attacker can change the return values and function arguments to give incorrect output but follow the expected control flow</a:t>
+            </a:r>
+          </a:p>
+          <a:p>
+            <a:r>
+              <a:rPr lang="en-US" sz="2000" dirty="0"/>
+              <a:t>These data-oriented attacks can lead to severe damage especially when the IOT software belongs to safety critical applications or health department</a:t>
+            </a:r>
           </a:p>
         </p:txBody>
       </p:sp>
@@ -6528,8 +6653,14 @@
           <a:lstStyle/>
           <a:p>
             <a:r>
-              <a:rPr lang="en-US" sz="2000"/>
-              <a:t>CFLAT and other work</a:t>
+              <a:rPr lang="en-US" sz="2000" dirty="0"/>
+              <a:t>CFLAT for remote attestation architecture and control flow attestation idea</a:t>
+            </a:r>
+          </a:p>
+          <a:p>
+            <a:r>
+              <a:rPr lang="en-US" sz="2000" dirty="0"/>
+              <a:t>Securing software by enforcing data flow integrity for similar ideas to solve the problem</a:t>
             </a:r>
           </a:p>
         </p:txBody>
@@ -7003,7 +7134,33 @@
           </a:bodyPr>
           <a:lstStyle/>
           <a:p>
-            <a:endParaRPr lang="en-US" sz="2000"/>
+            <a:r>
+              <a:rPr lang="en-US" sz="2000" dirty="0"/>
+              <a:t>Remote attestation architecture for attestation</a:t>
+            </a:r>
+          </a:p>
+          <a:p>
+            <a:r>
+              <a:rPr lang="en-US" sz="2000" dirty="0"/>
+              <a:t>Secure DFA monitor residing in ARM-</a:t>
+            </a:r>
+            <a:r>
+              <a:rPr lang="en-US" sz="2000" dirty="0" err="1"/>
+              <a:t>TrustZone</a:t>
+            </a:r>
+            <a:endParaRPr lang="en-US" sz="2000" dirty="0"/>
+          </a:p>
+          <a:p>
+            <a:r>
+              <a:rPr lang="en-US" sz="2000" dirty="0"/>
+              <a:t>Hash chain for data pointers, function argument pointers and return value pointers</a:t>
+            </a:r>
+          </a:p>
+          <a:p>
+            <a:r>
+              <a:rPr lang="en-US" sz="2000" dirty="0"/>
+              <a:t>Def-use chain integrity</a:t>
+            </a:r>
           </a:p>
         </p:txBody>
       </p:sp>
@@ -7012,7 +7169,7 @@
           <p:cNvPr id="4" name="Footer Placeholder 3">
             <a:extLst>
               <a:ext uri="{FF2B5EF4-FFF2-40B4-BE49-F238E27FC236}">
-                <a16:creationId xmlns:a16="http://schemas.microsoft.com/office/drawing/2014/main" id="{E7ECE224-52B9-F242-843E-4B02EF5DD8F2}"/>
+                <a16:creationId xmlns:a16="http://schemas.microsoft.com/office/drawing/2014/main" id="{79B028C2-7AB0-CD4E-AFEC-CABBC7A07236}"/>
               </a:ext>
             </a:extLst>
           </p:cNvPr>
@@ -7129,7 +7286,7 @@
                   <a:srgbClr val="FFFEFF"/>
                 </a:solidFill>
               </a:rPr>
-              <a:t>Related work</a:t>
+              <a:t>Our approach</a:t>
             </a:r>
           </a:p>
         </p:txBody>
@@ -7139,7 +7296,7 @@
           <p:cNvPr id="5" name="Slide Number Placeholder 4">
             <a:extLst>
               <a:ext uri="{FF2B5EF4-FFF2-40B4-BE49-F238E27FC236}">
-                <a16:creationId xmlns:a16="http://schemas.microsoft.com/office/drawing/2014/main" id="{9F1463A2-B580-2646-927D-A22E8488CE27}"/>
+                <a16:creationId xmlns:a16="http://schemas.microsoft.com/office/drawing/2014/main" id="{DD121888-DF1A-C84A-8442-F42EE4CFC723}"/>
               </a:ext>
             </a:extLst>
           </p:cNvPr>
@@ -7197,7 +7354,7 @@
     </p:spTree>
     <p:extLst>
       <p:ext uri="{BB962C8B-B14F-4D97-AF65-F5344CB8AC3E}">
-        <p14:creationId xmlns:p14="http://schemas.microsoft.com/office/powerpoint/2010/main" val="2387700227"/>
+        <p14:creationId xmlns:p14="http://schemas.microsoft.com/office/powerpoint/2010/main" val="3643751538"/>
       </p:ext>
     </p:extLst>
   </p:cSld>
@@ -7234,7 +7391,7 @@
       </p:grpSpPr>
       <p:sp useBgFill="1">
         <p:nvSpPr>
-          <p:cNvPr id="16" name="Rectangle 15">
+          <p:cNvPr id="23" name="Rectangle 22">
             <a:extLst>
               <a:ext uri="{FF2B5EF4-FFF2-40B4-BE49-F238E27FC236}">
                 <a16:creationId xmlns:a16="http://schemas.microsoft.com/office/drawing/2014/main" id="{F858DF7D-C2D0-4B03-A7A0-2F06B789EE35}"/>
@@ -7294,7 +7451,7 @@
       </p:sp>
       <p:sp>
         <p:nvSpPr>
-          <p:cNvPr id="18" name="Rectangle 17">
+          <p:cNvPr id="25" name="Rectangle 24">
             <a:extLst>
               <a:ext uri="{FF2B5EF4-FFF2-40B4-BE49-F238E27FC236}">
                 <a16:creationId xmlns:a16="http://schemas.microsoft.com/office/drawing/2014/main" id="{1B26B711-3121-40B0-8377-A64F3DC00C7A}"/>
@@ -7348,7 +7505,7 @@
       </p:sp>
       <p:sp>
         <p:nvSpPr>
-          <p:cNvPr id="20" name="Rectangle 19">
+          <p:cNvPr id="27" name="Rectangle 26">
             <a:extLst>
               <a:ext uri="{FF2B5EF4-FFF2-40B4-BE49-F238E27FC236}">
                 <a16:creationId xmlns:a16="http://schemas.microsoft.com/office/drawing/2014/main" id="{645C4D3D-ABBA-4B4E-93E5-01E343719849}"/>
@@ -7402,7 +7559,7 @@
       </p:sp>
       <p:sp>
         <p:nvSpPr>
-          <p:cNvPr id="22" name="Rectangle 21">
+          <p:cNvPr id="29" name="Rectangle 28">
             <a:extLst>
               <a:ext uri="{FF2B5EF4-FFF2-40B4-BE49-F238E27FC236}">
                 <a16:creationId xmlns:a16="http://schemas.microsoft.com/office/drawing/2014/main" id="{98DDD5E5-0097-4C6C-B266-5732EDA96CC4}"/>
@@ -7476,7 +7633,68 @@
           </a:bodyPr>
           <a:lstStyle/>
           <a:p>
-            <a:endParaRPr lang="en-US" sz="2000"/>
+            <a:r>
+              <a:rPr lang="en-US" sz="2000" dirty="0"/>
+              <a:t>REFERENCES</a:t>
+            </a:r>
+          </a:p>
+          <a:p>
+            <a:pPr lvl="1"/>
+            <a:r>
+              <a:rPr lang="en-US" sz="2000" dirty="0" err="1"/>
+              <a:t>Tigist</a:t>
+            </a:r>
+            <a:r>
+              <a:rPr lang="en-US" sz="2000" dirty="0"/>
+              <a:t> </a:t>
+            </a:r>
+            <a:r>
+              <a:rPr lang="en-US" sz="2000" dirty="0" err="1"/>
+              <a:t>Abera</a:t>
+            </a:r>
+            <a:r>
+              <a:rPr lang="en-US" sz="2000" dirty="0"/>
+              <a:t>, N. </a:t>
+            </a:r>
+            <a:r>
+              <a:rPr lang="en-US" sz="2000" dirty="0" err="1"/>
+              <a:t>Asokan</a:t>
+            </a:r>
+            <a:r>
+              <a:rPr lang="en-US" sz="2000" dirty="0"/>
+              <a:t>, Lucas </a:t>
+            </a:r>
+            <a:r>
+              <a:rPr lang="en-US" sz="2000" dirty="0" err="1"/>
+              <a:t>Davi</a:t>
+            </a:r>
+            <a:r>
+              <a:rPr lang="en-US" sz="2000" dirty="0"/>
+              <a:t>, Jan-Erik Ekberg, Thomas Nyman, Andrew </a:t>
+            </a:r>
+            <a:r>
+              <a:rPr lang="en-US" sz="2000" dirty="0" err="1"/>
+              <a:t>Paverd</a:t>
+            </a:r>
+            <a:r>
+              <a:rPr lang="en-US" sz="2000" dirty="0"/>
+              <a:t>, Ahmad-Reza Sadeghi, Gene </a:t>
+            </a:r>
+            <a:r>
+              <a:rPr lang="en-US" sz="2000" dirty="0" err="1"/>
+              <a:t>Tsudik</a:t>
+            </a:r>
+            <a:r>
+              <a:rPr lang="en-US" sz="2000" dirty="0"/>
+              <a:t>.     C-FLAT: Control-Flow Attestation for Embedded Systems Software.</a:t>
+            </a:r>
+          </a:p>
+          <a:p>
+            <a:pPr lvl="1"/>
+            <a:r>
+              <a:rPr lang="en-US" sz="2000" dirty="0"/>
+              <a:t>Miguel Castro, Manuel Costa, Tim Harris. Securing software by enforcing data-flow integrity.</a:t>
+            </a:r>
           </a:p>
         </p:txBody>
       </p:sp>
@@ -7485,7 +7703,7 @@
           <p:cNvPr id="4" name="Footer Placeholder 3">
             <a:extLst>
               <a:ext uri="{FF2B5EF4-FFF2-40B4-BE49-F238E27FC236}">
-                <a16:creationId xmlns:a16="http://schemas.microsoft.com/office/drawing/2014/main" id="{79B028C2-7AB0-CD4E-AFEC-CABBC7A07236}"/>
+                <a16:creationId xmlns:a16="http://schemas.microsoft.com/office/drawing/2014/main" id="{6E042391-FC9B-8B4F-900C-23E410B5D3AC}"/>
               </a:ext>
             </a:extLst>
           </p:cNvPr>
@@ -7522,7 +7740,7 @@
       </p:sp>
       <p:sp>
         <p:nvSpPr>
-          <p:cNvPr id="24" name="Rectangle 23">
+          <p:cNvPr id="31" name="Rectangle 30">
             <a:extLst>
               <a:ext uri="{FF2B5EF4-FFF2-40B4-BE49-F238E27FC236}">
                 <a16:creationId xmlns:a16="http://schemas.microsoft.com/office/drawing/2014/main" id="{8952EF87-C74F-4D3F-9CAD-EEA1733C9BD0}"/>
@@ -7602,7 +7820,7 @@
                   <a:srgbClr val="FFFEFF"/>
                 </a:solidFill>
               </a:rPr>
-              <a:t>Our approach</a:t>
+              <a:t>thank you!</a:t>
             </a:r>
           </a:p>
         </p:txBody>
@@ -7612,7 +7830,7 @@
           <p:cNvPr id="5" name="Slide Number Placeholder 4">
             <a:extLst>
               <a:ext uri="{FF2B5EF4-FFF2-40B4-BE49-F238E27FC236}">
-                <a16:creationId xmlns:a16="http://schemas.microsoft.com/office/drawing/2014/main" id="{DD121888-DF1A-C84A-8442-F42EE4CFC723}"/>
+                <a16:creationId xmlns:a16="http://schemas.microsoft.com/office/drawing/2014/main" id="{C1B36E01-C3AC-1F41-8E6F-E82A7BBF1F50}"/>
               </a:ext>
             </a:extLst>
           </p:cNvPr>
@@ -7655,489 +7873,6 @@
                 </a:spcAft>
               </a:pPr>
               <a:t>6</a:t>
-            </a:fld>
-            <a:endParaRPr lang="en-US">
-              <a:solidFill>
-                <a:schemeClr val="accent1">
-                  <a:lumMod val="75000"/>
-                  <a:lumOff val="25000"/>
-                </a:schemeClr>
-              </a:solidFill>
-            </a:endParaRPr>
-          </a:p>
-        </p:txBody>
-      </p:sp>
-    </p:spTree>
-    <p:extLst>
-      <p:ext uri="{BB962C8B-B14F-4D97-AF65-F5344CB8AC3E}">
-        <p14:creationId xmlns:p14="http://schemas.microsoft.com/office/powerpoint/2010/main" val="3643751538"/>
-      </p:ext>
-    </p:extLst>
-  </p:cSld>
-  <p:clrMapOvr>
-    <a:masterClrMapping/>
-  </p:clrMapOvr>
-</p:sld>
-</file>
-
-<file path=ppt/slides/slide7.xml><?xml version="1.0" encoding="utf-8"?>
-<p:sld xmlns:a="http://schemas.openxmlformats.org/drawingml/2006/main" xmlns:r="http://schemas.openxmlformats.org/officeDocument/2006/relationships" xmlns:p="http://schemas.openxmlformats.org/presentationml/2006/main">
-  <p:cSld>
-    <p:bg>
-      <p:bgPr>
-        <a:solidFill>
-          <a:schemeClr val="bg1"/>
-        </a:solidFill>
-        <a:effectLst/>
-      </p:bgPr>
-    </p:bg>
-    <p:spTree>
-      <p:nvGrpSpPr>
-        <p:cNvPr id="1" name=""/>
-        <p:cNvGrpSpPr/>
-        <p:nvPr/>
-      </p:nvGrpSpPr>
-      <p:grpSpPr>
-        <a:xfrm>
-          <a:off x="0" y="0"/>
-          <a:ext cx="0" cy="0"/>
-          <a:chOff x="0" y="0"/>
-          <a:chExt cx="0" cy="0"/>
-        </a:xfrm>
-      </p:grpSpPr>
-      <p:sp useBgFill="1">
-        <p:nvSpPr>
-          <p:cNvPr id="23" name="Rectangle 22">
-            <a:extLst>
-              <a:ext uri="{FF2B5EF4-FFF2-40B4-BE49-F238E27FC236}">
-                <a16:creationId xmlns:a16="http://schemas.microsoft.com/office/drawing/2014/main" id="{F858DF7D-C2D0-4B03-A7A0-2F06B789EE35}"/>
-              </a:ext>
-              <a:ext uri="{C183D7F6-B498-43B3-948B-1728B52AA6E4}">
-                <adec:decorative xmlns:adec="http://schemas.microsoft.com/office/drawing/2017/decorative" val="1"/>
-              </a:ext>
-            </a:extLst>
-          </p:cNvPr>
-          <p:cNvSpPr>
-            <a:spLocks noGrp="1" noRot="1" noChangeAspect="1" noMove="1" noResize="1" noEditPoints="1" noAdjustHandles="1" noChangeArrowheads="1" noChangeShapeType="1" noTextEdit="1"/>
-          </p:cNvSpPr>
-          <p:nvPr>
-            <p:extLst>
-              <p:ext uri="{386F3935-93C4-4BCD-93E2-E3B085C9AB24}">
-                <p16:designElem xmlns:p16="http://schemas.microsoft.com/office/powerpoint/2015/main" val="1"/>
-              </p:ext>
-            </p:extLst>
-          </p:nvPr>
-        </p:nvSpPr>
-        <p:spPr>
-          <a:xfrm>
-            <a:off x="0" y="0"/>
-            <a:ext cx="12191999" cy="6858001"/>
-          </a:xfrm>
-          <a:prstGeom prst="rect">
-            <a:avLst/>
-          </a:prstGeom>
-          <a:ln>
-            <a:noFill/>
-          </a:ln>
-        </p:spPr>
-        <p:style>
-          <a:lnRef idx="2">
-            <a:schemeClr val="accent1">
-              <a:shade val="50000"/>
-            </a:schemeClr>
-          </a:lnRef>
-          <a:fillRef idx="1">
-            <a:schemeClr val="accent1"/>
-          </a:fillRef>
-          <a:effectRef idx="0">
-            <a:schemeClr val="accent1"/>
-          </a:effectRef>
-          <a:fontRef idx="minor">
-            <a:schemeClr val="lt1"/>
-          </a:fontRef>
-        </p:style>
-        <p:txBody>
-          <a:bodyPr rtlCol="0" anchor="ctr"/>
-          <a:lstStyle/>
-          <a:p>
-            <a:pPr algn="ctr"/>
-            <a:endParaRPr lang="en-US"/>
-          </a:p>
-        </p:txBody>
-      </p:sp>
-      <p:sp>
-        <p:nvSpPr>
-          <p:cNvPr id="25" name="Rectangle 24">
-            <a:extLst>
-              <a:ext uri="{FF2B5EF4-FFF2-40B4-BE49-F238E27FC236}">
-                <a16:creationId xmlns:a16="http://schemas.microsoft.com/office/drawing/2014/main" id="{1B26B711-3121-40B0-8377-A64F3DC00C7A}"/>
-              </a:ext>
-              <a:ext uri="{C183D7F6-B498-43B3-948B-1728B52AA6E4}">
-                <adec:decorative xmlns:adec="http://schemas.microsoft.com/office/drawing/2017/decorative" val="1"/>
-              </a:ext>
-            </a:extLst>
-          </p:cNvPr>
-          <p:cNvSpPr>
-            <a:spLocks noGrp="1" noRot="1" noChangeAspect="1" noMove="1" noResize="1" noEditPoints="1" noAdjustHandles="1" noChangeArrowheads="1" noChangeShapeType="1" noTextEdit="1"/>
-          </p:cNvSpPr>
-          <p:nvPr>
-            <p:extLst>
-              <p:ext uri="{386F3935-93C4-4BCD-93E2-E3B085C9AB24}">
-                <p16:designElem xmlns:p16="http://schemas.microsoft.com/office/powerpoint/2015/main" val="1"/>
-              </p:ext>
-            </p:extLst>
-          </p:nvPr>
-        </p:nvSpPr>
-        <p:spPr>
-          <a:xfrm>
-            <a:off x="446534" y="457200"/>
-            <a:ext cx="3703320" cy="94997"/>
-          </a:xfrm>
-          <a:prstGeom prst="rect">
-            <a:avLst/>
-          </a:prstGeom>
-          <a:solidFill>
-            <a:schemeClr val="accent1"/>
-          </a:solidFill>
-          <a:ln>
-            <a:noFill/>
-          </a:ln>
-          <a:effectLst/>
-        </p:spPr>
-        <p:style>
-          <a:lnRef idx="1">
-            <a:schemeClr val="accent1"/>
-          </a:lnRef>
-          <a:fillRef idx="3">
-            <a:schemeClr val="accent1"/>
-          </a:fillRef>
-          <a:effectRef idx="2">
-            <a:schemeClr val="accent1"/>
-          </a:effectRef>
-          <a:fontRef idx="minor">
-            <a:schemeClr val="lt1"/>
-          </a:fontRef>
-        </p:style>
-      </p:sp>
-      <p:sp>
-        <p:nvSpPr>
-          <p:cNvPr id="27" name="Rectangle 26">
-            <a:extLst>
-              <a:ext uri="{FF2B5EF4-FFF2-40B4-BE49-F238E27FC236}">
-                <a16:creationId xmlns:a16="http://schemas.microsoft.com/office/drawing/2014/main" id="{645C4D3D-ABBA-4B4E-93E5-01E343719849}"/>
-              </a:ext>
-              <a:ext uri="{C183D7F6-B498-43B3-948B-1728B52AA6E4}">
-                <adec:decorative xmlns:adec="http://schemas.microsoft.com/office/drawing/2017/decorative" val="1"/>
-              </a:ext>
-            </a:extLst>
-          </p:cNvPr>
-          <p:cNvSpPr>
-            <a:spLocks noGrp="1" noRot="1" noChangeAspect="1" noMove="1" noResize="1" noEditPoints="1" noAdjustHandles="1" noChangeArrowheads="1" noChangeShapeType="1" noTextEdit="1"/>
-          </p:cNvSpPr>
-          <p:nvPr>
-            <p:extLst>
-              <p:ext uri="{386F3935-93C4-4BCD-93E2-E3B085C9AB24}">
-                <p16:designElem xmlns:p16="http://schemas.microsoft.com/office/powerpoint/2015/main" val="1"/>
-              </p:ext>
-            </p:extLst>
-          </p:nvPr>
-        </p:nvSpPr>
-        <p:spPr>
-          <a:xfrm>
-            <a:off x="4241830" y="457200"/>
-            <a:ext cx="3703320" cy="91440"/>
-          </a:xfrm>
-          <a:prstGeom prst="rect">
-            <a:avLst/>
-          </a:prstGeom>
-          <a:solidFill>
-            <a:schemeClr val="accent2"/>
-          </a:solidFill>
-          <a:ln>
-            <a:noFill/>
-          </a:ln>
-          <a:effectLst/>
-        </p:spPr>
-        <p:style>
-          <a:lnRef idx="1">
-            <a:schemeClr val="accent1"/>
-          </a:lnRef>
-          <a:fillRef idx="3">
-            <a:schemeClr val="accent1"/>
-          </a:fillRef>
-          <a:effectRef idx="2">
-            <a:schemeClr val="accent1"/>
-          </a:effectRef>
-          <a:fontRef idx="minor">
-            <a:schemeClr val="lt1"/>
-          </a:fontRef>
-        </p:style>
-      </p:sp>
-      <p:sp>
-        <p:nvSpPr>
-          <p:cNvPr id="29" name="Rectangle 28">
-            <a:extLst>
-              <a:ext uri="{FF2B5EF4-FFF2-40B4-BE49-F238E27FC236}">
-                <a16:creationId xmlns:a16="http://schemas.microsoft.com/office/drawing/2014/main" id="{98DDD5E5-0097-4C6C-B266-5732EDA96CC4}"/>
-              </a:ext>
-              <a:ext uri="{C183D7F6-B498-43B3-948B-1728B52AA6E4}">
-                <adec:decorative xmlns:adec="http://schemas.microsoft.com/office/drawing/2017/decorative" val="1"/>
-              </a:ext>
-            </a:extLst>
-          </p:cNvPr>
-          <p:cNvSpPr>
-            <a:spLocks noGrp="1" noRot="1" noChangeAspect="1" noMove="1" noResize="1" noEditPoints="1" noAdjustHandles="1" noChangeArrowheads="1" noChangeShapeType="1" noTextEdit="1"/>
-          </p:cNvSpPr>
-          <p:nvPr>
-            <p:extLst>
-              <p:ext uri="{386F3935-93C4-4BCD-93E2-E3B085C9AB24}">
-                <p16:designElem xmlns:p16="http://schemas.microsoft.com/office/powerpoint/2015/main" val="1"/>
-              </p:ext>
-            </p:extLst>
-          </p:nvPr>
-        </p:nvSpPr>
-        <p:spPr>
-          <a:xfrm>
-            <a:off x="8042147" y="453643"/>
-            <a:ext cx="3703320" cy="98554"/>
-          </a:xfrm>
-          <a:prstGeom prst="rect">
-            <a:avLst/>
-          </a:prstGeom>
-          <a:solidFill>
-            <a:schemeClr val="accent4"/>
-          </a:solidFill>
-          <a:ln>
-            <a:noFill/>
-          </a:ln>
-          <a:effectLst/>
-        </p:spPr>
-        <p:style>
-          <a:lnRef idx="1">
-            <a:schemeClr val="accent1"/>
-          </a:lnRef>
-          <a:fillRef idx="3">
-            <a:schemeClr val="accent1"/>
-          </a:fillRef>
-          <a:effectRef idx="2">
-            <a:schemeClr val="accent1"/>
-          </a:effectRef>
-          <a:fontRef idx="minor">
-            <a:schemeClr val="lt1"/>
-          </a:fontRef>
-        </p:style>
-      </p:sp>
-      <p:sp>
-        <p:nvSpPr>
-          <p:cNvPr id="3" name="Content Placeholder 2"/>
-          <p:cNvSpPr>
-            <a:spLocks noGrp="1"/>
-          </p:cNvSpPr>
-          <p:nvPr>
-            <p:ph idx="1"/>
-          </p:nvPr>
-        </p:nvSpPr>
-        <p:spPr>
-          <a:xfrm>
-            <a:off x="581192" y="1037968"/>
-            <a:ext cx="7014423" cy="4820832"/>
-          </a:xfrm>
-        </p:spPr>
-        <p:txBody>
-          <a:bodyPr>
-            <a:normAutofit/>
-          </a:bodyPr>
-          <a:lstStyle/>
-          <a:p>
-            <a:r>
-              <a:rPr lang="en-US" sz="2000"/>
-              <a:t>REFERENCES</a:t>
-            </a:r>
-          </a:p>
-          <a:p>
-            <a:pPr lvl="1"/>
-            <a:r>
-              <a:rPr lang="en-US" sz="2000"/>
-              <a:t>Tigist Abera, N. Asokan, Lucas Davi, Jan-Erik Ekberg, Thomas Nyman, Andrew Paverd, Ahmad-Reza Sadeghi, Gene Tsudik.     C-FLAT: Control-Flow Attestation for Embedded Systems Software</a:t>
-            </a:r>
-          </a:p>
-        </p:txBody>
-      </p:sp>
-      <p:sp>
-        <p:nvSpPr>
-          <p:cNvPr id="4" name="Footer Placeholder 3">
-            <a:extLst>
-              <a:ext uri="{FF2B5EF4-FFF2-40B4-BE49-F238E27FC236}">
-                <a16:creationId xmlns:a16="http://schemas.microsoft.com/office/drawing/2014/main" id="{6E042391-FC9B-8B4F-900C-23E410B5D3AC}"/>
-              </a:ext>
-            </a:extLst>
-          </p:cNvPr>
-          <p:cNvSpPr>
-            <a:spLocks noGrp="1"/>
-          </p:cNvSpPr>
-          <p:nvPr>
-            <p:ph type="ftr" sz="quarter" idx="11"/>
-          </p:nvPr>
-        </p:nvSpPr>
-        <p:spPr>
-          <a:xfrm>
-            <a:off x="581192" y="5951811"/>
-            <a:ext cx="6917210" cy="365125"/>
-          </a:xfrm>
-        </p:spPr>
-        <p:txBody>
-          <a:bodyPr>
-            <a:normAutofit/>
-          </a:bodyPr>
-          <a:lstStyle/>
-          <a:p>
-            <a:pPr>
-              <a:spcAft>
-                <a:spcPts val="600"/>
-              </a:spcAft>
-            </a:pPr>
-            <a:r>
-              <a:rPr lang="en-US"/>
-              <a:t>CS295: Pre-Proposal Presentation</a:t>
-            </a:r>
-          </a:p>
-        </p:txBody>
-      </p:sp>
-      <p:sp>
-        <p:nvSpPr>
-          <p:cNvPr id="31" name="Rectangle 30">
-            <a:extLst>
-              <a:ext uri="{FF2B5EF4-FFF2-40B4-BE49-F238E27FC236}">
-                <a16:creationId xmlns:a16="http://schemas.microsoft.com/office/drawing/2014/main" id="{8952EF87-C74F-4D3F-9CAD-EEA1733C9BD0}"/>
-              </a:ext>
-              <a:ext uri="{C183D7F6-B498-43B3-948B-1728B52AA6E4}">
-                <adec:decorative xmlns:adec="http://schemas.microsoft.com/office/drawing/2017/decorative" val="1"/>
-              </a:ext>
-            </a:extLst>
-          </p:cNvPr>
-          <p:cNvSpPr>
-            <a:spLocks noGrp="1" noRot="1" noChangeAspect="1" noMove="1" noResize="1" noEditPoints="1" noAdjustHandles="1" noChangeArrowheads="1" noChangeShapeType="1" noTextEdit="1"/>
-          </p:cNvSpPr>
-          <p:nvPr>
-            <p:extLst>
-              <p:ext uri="{386F3935-93C4-4BCD-93E2-E3B085C9AB24}">
-                <p16:designElem xmlns:p16="http://schemas.microsoft.com/office/powerpoint/2015/main" val="1"/>
-              </p:ext>
-            </p:extLst>
-          </p:nvPr>
-        </p:nvSpPr>
-        <p:spPr>
-          <a:xfrm>
-            <a:off x="8042147" y="723899"/>
-            <a:ext cx="3703320" cy="5666666"/>
-          </a:xfrm>
-          <a:prstGeom prst="rect">
-            <a:avLst/>
-          </a:prstGeom>
-          <a:solidFill>
-            <a:schemeClr val="accent1"/>
-          </a:solidFill>
-          <a:ln>
-            <a:noFill/>
-          </a:ln>
-          <a:effectLst/>
-        </p:spPr>
-        <p:style>
-          <a:lnRef idx="1">
-            <a:schemeClr val="accent1"/>
-          </a:lnRef>
-          <a:fillRef idx="3">
-            <a:schemeClr val="accent1"/>
-          </a:fillRef>
-          <a:effectRef idx="2">
-            <a:schemeClr val="accent1"/>
-          </a:effectRef>
-          <a:fontRef idx="minor">
-            <a:schemeClr val="lt1"/>
-          </a:fontRef>
-        </p:style>
-      </p:sp>
-      <p:sp>
-        <p:nvSpPr>
-          <p:cNvPr id="2" name="Title 1"/>
-          <p:cNvSpPr>
-            <a:spLocks noGrp="1"/>
-          </p:cNvSpPr>
-          <p:nvPr>
-            <p:ph type="title"/>
-          </p:nvPr>
-        </p:nvSpPr>
-        <p:spPr>
-          <a:xfrm>
-            <a:off x="8369643" y="1037967"/>
-            <a:ext cx="3054091" cy="4709131"/>
-          </a:xfrm>
-        </p:spPr>
-        <p:txBody>
-          <a:bodyPr anchor="ctr">
-            <a:normAutofit/>
-          </a:bodyPr>
-          <a:lstStyle/>
-          <a:p>
-            <a:r>
-              <a:rPr lang="en-US" sz="3200">
-                <a:solidFill>
-                  <a:srgbClr val="FFFEFF"/>
-                </a:solidFill>
-              </a:rPr>
-              <a:t>thank you!</a:t>
-            </a:r>
-          </a:p>
-        </p:txBody>
-      </p:sp>
-      <p:sp>
-        <p:nvSpPr>
-          <p:cNvPr id="5" name="Slide Number Placeholder 4">
-            <a:extLst>
-              <a:ext uri="{FF2B5EF4-FFF2-40B4-BE49-F238E27FC236}">
-                <a16:creationId xmlns:a16="http://schemas.microsoft.com/office/drawing/2014/main" id="{C1B36E01-C3AC-1F41-8E6F-E82A7BBF1F50}"/>
-              </a:ext>
-            </a:extLst>
-          </p:cNvPr>
-          <p:cNvSpPr>
-            <a:spLocks noGrp="1"/>
-          </p:cNvSpPr>
-          <p:nvPr>
-            <p:ph type="sldNum" sz="quarter" idx="12"/>
-          </p:nvPr>
-        </p:nvSpPr>
-        <p:spPr>
-          <a:xfrm>
-            <a:off x="10558300" y="5956137"/>
-            <a:ext cx="1052508" cy="365125"/>
-          </a:xfrm>
-        </p:spPr>
-        <p:txBody>
-          <a:bodyPr>
-            <a:normAutofit/>
-          </a:bodyPr>
-          <a:lstStyle/>
-          <a:p>
-            <a:pPr>
-              <a:spcAft>
-                <a:spcPts val="600"/>
-              </a:spcAft>
-            </a:pPr>
-            <a:fld id="{D57F1E4F-1CFF-5643-939E-217C01CDF565}" type="slidenum">
-              <a:rPr lang="en-US">
-                <a:solidFill>
-                  <a:schemeClr val="accent1">
-                    <a:lumMod val="75000"/>
-                    <a:lumOff val="25000"/>
-                  </a:schemeClr>
-                </a:solidFill>
-              </a:rPr>
-              <a:pPr>
-                <a:spcAft>
-                  <a:spcPts val="600"/>
-                </a:spcAft>
-              </a:pPr>
-              <a:t>7</a:t>
             </a:fld>
             <a:endParaRPr lang="en-US">
               <a:solidFill>

--- a/dfa.pptx
+++ b/dfa.pptx
@@ -5,18 +5,23 @@
     <p:sldMasterId id="2147483648" r:id="rId1"/>
   </p:sldMasterIdLst>
   <p:notesMasterIdLst>
-    <p:notesMasterId r:id="rId8"/>
+    <p:notesMasterId r:id="rId13"/>
   </p:notesMasterIdLst>
   <p:handoutMasterIdLst>
-    <p:handoutMasterId r:id="rId9"/>
+    <p:handoutMasterId r:id="rId14"/>
   </p:handoutMasterIdLst>
   <p:sldIdLst>
     <p:sldId id="258" r:id="rId2"/>
-    <p:sldId id="260" r:id="rId3"/>
-    <p:sldId id="261" r:id="rId4"/>
-    <p:sldId id="262" r:id="rId5"/>
-    <p:sldId id="264" r:id="rId6"/>
-    <p:sldId id="265" r:id="rId7"/>
+    <p:sldId id="267" r:id="rId3"/>
+    <p:sldId id="260" r:id="rId4"/>
+    <p:sldId id="266" r:id="rId5"/>
+    <p:sldId id="270" r:id="rId6"/>
+    <p:sldId id="262" r:id="rId7"/>
+    <p:sldId id="269" r:id="rId8"/>
+    <p:sldId id="261" r:id="rId9"/>
+    <p:sldId id="268" r:id="rId10"/>
+    <p:sldId id="264" r:id="rId11"/>
+    <p:sldId id="265" r:id="rId12"/>
   </p:sldIdLst>
   <p:sldSz cx="12192000" cy="6858000"/>
   <p:notesSz cx="6858000" cy="9144000"/>
@@ -759,6 +764,90 @@
 </p:notes>
 </file>
 
+<file path=ppt/notesSlides/notesSlide10.xml><?xml version="1.0" encoding="utf-8"?>
+<p:notes xmlns:a="http://schemas.openxmlformats.org/drawingml/2006/main" xmlns:r="http://schemas.openxmlformats.org/officeDocument/2006/relationships" xmlns:p="http://schemas.openxmlformats.org/presentationml/2006/main">
+  <p:cSld>
+    <p:spTree>
+      <p:nvGrpSpPr>
+        <p:cNvPr id="1" name=""/>
+        <p:cNvGrpSpPr/>
+        <p:nvPr/>
+      </p:nvGrpSpPr>
+      <p:grpSpPr>
+        <a:xfrm>
+          <a:off x="0" y="0"/>
+          <a:ext cx="0" cy="0"/>
+          <a:chOff x="0" y="0"/>
+          <a:chExt cx="0" cy="0"/>
+        </a:xfrm>
+      </p:grpSpPr>
+      <p:sp>
+        <p:nvSpPr>
+          <p:cNvPr id="2" name="Slide Image Placeholder 1"/>
+          <p:cNvSpPr>
+            <a:spLocks noGrp="1" noRot="1" noChangeAspect="1"/>
+          </p:cNvSpPr>
+          <p:nvPr>
+            <p:ph type="sldImg"/>
+          </p:nvPr>
+        </p:nvSpPr>
+        <p:spPr/>
+      </p:sp>
+      <p:sp>
+        <p:nvSpPr>
+          <p:cNvPr id="3" name="Notes Placeholder 2"/>
+          <p:cNvSpPr>
+            <a:spLocks noGrp="1"/>
+          </p:cNvSpPr>
+          <p:nvPr>
+            <p:ph type="body" idx="1"/>
+          </p:nvPr>
+        </p:nvSpPr>
+        <p:spPr/>
+        <p:txBody>
+          <a:bodyPr/>
+          <a:lstStyle/>
+          <a:p>
+            <a:endParaRPr lang="en-US" dirty="0"/>
+          </a:p>
+        </p:txBody>
+      </p:sp>
+      <p:sp>
+        <p:nvSpPr>
+          <p:cNvPr id="4" name="Slide Number Placeholder 3"/>
+          <p:cNvSpPr>
+            <a:spLocks noGrp="1"/>
+          </p:cNvSpPr>
+          <p:nvPr>
+            <p:ph type="sldNum" sz="quarter" idx="5"/>
+          </p:nvPr>
+        </p:nvSpPr>
+        <p:spPr/>
+        <p:txBody>
+          <a:bodyPr/>
+          <a:lstStyle/>
+          <a:p>
+            <a:fld id="{E0746DE6-3336-457D-A091-FA20AC1C536E}" type="slidenum">
+              <a:rPr lang="en-US" smtClean="0"/>
+              <a:t>11</a:t>
+            </a:fld>
+            <a:endParaRPr lang="en-US"/>
+          </a:p>
+        </p:txBody>
+      </p:sp>
+    </p:spTree>
+    <p:extLst>
+      <p:ext uri="{BB962C8B-B14F-4D97-AF65-F5344CB8AC3E}">
+        <p14:creationId xmlns:p14="http://schemas.microsoft.com/office/powerpoint/2010/main" val="2354456239"/>
+      </p:ext>
+    </p:extLst>
+  </p:cSld>
+  <p:clrMapOvr>
+    <a:masterClrMapping/>
+  </p:clrMapOvr>
+</p:notes>
+</file>
+
 <file path=ppt/notesSlides/notesSlide2.xml><?xml version="1.0" encoding="utf-8"?>
 <p:notes xmlns:a="http://schemas.openxmlformats.org/drawingml/2006/main" xmlns:r="http://schemas.openxmlformats.org/officeDocument/2006/relationships" xmlns:p="http://schemas.openxmlformats.org/presentationml/2006/main">
   <p:cSld>
@@ -803,6 +892,51 @@
           <a:bodyPr/>
           <a:lstStyle/>
           <a:p>
+            <a:pPr marL="0" lvl="0" indent="0" algn="l" rtl="0">
+              <a:spcBef>
+                <a:spcPts val="0"/>
+              </a:spcBef>
+              <a:spcAft>
+                <a:spcPts val="0"/>
+              </a:spcAft>
+              <a:buNone/>
+            </a:pPr>
+            <a:r>
+              <a:rPr lang="en-US" dirty="0"/>
+              <a:t>Why is it important?</a:t>
+            </a:r>
+          </a:p>
+          <a:p>
+            <a:pPr marL="0" lvl="0" indent="0" algn="l" rtl="0">
+              <a:spcBef>
+                <a:spcPts val="0"/>
+              </a:spcBef>
+              <a:spcAft>
+                <a:spcPts val="0"/>
+              </a:spcAft>
+              <a:buNone/>
+            </a:pPr>
+            <a:r>
+              <a:rPr lang="en-US" dirty="0"/>
+              <a:t>These devices are low-end, they cannot afford to do integrity (prevention). So, attestation (detection) is a better option instead.</a:t>
+            </a:r>
+          </a:p>
+          <a:p>
+            <a:pPr marL="0" lvl="0" indent="0" algn="l" rtl="0">
+              <a:spcBef>
+                <a:spcPts val="0"/>
+              </a:spcBef>
+              <a:spcAft>
+                <a:spcPts val="0"/>
+              </a:spcAft>
+              <a:buNone/>
+            </a:pPr>
+            <a:r>
+              <a:rPr lang="en-US" dirty="0"/>
+              <a:t>Moreover, these devices are used in safety critical scenarios, so we cannot afford to lose their integrity.</a:t>
+            </a:r>
+          </a:p>
+          <a:p>
             <a:endParaRPr lang="en-US" dirty="0"/>
           </a:p>
         </p:txBody>
@@ -824,7 +958,7 @@
           <a:p>
             <a:fld id="{E0746DE6-3336-457D-A091-FA20AC1C536E}" type="slidenum">
               <a:rPr lang="en-US" smtClean="0"/>
-              <a:t>2</a:t>
+              <a:t>3</a:t>
             </a:fld>
             <a:endParaRPr lang="en-US"/>
           </a:p>
@@ -887,61 +1021,45 @@
           <a:bodyPr/>
           <a:lstStyle/>
           <a:p>
+            <a:pPr marL="0" lvl="0" indent="0" algn="l" rtl="0">
+              <a:spcBef>
+                <a:spcPts val="0"/>
+              </a:spcBef>
+              <a:spcAft>
+                <a:spcPts val="0"/>
+              </a:spcAft>
+              <a:buNone/>
+            </a:pPr>
             <a:r>
               <a:rPr lang="en-US" dirty="0"/>
-              <a:t>Consider talking about:</a:t>
-            </a:r>
-          </a:p>
-          <a:p>
-            <a:pPr marL="171450" indent="-171450">
-              <a:buFont typeface="Arial" panose="020B0604020202020204" pitchFamily="34" charset="0"/>
-              <a:buChar char="•"/>
+              <a:t>Why is it interesting?</a:t>
+            </a:r>
+          </a:p>
+          <a:p>
+            <a:pPr marL="0" lvl="0" indent="0" algn="l" rtl="0">
+              <a:spcBef>
+                <a:spcPts val="0"/>
+              </a:spcBef>
+              <a:spcAft>
+                <a:spcPts val="0"/>
+              </a:spcAft>
+              <a:buNone/>
             </a:pPr>
             <a:r>
               <a:rPr lang="en-US" dirty="0"/>
-              <a:t>Convergence</a:t>
-            </a:r>
-          </a:p>
-          <a:p>
-            <a:pPr marL="171450" indent="-171450">
-              <a:buFont typeface="Arial" panose="020B0604020202020204" pitchFamily="34" charset="0"/>
-              <a:buChar char="•"/>
-            </a:pPr>
-            <a:r>
-              <a:rPr lang="en-US" dirty="0"/>
-              <a:t>The work list approach</a:t>
-            </a:r>
-          </a:p>
-          <a:p>
-            <a:pPr marL="171450" indent="-171450">
-              <a:buFont typeface="Arial" panose="020B0604020202020204" pitchFamily="34" charset="0"/>
-              <a:buChar char="•"/>
-            </a:pPr>
-            <a:r>
-              <a:rPr lang="en-US" dirty="0"/>
-              <a:t>The order matters</a:t>
-            </a:r>
-          </a:p>
-          <a:p>
-            <a:pPr marL="171450" indent="-171450">
-              <a:buFont typeface="Arial" panose="020B0604020202020204" pitchFamily="34" charset="0"/>
-              <a:buChar char="•"/>
-            </a:pPr>
-            <a:r>
-              <a:rPr lang="en-US" dirty="0"/>
-              <a:t>Initialization</a:t>
-            </a:r>
-          </a:p>
-        </p:txBody>
-      </p:sp>
-      <p:sp>
-        <p:nvSpPr>
-          <p:cNvPr id="4" name="Slide Number Placeholder 3"/>
+              <a:t>It is very important to do runtime attestation and at the same time it is hard to solve.</a:t>
+            </a:r>
+          </a:p>
+        </p:txBody>
+      </p:sp>
+      <p:sp>
+        <p:nvSpPr>
+          <p:cNvPr id="6" name="Slide Number Placeholder 5"/>
           <p:cNvSpPr>
             <a:spLocks noGrp="1"/>
           </p:cNvSpPr>
           <p:nvPr>
-            <p:ph type="sldNum" sz="quarter" idx="10"/>
+            <p:ph type="sldNum" sz="quarter" idx="5"/>
           </p:nvPr>
         </p:nvSpPr>
         <p:spPr/>
@@ -951,7 +1069,7 @@
           <a:p>
             <a:fld id="{E0746DE6-3336-457D-A091-FA20AC1C536E}" type="slidenum">
               <a:rPr lang="en-US" smtClean="0"/>
-              <a:t>3</a:t>
+              <a:t>4</a:t>
             </a:fld>
             <a:endParaRPr lang="en-US"/>
           </a:p>
@@ -960,7 +1078,7 @@
     </p:spTree>
     <p:extLst>
       <p:ext uri="{BB962C8B-B14F-4D97-AF65-F5344CB8AC3E}">
-        <p14:creationId xmlns:p14="http://schemas.microsoft.com/office/powerpoint/2010/main" val="490306985"/>
+        <p14:creationId xmlns:p14="http://schemas.microsoft.com/office/powerpoint/2010/main" val="2010758138"/>
       </p:ext>
     </p:extLst>
   </p:cSld>
@@ -1014,41 +1132,45 @@
           <a:bodyPr/>
           <a:lstStyle/>
           <a:p>
+            <a:pPr marL="0" lvl="0" indent="0" algn="l" rtl="0">
+              <a:spcBef>
+                <a:spcPts val="0"/>
+              </a:spcBef>
+              <a:spcAft>
+                <a:spcPts val="0"/>
+              </a:spcAft>
+              <a:buNone/>
+            </a:pPr>
             <a:r>
               <a:rPr lang="en-US" dirty="0"/>
-              <a:t>Consider talking about:</a:t>
-            </a:r>
-          </a:p>
-          <a:p>
-            <a:pPr marL="171450" indent="-171450">
-              <a:buFont typeface="Arial" panose="020B0604020202020204" pitchFamily="34" charset="0"/>
-              <a:buChar char="•"/>
+              <a:t>Why is it interesting?</a:t>
+            </a:r>
+          </a:p>
+          <a:p>
+            <a:pPr marL="0" lvl="0" indent="0" algn="l" rtl="0">
+              <a:spcBef>
+                <a:spcPts val="0"/>
+              </a:spcBef>
+              <a:spcAft>
+                <a:spcPts val="0"/>
+              </a:spcAft>
+              <a:buNone/>
             </a:pPr>
             <a:r>
               <a:rPr lang="en-US" dirty="0"/>
-              <a:t>Forward Analysis</a:t>
-            </a:r>
-          </a:p>
-          <a:p>
-            <a:pPr marL="171450" indent="-171450">
-              <a:buFont typeface="Arial" panose="020B0604020202020204" pitchFamily="34" charset="0"/>
-              <a:buChar char="•"/>
-            </a:pPr>
-            <a:r>
-              <a:rPr lang="en-US" dirty="0"/>
-              <a:t>Backward Analysis</a:t>
-            </a:r>
-          </a:p>
-        </p:txBody>
-      </p:sp>
-      <p:sp>
-        <p:nvSpPr>
-          <p:cNvPr id="4" name="Slide Number Placeholder 3"/>
+              <a:t>It is very important to do runtime attestation and at the same time it is hard to solve.</a:t>
+            </a:r>
+          </a:p>
+        </p:txBody>
+      </p:sp>
+      <p:sp>
+        <p:nvSpPr>
+          <p:cNvPr id="6" name="Slide Number Placeholder 5"/>
           <p:cNvSpPr>
             <a:spLocks noGrp="1"/>
           </p:cNvSpPr>
           <p:nvPr>
-            <p:ph type="sldNum" sz="quarter" idx="10"/>
+            <p:ph type="sldNum" sz="quarter" idx="5"/>
           </p:nvPr>
         </p:nvSpPr>
         <p:spPr/>
@@ -1058,7 +1180,7 @@
           <a:p>
             <a:fld id="{E0746DE6-3336-457D-A091-FA20AC1C536E}" type="slidenum">
               <a:rPr lang="en-US" smtClean="0"/>
-              <a:t>4</a:t>
+              <a:t>5</a:t>
             </a:fld>
             <a:endParaRPr lang="en-US"/>
           </a:p>
@@ -1067,7 +1189,7 @@
     </p:spTree>
     <p:extLst>
       <p:ext uri="{BB962C8B-B14F-4D97-AF65-F5344CB8AC3E}">
-        <p14:creationId xmlns:p14="http://schemas.microsoft.com/office/powerpoint/2010/main" val="71150948"/>
+        <p14:creationId xmlns:p14="http://schemas.microsoft.com/office/powerpoint/2010/main" val="1166873781"/>
       </p:ext>
     </p:extLst>
   </p:cSld>
@@ -1121,30 +1243,7 @@
           <a:bodyPr/>
           <a:lstStyle/>
           <a:p>
-            <a:r>
-              <a:rPr lang="en-US" dirty="0"/>
-              <a:t>Consider talking about:</a:t>
-            </a:r>
-          </a:p>
-          <a:p>
-            <a:pPr marL="171450" indent="-171450">
-              <a:buFont typeface="Arial" panose="020B0604020202020204" pitchFamily="34" charset="0"/>
-              <a:buChar char="•"/>
-            </a:pPr>
-            <a:r>
-              <a:rPr lang="en-US" dirty="0"/>
-              <a:t>Bit vector problems</a:t>
-            </a:r>
-          </a:p>
-          <a:p>
-            <a:pPr marL="171450" indent="-171450">
-              <a:buFont typeface="Arial" panose="020B0604020202020204" pitchFamily="34" charset="0"/>
-              <a:buChar char="•"/>
-            </a:pPr>
-            <a:r>
-              <a:rPr lang="en-US" dirty="0"/>
-              <a:t>IFDS problems</a:t>
-            </a:r>
+            <a:endParaRPr lang="en-US" dirty="0"/>
           </a:p>
         </p:txBody>
       </p:sp>
@@ -1165,7 +1264,7 @@
           <a:p>
             <a:fld id="{E0746DE6-3336-457D-A091-FA20AC1C536E}" type="slidenum">
               <a:rPr lang="en-US" smtClean="0"/>
-              <a:t>5</a:t>
+              <a:t>6</a:t>
             </a:fld>
             <a:endParaRPr lang="en-US"/>
           </a:p>
@@ -1174,7 +1273,7 @@
     </p:spTree>
     <p:extLst>
       <p:ext uri="{BB962C8B-B14F-4D97-AF65-F5344CB8AC3E}">
-        <p14:creationId xmlns:p14="http://schemas.microsoft.com/office/powerpoint/2010/main" val="1028950630"/>
+        <p14:creationId xmlns:p14="http://schemas.microsoft.com/office/powerpoint/2010/main" val="71150948"/>
       </p:ext>
     </p:extLst>
   </p:cSld>
@@ -1239,7 +1338,7 @@
             <a:spLocks noGrp="1"/>
           </p:cNvSpPr>
           <p:nvPr>
-            <p:ph type="sldNum" sz="quarter" idx="5"/>
+            <p:ph type="sldNum" sz="quarter" idx="10"/>
           </p:nvPr>
         </p:nvSpPr>
         <p:spPr/>
@@ -1249,7 +1348,7 @@
           <a:p>
             <a:fld id="{E0746DE6-3336-457D-A091-FA20AC1C536E}" type="slidenum">
               <a:rPr lang="en-US" smtClean="0"/>
-              <a:t>6</a:t>
+              <a:t>7</a:t>
             </a:fld>
             <a:endParaRPr lang="en-US"/>
           </a:p>
@@ -1258,7 +1357,373 @@
     </p:spTree>
     <p:extLst>
       <p:ext uri="{BB962C8B-B14F-4D97-AF65-F5344CB8AC3E}">
-        <p14:creationId xmlns:p14="http://schemas.microsoft.com/office/powerpoint/2010/main" val="2354456239"/>
+        <p14:creationId xmlns:p14="http://schemas.microsoft.com/office/powerpoint/2010/main" val="197240327"/>
+      </p:ext>
+    </p:extLst>
+  </p:cSld>
+  <p:clrMapOvr>
+    <a:masterClrMapping/>
+  </p:clrMapOvr>
+</p:notes>
+</file>
+
+<file path=ppt/notesSlides/notesSlide7.xml><?xml version="1.0" encoding="utf-8"?>
+<p:notes xmlns:a="http://schemas.openxmlformats.org/drawingml/2006/main" xmlns:r="http://schemas.openxmlformats.org/officeDocument/2006/relationships" xmlns:p="http://schemas.openxmlformats.org/presentationml/2006/main">
+  <p:cSld>
+    <p:spTree>
+      <p:nvGrpSpPr>
+        <p:cNvPr id="1" name=""/>
+        <p:cNvGrpSpPr/>
+        <p:nvPr/>
+      </p:nvGrpSpPr>
+      <p:grpSpPr>
+        <a:xfrm>
+          <a:off x="0" y="0"/>
+          <a:ext cx="0" cy="0"/>
+          <a:chOff x="0" y="0"/>
+          <a:chExt cx="0" cy="0"/>
+        </a:xfrm>
+      </p:grpSpPr>
+      <p:sp>
+        <p:nvSpPr>
+          <p:cNvPr id="2" name="Slide Image Placeholder 1"/>
+          <p:cNvSpPr>
+            <a:spLocks noGrp="1" noRot="1" noChangeAspect="1"/>
+          </p:cNvSpPr>
+          <p:nvPr>
+            <p:ph type="sldImg"/>
+          </p:nvPr>
+        </p:nvSpPr>
+        <p:spPr/>
+      </p:sp>
+      <p:sp>
+        <p:nvSpPr>
+          <p:cNvPr id="3" name="Notes Placeholder 2"/>
+          <p:cNvSpPr>
+            <a:spLocks noGrp="1"/>
+          </p:cNvSpPr>
+          <p:nvPr>
+            <p:ph type="body" idx="1"/>
+          </p:nvPr>
+        </p:nvSpPr>
+        <p:spPr/>
+        <p:txBody>
+          <a:bodyPr/>
+          <a:lstStyle/>
+          <a:p>
+            <a:pPr rtl="0"/>
+            <a:r>
+              <a:rPr lang="en-US" sz="1200" b="0" i="0" u="none" strike="noStrike" kern="1200" dirty="0">
+                <a:solidFill>
+                  <a:schemeClr val="tx1"/>
+                </a:solidFill>
+                <a:effectLst/>
+                <a:latin typeface="+mn-lt"/>
+                <a:ea typeface="+mn-ea"/>
+                <a:cs typeface="+mn-cs"/>
+              </a:rPr>
+              <a:t>3rd point - if the return values, function arguments or data pointers change, C-FLAT is not equipped to detect the attack. This is where </a:t>
+            </a:r>
+            <a:endParaRPr lang="en-US" b="0" dirty="0">
+              <a:effectLst/>
+            </a:endParaRPr>
+          </a:p>
+          <a:p>
+            <a:pPr rtl="0"/>
+            <a:r>
+              <a:rPr lang="en-US" sz="1200" b="0" i="0" u="none" strike="noStrike" kern="1200" dirty="0">
+                <a:solidFill>
+                  <a:schemeClr val="tx1"/>
+                </a:solidFill>
+                <a:effectLst/>
+                <a:latin typeface="+mn-lt"/>
+                <a:ea typeface="+mn-ea"/>
+                <a:cs typeface="+mn-cs"/>
+              </a:rPr>
+              <a:t>a runtime data flow attestation mechanism is needed.</a:t>
+            </a:r>
+            <a:endParaRPr lang="en-US" b="0" dirty="0">
+              <a:effectLst/>
+            </a:endParaRPr>
+          </a:p>
+          <a:p>
+            <a:br>
+              <a:rPr lang="en-US" dirty="0"/>
+            </a:br>
+            <a:endParaRPr lang="en-US" dirty="0"/>
+          </a:p>
+        </p:txBody>
+      </p:sp>
+      <p:sp>
+        <p:nvSpPr>
+          <p:cNvPr id="4" name="Slide Number Placeholder 3"/>
+          <p:cNvSpPr>
+            <a:spLocks noGrp="1"/>
+          </p:cNvSpPr>
+          <p:nvPr>
+            <p:ph type="sldNum" sz="quarter" idx="10"/>
+          </p:nvPr>
+        </p:nvSpPr>
+        <p:spPr/>
+        <p:txBody>
+          <a:bodyPr/>
+          <a:lstStyle/>
+          <a:p>
+            <a:fld id="{E0746DE6-3336-457D-A091-FA20AC1C536E}" type="slidenum">
+              <a:rPr lang="en-US" smtClean="0"/>
+              <a:t>8</a:t>
+            </a:fld>
+            <a:endParaRPr lang="en-US"/>
+          </a:p>
+        </p:txBody>
+      </p:sp>
+    </p:spTree>
+    <p:extLst>
+      <p:ext uri="{BB962C8B-B14F-4D97-AF65-F5344CB8AC3E}">
+        <p14:creationId xmlns:p14="http://schemas.microsoft.com/office/powerpoint/2010/main" val="490306985"/>
+      </p:ext>
+    </p:extLst>
+  </p:cSld>
+  <p:clrMapOvr>
+    <a:masterClrMapping/>
+  </p:clrMapOvr>
+</p:notes>
+</file>
+
+<file path=ppt/notesSlides/notesSlide8.xml><?xml version="1.0" encoding="utf-8"?>
+<p:notes xmlns:a="http://schemas.openxmlformats.org/drawingml/2006/main" xmlns:r="http://schemas.openxmlformats.org/officeDocument/2006/relationships" xmlns:p="http://schemas.openxmlformats.org/presentationml/2006/main">
+  <p:cSld>
+    <p:spTree>
+      <p:nvGrpSpPr>
+        <p:cNvPr id="1" name=""/>
+        <p:cNvGrpSpPr/>
+        <p:nvPr/>
+      </p:nvGrpSpPr>
+      <p:grpSpPr>
+        <a:xfrm>
+          <a:off x="0" y="0"/>
+          <a:ext cx="0" cy="0"/>
+          <a:chOff x="0" y="0"/>
+          <a:chExt cx="0" cy="0"/>
+        </a:xfrm>
+      </p:grpSpPr>
+      <p:sp>
+        <p:nvSpPr>
+          <p:cNvPr id="2" name="Slide Image Placeholder 1"/>
+          <p:cNvSpPr>
+            <a:spLocks noGrp="1" noRot="1" noChangeAspect="1"/>
+          </p:cNvSpPr>
+          <p:nvPr>
+            <p:ph type="sldImg"/>
+          </p:nvPr>
+        </p:nvSpPr>
+        <p:spPr/>
+      </p:sp>
+      <p:sp>
+        <p:nvSpPr>
+          <p:cNvPr id="3" name="Notes Placeholder 2"/>
+          <p:cNvSpPr>
+            <a:spLocks noGrp="1"/>
+          </p:cNvSpPr>
+          <p:nvPr>
+            <p:ph type="body" idx="1"/>
+          </p:nvPr>
+        </p:nvSpPr>
+        <p:spPr/>
+        <p:txBody>
+          <a:bodyPr/>
+          <a:lstStyle/>
+          <a:p>
+            <a:pPr rtl="0"/>
+            <a:r>
+              <a:rPr lang="en-US" sz="1200" b="0" i="0" u="none" strike="noStrike" kern="1200" dirty="0">
+                <a:solidFill>
+                  <a:schemeClr val="tx1"/>
+                </a:solidFill>
+                <a:effectLst/>
+                <a:latin typeface="+mn-lt"/>
+                <a:ea typeface="+mn-ea"/>
+                <a:cs typeface="+mn-cs"/>
+              </a:rPr>
+              <a:t>If the attacker manages to change the arguments to the functions, it will not change the number of iterations</a:t>
+            </a:r>
+            <a:endParaRPr lang="en-US" b="0" dirty="0">
+              <a:effectLst/>
+            </a:endParaRPr>
+          </a:p>
+          <a:p>
+            <a:pPr rtl="0"/>
+            <a:r>
+              <a:rPr lang="en-US" sz="1200" b="0" i="0" u="none" strike="noStrike" kern="1200" dirty="0">
+                <a:solidFill>
+                  <a:schemeClr val="tx1"/>
+                </a:solidFill>
+                <a:effectLst/>
+                <a:latin typeface="+mn-lt"/>
+                <a:ea typeface="+mn-ea"/>
+                <a:cs typeface="+mn-cs"/>
+              </a:rPr>
+              <a:t>in the for loop. It will also not change the CFG in any way. This means that C-FLAT will not be able protect the system from this attack.</a:t>
+            </a:r>
+            <a:endParaRPr lang="en-US" b="0" dirty="0">
+              <a:effectLst/>
+            </a:endParaRPr>
+          </a:p>
+          <a:p>
+            <a:pPr rtl="0"/>
+            <a:r>
+              <a:rPr lang="en-US" sz="1200" b="0" i="0" u="none" strike="noStrike" kern="1200" dirty="0">
+                <a:solidFill>
+                  <a:schemeClr val="tx1"/>
+                </a:solidFill>
+                <a:effectLst/>
+                <a:latin typeface="+mn-lt"/>
+                <a:ea typeface="+mn-ea"/>
+                <a:cs typeface="+mn-cs"/>
+              </a:rPr>
+              <a:t>This is a classic scenario where we need a run time data flow attestation mechanism to protect the system</a:t>
+            </a:r>
+            <a:endParaRPr lang="en-US" b="0" dirty="0">
+              <a:effectLst/>
+            </a:endParaRPr>
+          </a:p>
+          <a:p>
+            <a:pPr rtl="0"/>
+            <a:r>
+              <a:rPr lang="en-US" sz="1200" b="0" i="0" u="none" strike="noStrike" kern="1200" dirty="0">
+                <a:solidFill>
+                  <a:schemeClr val="tx1"/>
+                </a:solidFill>
+                <a:effectLst/>
+                <a:latin typeface="+mn-lt"/>
+                <a:ea typeface="+mn-ea"/>
+                <a:cs typeface="+mn-cs"/>
+              </a:rPr>
+              <a:t>against these kinds of attacks.</a:t>
+            </a:r>
+            <a:endParaRPr lang="en-US" b="0" dirty="0">
+              <a:effectLst/>
+            </a:endParaRPr>
+          </a:p>
+          <a:p>
+            <a:br>
+              <a:rPr lang="en-US" dirty="0"/>
+            </a:br>
+            <a:endParaRPr lang="en-US" dirty="0"/>
+          </a:p>
+        </p:txBody>
+      </p:sp>
+      <p:sp>
+        <p:nvSpPr>
+          <p:cNvPr id="4" name="Slide Number Placeholder 3"/>
+          <p:cNvSpPr>
+            <a:spLocks noGrp="1"/>
+          </p:cNvSpPr>
+          <p:nvPr>
+            <p:ph type="sldNum" sz="quarter" idx="10"/>
+          </p:nvPr>
+        </p:nvSpPr>
+        <p:spPr/>
+        <p:txBody>
+          <a:bodyPr/>
+          <a:lstStyle/>
+          <a:p>
+            <a:fld id="{E0746DE6-3336-457D-A091-FA20AC1C536E}" type="slidenum">
+              <a:rPr lang="en-US" smtClean="0"/>
+              <a:t>9</a:t>
+            </a:fld>
+            <a:endParaRPr lang="en-US"/>
+          </a:p>
+        </p:txBody>
+      </p:sp>
+    </p:spTree>
+    <p:extLst>
+      <p:ext uri="{BB962C8B-B14F-4D97-AF65-F5344CB8AC3E}">
+        <p14:creationId xmlns:p14="http://schemas.microsoft.com/office/powerpoint/2010/main" val="2171348846"/>
+      </p:ext>
+    </p:extLst>
+  </p:cSld>
+  <p:clrMapOvr>
+    <a:masterClrMapping/>
+  </p:clrMapOvr>
+</p:notes>
+</file>
+
+<file path=ppt/notesSlides/notesSlide9.xml><?xml version="1.0" encoding="utf-8"?>
+<p:notes xmlns:a="http://schemas.openxmlformats.org/drawingml/2006/main" xmlns:r="http://schemas.openxmlformats.org/officeDocument/2006/relationships" xmlns:p="http://schemas.openxmlformats.org/presentationml/2006/main">
+  <p:cSld>
+    <p:spTree>
+      <p:nvGrpSpPr>
+        <p:cNvPr id="1" name=""/>
+        <p:cNvGrpSpPr/>
+        <p:nvPr/>
+      </p:nvGrpSpPr>
+      <p:grpSpPr>
+        <a:xfrm>
+          <a:off x="0" y="0"/>
+          <a:ext cx="0" cy="0"/>
+          <a:chOff x="0" y="0"/>
+          <a:chExt cx="0" cy="0"/>
+        </a:xfrm>
+      </p:grpSpPr>
+      <p:sp>
+        <p:nvSpPr>
+          <p:cNvPr id="2" name="Slide Image Placeholder 1"/>
+          <p:cNvSpPr>
+            <a:spLocks noGrp="1" noRot="1" noChangeAspect="1"/>
+          </p:cNvSpPr>
+          <p:nvPr>
+            <p:ph type="sldImg"/>
+          </p:nvPr>
+        </p:nvSpPr>
+        <p:spPr/>
+      </p:sp>
+      <p:sp>
+        <p:nvSpPr>
+          <p:cNvPr id="3" name="Notes Placeholder 2"/>
+          <p:cNvSpPr>
+            <a:spLocks noGrp="1"/>
+          </p:cNvSpPr>
+          <p:nvPr>
+            <p:ph type="body" idx="1"/>
+          </p:nvPr>
+        </p:nvSpPr>
+        <p:spPr/>
+        <p:txBody>
+          <a:bodyPr/>
+          <a:lstStyle/>
+          <a:p>
+            <a:endParaRPr lang="en-US" dirty="0"/>
+          </a:p>
+        </p:txBody>
+      </p:sp>
+      <p:sp>
+        <p:nvSpPr>
+          <p:cNvPr id="4" name="Slide Number Placeholder 3"/>
+          <p:cNvSpPr>
+            <a:spLocks noGrp="1"/>
+          </p:cNvSpPr>
+          <p:nvPr>
+            <p:ph type="sldNum" sz="quarter" idx="10"/>
+          </p:nvPr>
+        </p:nvSpPr>
+        <p:spPr/>
+        <p:txBody>
+          <a:bodyPr/>
+          <a:lstStyle/>
+          <a:p>
+            <a:fld id="{E0746DE6-3336-457D-A091-FA20AC1C536E}" type="slidenum">
+              <a:rPr lang="en-US" smtClean="0"/>
+              <a:t>10</a:t>
+            </a:fld>
+            <a:endParaRPr lang="en-US"/>
+          </a:p>
+        </p:txBody>
+      </p:sp>
+    </p:spTree>
+    <p:extLst>
+      <p:ext uri="{BB962C8B-B14F-4D97-AF65-F5344CB8AC3E}">
+        <p14:creationId xmlns:p14="http://schemas.microsoft.com/office/powerpoint/2010/main" val="1028950630"/>
       </p:ext>
     </p:extLst>
   </p:cSld>
@@ -5262,7 +5727,7 @@
           <a:p>
             <a:pPr algn="ctr"/>
             <a:r>
-              <a:rPr lang="en-US" sz="2400" dirty="0" err="1">
+              <a:rPr lang="en-US" sz="2000" dirty="0" err="1">
                 <a:solidFill>
                   <a:srgbClr val="FFFFFF"/>
                 </a:solidFill>
@@ -5270,7 +5735,7 @@
               <a:t>SashiDhar</a:t>
             </a:r>
             <a:r>
-              <a:rPr lang="en-US" sz="2400" dirty="0">
+              <a:rPr lang="en-US" sz="2000" dirty="0">
                 <a:solidFill>
                   <a:srgbClr val="FFFFFF"/>
                 </a:solidFill>
@@ -5278,14 +5743,14 @@
               <a:t> </a:t>
             </a:r>
             <a:r>
-              <a:rPr lang="en-US" sz="2400" dirty="0" err="1">
+              <a:rPr lang="en-US" sz="2000" dirty="0" err="1">
                 <a:solidFill>
                   <a:srgbClr val="FFFFFF"/>
                 </a:solidFill>
               </a:rPr>
               <a:t>jakkamsetti</a:t>
             </a:r>
-            <a:endParaRPr lang="en-US" sz="2400" dirty="0">
+            <a:endParaRPr lang="en-US" sz="2000" dirty="0">
               <a:solidFill>
                 <a:srgbClr val="FFFFFF"/>
               </a:solidFill>
@@ -5294,7 +5759,7 @@
           <a:p>
             <a:pPr algn="ctr"/>
             <a:r>
-              <a:rPr lang="en-US" sz="2400" dirty="0">
+              <a:rPr lang="en-US" sz="2000" dirty="0">
                 <a:solidFill>
                   <a:srgbClr val="FFFFFF"/>
                 </a:solidFill>
@@ -5302,14 +5767,14 @@
               <a:t>Siddharth </a:t>
             </a:r>
             <a:r>
-              <a:rPr lang="en-US" sz="2400" dirty="0" err="1">
+              <a:rPr lang="en-US" sz="2000" dirty="0" err="1">
                 <a:solidFill>
                   <a:srgbClr val="FFFFFF"/>
                 </a:solidFill>
               </a:rPr>
               <a:t>narasimhan</a:t>
             </a:r>
-            <a:endParaRPr lang="en-US" sz="2400" dirty="0">
+            <a:endParaRPr lang="en-US" sz="2000" dirty="0">
               <a:solidFill>
                 <a:srgbClr val="FFFFFF"/>
               </a:solidFill>
@@ -5380,6 +5845,1062 @@
     <p:extLst>
       <p:ext uri="{BB962C8B-B14F-4D97-AF65-F5344CB8AC3E}">
         <p14:creationId xmlns:p14="http://schemas.microsoft.com/office/powerpoint/2010/main" val="3013472456"/>
+      </p:ext>
+    </p:extLst>
+  </p:cSld>
+  <p:clrMapOvr>
+    <a:masterClrMapping/>
+  </p:clrMapOvr>
+</p:sld>
+</file>
+
+<file path=ppt/slides/slide10.xml><?xml version="1.0" encoding="utf-8"?>
+<p:sld xmlns:a="http://schemas.openxmlformats.org/drawingml/2006/main" xmlns:r="http://schemas.openxmlformats.org/officeDocument/2006/relationships" xmlns:p="http://schemas.openxmlformats.org/presentationml/2006/main">
+  <p:cSld>
+    <p:bg>
+      <p:bgPr>
+        <a:solidFill>
+          <a:schemeClr val="bg1"/>
+        </a:solidFill>
+        <a:effectLst/>
+      </p:bgPr>
+    </p:bg>
+    <p:spTree>
+      <p:nvGrpSpPr>
+        <p:cNvPr id="1" name=""/>
+        <p:cNvGrpSpPr/>
+        <p:nvPr/>
+      </p:nvGrpSpPr>
+      <p:grpSpPr>
+        <a:xfrm>
+          <a:off x="0" y="0"/>
+          <a:ext cx="0" cy="0"/>
+          <a:chOff x="0" y="0"/>
+          <a:chExt cx="0" cy="0"/>
+        </a:xfrm>
+      </p:grpSpPr>
+      <p:sp useBgFill="1">
+        <p:nvSpPr>
+          <p:cNvPr id="16" name="Rectangle 15">
+            <a:extLst>
+              <a:ext uri="{FF2B5EF4-FFF2-40B4-BE49-F238E27FC236}">
+                <a16:creationId xmlns:a16="http://schemas.microsoft.com/office/drawing/2014/main" id="{F858DF7D-C2D0-4B03-A7A0-2F06B789EE35}"/>
+              </a:ext>
+              <a:ext uri="{C183D7F6-B498-43B3-948B-1728B52AA6E4}">
+                <adec:decorative xmlns:adec="http://schemas.microsoft.com/office/drawing/2017/decorative" val="1"/>
+              </a:ext>
+            </a:extLst>
+          </p:cNvPr>
+          <p:cNvSpPr>
+            <a:spLocks noGrp="1" noRot="1" noChangeAspect="1" noMove="1" noResize="1" noEditPoints="1" noAdjustHandles="1" noChangeArrowheads="1" noChangeShapeType="1" noTextEdit="1"/>
+          </p:cNvSpPr>
+          <p:nvPr>
+            <p:extLst>
+              <p:ext uri="{386F3935-93C4-4BCD-93E2-E3B085C9AB24}">
+                <p16:designElem xmlns:p16="http://schemas.microsoft.com/office/powerpoint/2015/main" val="1"/>
+              </p:ext>
+            </p:extLst>
+          </p:nvPr>
+        </p:nvSpPr>
+        <p:spPr>
+          <a:xfrm>
+            <a:off x="0" y="0"/>
+            <a:ext cx="12191999" cy="6858001"/>
+          </a:xfrm>
+          <a:prstGeom prst="rect">
+            <a:avLst/>
+          </a:prstGeom>
+          <a:ln>
+            <a:noFill/>
+          </a:ln>
+        </p:spPr>
+        <p:style>
+          <a:lnRef idx="2">
+            <a:schemeClr val="accent1">
+              <a:shade val="50000"/>
+            </a:schemeClr>
+          </a:lnRef>
+          <a:fillRef idx="1">
+            <a:schemeClr val="accent1"/>
+          </a:fillRef>
+          <a:effectRef idx="0">
+            <a:schemeClr val="accent1"/>
+          </a:effectRef>
+          <a:fontRef idx="minor">
+            <a:schemeClr val="lt1"/>
+          </a:fontRef>
+        </p:style>
+        <p:txBody>
+          <a:bodyPr rtlCol="0" anchor="ctr"/>
+          <a:lstStyle/>
+          <a:p>
+            <a:pPr algn="ctr"/>
+            <a:endParaRPr lang="en-US"/>
+          </a:p>
+        </p:txBody>
+      </p:sp>
+      <p:sp>
+        <p:nvSpPr>
+          <p:cNvPr id="18" name="Rectangle 17">
+            <a:extLst>
+              <a:ext uri="{FF2B5EF4-FFF2-40B4-BE49-F238E27FC236}">
+                <a16:creationId xmlns:a16="http://schemas.microsoft.com/office/drawing/2014/main" id="{1B26B711-3121-40B0-8377-A64F3DC00C7A}"/>
+              </a:ext>
+              <a:ext uri="{C183D7F6-B498-43B3-948B-1728B52AA6E4}">
+                <adec:decorative xmlns:adec="http://schemas.microsoft.com/office/drawing/2017/decorative" val="1"/>
+              </a:ext>
+            </a:extLst>
+          </p:cNvPr>
+          <p:cNvSpPr>
+            <a:spLocks noGrp="1" noRot="1" noChangeAspect="1" noMove="1" noResize="1" noEditPoints="1" noAdjustHandles="1" noChangeArrowheads="1" noChangeShapeType="1" noTextEdit="1"/>
+          </p:cNvSpPr>
+          <p:nvPr>
+            <p:extLst>
+              <p:ext uri="{386F3935-93C4-4BCD-93E2-E3B085C9AB24}">
+                <p16:designElem xmlns:p16="http://schemas.microsoft.com/office/powerpoint/2015/main" val="1"/>
+              </p:ext>
+            </p:extLst>
+          </p:nvPr>
+        </p:nvSpPr>
+        <p:spPr>
+          <a:xfrm>
+            <a:off x="446534" y="457200"/>
+            <a:ext cx="3703320" cy="94997"/>
+          </a:xfrm>
+          <a:prstGeom prst="rect">
+            <a:avLst/>
+          </a:prstGeom>
+          <a:solidFill>
+            <a:schemeClr val="accent1"/>
+          </a:solidFill>
+          <a:ln>
+            <a:noFill/>
+          </a:ln>
+          <a:effectLst/>
+        </p:spPr>
+        <p:style>
+          <a:lnRef idx="1">
+            <a:schemeClr val="accent1"/>
+          </a:lnRef>
+          <a:fillRef idx="3">
+            <a:schemeClr val="accent1"/>
+          </a:fillRef>
+          <a:effectRef idx="2">
+            <a:schemeClr val="accent1"/>
+          </a:effectRef>
+          <a:fontRef idx="minor">
+            <a:schemeClr val="lt1"/>
+          </a:fontRef>
+        </p:style>
+      </p:sp>
+      <p:sp>
+        <p:nvSpPr>
+          <p:cNvPr id="20" name="Rectangle 19">
+            <a:extLst>
+              <a:ext uri="{FF2B5EF4-FFF2-40B4-BE49-F238E27FC236}">
+                <a16:creationId xmlns:a16="http://schemas.microsoft.com/office/drawing/2014/main" id="{645C4D3D-ABBA-4B4E-93E5-01E343719849}"/>
+              </a:ext>
+              <a:ext uri="{C183D7F6-B498-43B3-948B-1728B52AA6E4}">
+                <adec:decorative xmlns:adec="http://schemas.microsoft.com/office/drawing/2017/decorative" val="1"/>
+              </a:ext>
+            </a:extLst>
+          </p:cNvPr>
+          <p:cNvSpPr>
+            <a:spLocks noGrp="1" noRot="1" noChangeAspect="1" noMove="1" noResize="1" noEditPoints="1" noAdjustHandles="1" noChangeArrowheads="1" noChangeShapeType="1" noTextEdit="1"/>
+          </p:cNvSpPr>
+          <p:nvPr>
+            <p:extLst>
+              <p:ext uri="{386F3935-93C4-4BCD-93E2-E3B085C9AB24}">
+                <p16:designElem xmlns:p16="http://schemas.microsoft.com/office/powerpoint/2015/main" val="1"/>
+              </p:ext>
+            </p:extLst>
+          </p:nvPr>
+        </p:nvSpPr>
+        <p:spPr>
+          <a:xfrm>
+            <a:off x="4241830" y="457200"/>
+            <a:ext cx="3703320" cy="91440"/>
+          </a:xfrm>
+          <a:prstGeom prst="rect">
+            <a:avLst/>
+          </a:prstGeom>
+          <a:solidFill>
+            <a:schemeClr val="accent2"/>
+          </a:solidFill>
+          <a:ln>
+            <a:noFill/>
+          </a:ln>
+          <a:effectLst/>
+        </p:spPr>
+        <p:style>
+          <a:lnRef idx="1">
+            <a:schemeClr val="accent1"/>
+          </a:lnRef>
+          <a:fillRef idx="3">
+            <a:schemeClr val="accent1"/>
+          </a:fillRef>
+          <a:effectRef idx="2">
+            <a:schemeClr val="accent1"/>
+          </a:effectRef>
+          <a:fontRef idx="minor">
+            <a:schemeClr val="lt1"/>
+          </a:fontRef>
+        </p:style>
+      </p:sp>
+      <p:sp>
+        <p:nvSpPr>
+          <p:cNvPr id="22" name="Rectangle 21">
+            <a:extLst>
+              <a:ext uri="{FF2B5EF4-FFF2-40B4-BE49-F238E27FC236}">
+                <a16:creationId xmlns:a16="http://schemas.microsoft.com/office/drawing/2014/main" id="{98DDD5E5-0097-4C6C-B266-5732EDA96CC4}"/>
+              </a:ext>
+              <a:ext uri="{C183D7F6-B498-43B3-948B-1728B52AA6E4}">
+                <adec:decorative xmlns:adec="http://schemas.microsoft.com/office/drawing/2017/decorative" val="1"/>
+              </a:ext>
+            </a:extLst>
+          </p:cNvPr>
+          <p:cNvSpPr>
+            <a:spLocks noGrp="1" noRot="1" noChangeAspect="1" noMove="1" noResize="1" noEditPoints="1" noAdjustHandles="1" noChangeArrowheads="1" noChangeShapeType="1" noTextEdit="1"/>
+          </p:cNvSpPr>
+          <p:nvPr>
+            <p:extLst>
+              <p:ext uri="{386F3935-93C4-4BCD-93E2-E3B085C9AB24}">
+                <p16:designElem xmlns:p16="http://schemas.microsoft.com/office/powerpoint/2015/main" val="1"/>
+              </p:ext>
+            </p:extLst>
+          </p:nvPr>
+        </p:nvSpPr>
+        <p:spPr>
+          <a:xfrm>
+            <a:off x="8042147" y="453643"/>
+            <a:ext cx="3703320" cy="98554"/>
+          </a:xfrm>
+          <a:prstGeom prst="rect">
+            <a:avLst/>
+          </a:prstGeom>
+          <a:solidFill>
+            <a:schemeClr val="accent4"/>
+          </a:solidFill>
+          <a:ln>
+            <a:noFill/>
+          </a:ln>
+          <a:effectLst/>
+        </p:spPr>
+        <p:style>
+          <a:lnRef idx="1">
+            <a:schemeClr val="accent1"/>
+          </a:lnRef>
+          <a:fillRef idx="3">
+            <a:schemeClr val="accent1"/>
+          </a:fillRef>
+          <a:effectRef idx="2">
+            <a:schemeClr val="accent1"/>
+          </a:effectRef>
+          <a:fontRef idx="minor">
+            <a:schemeClr val="lt1"/>
+          </a:fontRef>
+        </p:style>
+      </p:sp>
+      <p:sp>
+        <p:nvSpPr>
+          <p:cNvPr id="3" name="Content Placeholder 2"/>
+          <p:cNvSpPr>
+            <a:spLocks noGrp="1"/>
+          </p:cNvSpPr>
+          <p:nvPr>
+            <p:ph idx="1"/>
+          </p:nvPr>
+        </p:nvSpPr>
+        <p:spPr>
+          <a:xfrm>
+            <a:off x="581192" y="1037968"/>
+            <a:ext cx="7014423" cy="4820832"/>
+          </a:xfrm>
+        </p:spPr>
+        <p:txBody>
+          <a:bodyPr>
+            <a:normAutofit/>
+          </a:bodyPr>
+          <a:lstStyle/>
+          <a:p>
+            <a:r>
+              <a:rPr lang="en-US" sz="2000" dirty="0"/>
+              <a:t>Remote attestation architecture for checking the integrity of the </a:t>
+            </a:r>
+            <a:r>
+              <a:rPr lang="en-US" sz="2000" i="1" u="sng" dirty="0"/>
+              <a:t>data flow </a:t>
+            </a:r>
+            <a:r>
+              <a:rPr lang="en-US" sz="2000" dirty="0"/>
+              <a:t>NOT just the </a:t>
+            </a:r>
+            <a:r>
+              <a:rPr lang="en-US" sz="2000" i="1" dirty="0"/>
+              <a:t>control flow</a:t>
+            </a:r>
+          </a:p>
+          <a:p>
+            <a:r>
+              <a:rPr lang="en-US" sz="2000" dirty="0"/>
+              <a:t>Secure DFA monitor residing in ARM-</a:t>
+            </a:r>
+            <a:r>
+              <a:rPr lang="en-US" sz="2000" dirty="0" err="1"/>
+              <a:t>TrustZone</a:t>
+            </a:r>
+            <a:r>
+              <a:rPr lang="en-US" sz="2000" dirty="0"/>
+              <a:t> (</a:t>
+            </a:r>
+            <a:r>
+              <a:rPr lang="en-US" sz="2000" dirty="0" err="1"/>
+              <a:t>Rasberry</a:t>
+            </a:r>
+            <a:r>
+              <a:rPr lang="en-US" sz="2000" dirty="0"/>
+              <a:t> Pi)</a:t>
+            </a:r>
+          </a:p>
+          <a:p>
+            <a:r>
+              <a:rPr lang="en-US" sz="2000" dirty="0"/>
+              <a:t>Hash chain for data pointers, function argument pointers and return value pointers</a:t>
+            </a:r>
+          </a:p>
+          <a:p>
+            <a:r>
+              <a:rPr lang="en-US" sz="2000" dirty="0"/>
+              <a:t>Def-use chain integrity of each data variable</a:t>
+            </a:r>
+          </a:p>
+        </p:txBody>
+      </p:sp>
+      <p:sp>
+        <p:nvSpPr>
+          <p:cNvPr id="4" name="Footer Placeholder 3">
+            <a:extLst>
+              <a:ext uri="{FF2B5EF4-FFF2-40B4-BE49-F238E27FC236}">
+                <a16:creationId xmlns:a16="http://schemas.microsoft.com/office/drawing/2014/main" id="{79B028C2-7AB0-CD4E-AFEC-CABBC7A07236}"/>
+              </a:ext>
+            </a:extLst>
+          </p:cNvPr>
+          <p:cNvSpPr>
+            <a:spLocks noGrp="1"/>
+          </p:cNvSpPr>
+          <p:nvPr>
+            <p:ph type="ftr" sz="quarter" idx="11"/>
+          </p:nvPr>
+        </p:nvSpPr>
+        <p:spPr>
+          <a:xfrm>
+            <a:off x="581192" y="5951811"/>
+            <a:ext cx="6917210" cy="365125"/>
+          </a:xfrm>
+        </p:spPr>
+        <p:txBody>
+          <a:bodyPr>
+            <a:normAutofit/>
+          </a:bodyPr>
+          <a:lstStyle/>
+          <a:p>
+            <a:pPr>
+              <a:spcAft>
+                <a:spcPts val="600"/>
+              </a:spcAft>
+            </a:pPr>
+            <a:r>
+              <a:rPr lang="en-US"/>
+              <a:t>CS295: Pre-Proposal Presentation</a:t>
+            </a:r>
+          </a:p>
+        </p:txBody>
+      </p:sp>
+      <p:sp>
+        <p:nvSpPr>
+          <p:cNvPr id="24" name="Rectangle 23">
+            <a:extLst>
+              <a:ext uri="{FF2B5EF4-FFF2-40B4-BE49-F238E27FC236}">
+                <a16:creationId xmlns:a16="http://schemas.microsoft.com/office/drawing/2014/main" id="{8952EF87-C74F-4D3F-9CAD-EEA1733C9BD0}"/>
+              </a:ext>
+              <a:ext uri="{C183D7F6-B498-43B3-948B-1728B52AA6E4}">
+                <adec:decorative xmlns:adec="http://schemas.microsoft.com/office/drawing/2017/decorative" val="1"/>
+              </a:ext>
+            </a:extLst>
+          </p:cNvPr>
+          <p:cNvSpPr>
+            <a:spLocks noGrp="1" noRot="1" noChangeAspect="1" noMove="1" noResize="1" noEditPoints="1" noAdjustHandles="1" noChangeArrowheads="1" noChangeShapeType="1" noTextEdit="1"/>
+          </p:cNvSpPr>
+          <p:nvPr>
+            <p:extLst>
+              <p:ext uri="{386F3935-93C4-4BCD-93E2-E3B085C9AB24}">
+                <p16:designElem xmlns:p16="http://schemas.microsoft.com/office/powerpoint/2015/main" val="1"/>
+              </p:ext>
+            </p:extLst>
+          </p:nvPr>
+        </p:nvSpPr>
+        <p:spPr>
+          <a:xfrm>
+            <a:off x="8042147" y="723899"/>
+            <a:ext cx="3703320" cy="5666666"/>
+          </a:xfrm>
+          <a:prstGeom prst="rect">
+            <a:avLst/>
+          </a:prstGeom>
+          <a:solidFill>
+            <a:schemeClr val="accent1"/>
+          </a:solidFill>
+          <a:ln>
+            <a:noFill/>
+          </a:ln>
+          <a:effectLst/>
+        </p:spPr>
+        <p:style>
+          <a:lnRef idx="1">
+            <a:schemeClr val="accent1"/>
+          </a:lnRef>
+          <a:fillRef idx="3">
+            <a:schemeClr val="accent1"/>
+          </a:fillRef>
+          <a:effectRef idx="2">
+            <a:schemeClr val="accent1"/>
+          </a:effectRef>
+          <a:fontRef idx="minor">
+            <a:schemeClr val="lt1"/>
+          </a:fontRef>
+        </p:style>
+      </p:sp>
+      <p:sp>
+        <p:nvSpPr>
+          <p:cNvPr id="2" name="Title 1"/>
+          <p:cNvSpPr>
+            <a:spLocks noGrp="1"/>
+          </p:cNvSpPr>
+          <p:nvPr>
+            <p:ph type="title"/>
+          </p:nvPr>
+        </p:nvSpPr>
+        <p:spPr>
+          <a:xfrm>
+            <a:off x="8369643" y="1037967"/>
+            <a:ext cx="3054091" cy="4709131"/>
+          </a:xfrm>
+        </p:spPr>
+        <p:txBody>
+          <a:bodyPr anchor="ctr">
+            <a:normAutofit/>
+          </a:bodyPr>
+          <a:lstStyle/>
+          <a:p>
+            <a:r>
+              <a:rPr lang="en-US" sz="3200">
+                <a:solidFill>
+                  <a:srgbClr val="FFFEFF"/>
+                </a:solidFill>
+              </a:rPr>
+              <a:t>Our approach</a:t>
+            </a:r>
+          </a:p>
+        </p:txBody>
+      </p:sp>
+      <p:sp>
+        <p:nvSpPr>
+          <p:cNvPr id="5" name="Slide Number Placeholder 4">
+            <a:extLst>
+              <a:ext uri="{FF2B5EF4-FFF2-40B4-BE49-F238E27FC236}">
+                <a16:creationId xmlns:a16="http://schemas.microsoft.com/office/drawing/2014/main" id="{DD121888-DF1A-C84A-8442-F42EE4CFC723}"/>
+              </a:ext>
+            </a:extLst>
+          </p:cNvPr>
+          <p:cNvSpPr>
+            <a:spLocks noGrp="1"/>
+          </p:cNvSpPr>
+          <p:nvPr>
+            <p:ph type="sldNum" sz="quarter" idx="12"/>
+          </p:nvPr>
+        </p:nvSpPr>
+        <p:spPr>
+          <a:xfrm>
+            <a:off x="10558300" y="5956137"/>
+            <a:ext cx="1052508" cy="365125"/>
+          </a:xfrm>
+        </p:spPr>
+        <p:txBody>
+          <a:bodyPr>
+            <a:normAutofit/>
+          </a:bodyPr>
+          <a:lstStyle/>
+          <a:p>
+            <a:pPr>
+              <a:spcAft>
+                <a:spcPts val="600"/>
+              </a:spcAft>
+            </a:pPr>
+            <a:fld id="{D57F1E4F-1CFF-5643-939E-217C01CDF565}" type="slidenum">
+              <a:rPr lang="en-US">
+                <a:solidFill>
+                  <a:schemeClr val="accent1">
+                    <a:lumMod val="75000"/>
+                    <a:lumOff val="25000"/>
+                  </a:schemeClr>
+                </a:solidFill>
+              </a:rPr>
+              <a:pPr>
+                <a:spcAft>
+                  <a:spcPts val="600"/>
+                </a:spcAft>
+              </a:pPr>
+              <a:t>10</a:t>
+            </a:fld>
+            <a:endParaRPr lang="en-US">
+              <a:solidFill>
+                <a:schemeClr val="accent1">
+                  <a:lumMod val="75000"/>
+                  <a:lumOff val="25000"/>
+                </a:schemeClr>
+              </a:solidFill>
+            </a:endParaRPr>
+          </a:p>
+        </p:txBody>
+      </p:sp>
+    </p:spTree>
+    <p:extLst>
+      <p:ext uri="{BB962C8B-B14F-4D97-AF65-F5344CB8AC3E}">
+        <p14:creationId xmlns:p14="http://schemas.microsoft.com/office/powerpoint/2010/main" val="3643751538"/>
+      </p:ext>
+    </p:extLst>
+  </p:cSld>
+  <p:clrMapOvr>
+    <a:masterClrMapping/>
+  </p:clrMapOvr>
+</p:sld>
+</file>
+
+<file path=ppt/slides/slide11.xml><?xml version="1.0" encoding="utf-8"?>
+<p:sld xmlns:a="http://schemas.openxmlformats.org/drawingml/2006/main" xmlns:r="http://schemas.openxmlformats.org/officeDocument/2006/relationships" xmlns:p="http://schemas.openxmlformats.org/presentationml/2006/main">
+  <p:cSld>
+    <p:bg>
+      <p:bgPr>
+        <a:solidFill>
+          <a:schemeClr val="bg1"/>
+        </a:solidFill>
+        <a:effectLst/>
+      </p:bgPr>
+    </p:bg>
+    <p:spTree>
+      <p:nvGrpSpPr>
+        <p:cNvPr id="1" name=""/>
+        <p:cNvGrpSpPr/>
+        <p:nvPr/>
+      </p:nvGrpSpPr>
+      <p:grpSpPr>
+        <a:xfrm>
+          <a:off x="0" y="0"/>
+          <a:ext cx="0" cy="0"/>
+          <a:chOff x="0" y="0"/>
+          <a:chExt cx="0" cy="0"/>
+        </a:xfrm>
+      </p:grpSpPr>
+      <p:sp useBgFill="1">
+        <p:nvSpPr>
+          <p:cNvPr id="23" name="Rectangle 22">
+            <a:extLst>
+              <a:ext uri="{FF2B5EF4-FFF2-40B4-BE49-F238E27FC236}">
+                <a16:creationId xmlns:a16="http://schemas.microsoft.com/office/drawing/2014/main" id="{F858DF7D-C2D0-4B03-A7A0-2F06B789EE35}"/>
+              </a:ext>
+              <a:ext uri="{C183D7F6-B498-43B3-948B-1728B52AA6E4}">
+                <adec:decorative xmlns:adec="http://schemas.microsoft.com/office/drawing/2017/decorative" val="1"/>
+              </a:ext>
+            </a:extLst>
+          </p:cNvPr>
+          <p:cNvSpPr>
+            <a:spLocks noGrp="1" noRot="1" noChangeAspect="1" noMove="1" noResize="1" noEditPoints="1" noAdjustHandles="1" noChangeArrowheads="1" noChangeShapeType="1" noTextEdit="1"/>
+          </p:cNvSpPr>
+          <p:nvPr>
+            <p:extLst>
+              <p:ext uri="{386F3935-93C4-4BCD-93E2-E3B085C9AB24}">
+                <p16:designElem xmlns:p16="http://schemas.microsoft.com/office/powerpoint/2015/main" val="1"/>
+              </p:ext>
+            </p:extLst>
+          </p:nvPr>
+        </p:nvSpPr>
+        <p:spPr>
+          <a:xfrm>
+            <a:off x="0" y="0"/>
+            <a:ext cx="12191999" cy="6858001"/>
+          </a:xfrm>
+          <a:prstGeom prst="rect">
+            <a:avLst/>
+          </a:prstGeom>
+          <a:ln>
+            <a:noFill/>
+          </a:ln>
+        </p:spPr>
+        <p:style>
+          <a:lnRef idx="2">
+            <a:schemeClr val="accent1">
+              <a:shade val="50000"/>
+            </a:schemeClr>
+          </a:lnRef>
+          <a:fillRef idx="1">
+            <a:schemeClr val="accent1"/>
+          </a:fillRef>
+          <a:effectRef idx="0">
+            <a:schemeClr val="accent1"/>
+          </a:effectRef>
+          <a:fontRef idx="minor">
+            <a:schemeClr val="lt1"/>
+          </a:fontRef>
+        </p:style>
+        <p:txBody>
+          <a:bodyPr rtlCol="0" anchor="ctr"/>
+          <a:lstStyle/>
+          <a:p>
+            <a:pPr algn="ctr"/>
+            <a:endParaRPr lang="en-US"/>
+          </a:p>
+        </p:txBody>
+      </p:sp>
+      <p:sp>
+        <p:nvSpPr>
+          <p:cNvPr id="25" name="Rectangle 24">
+            <a:extLst>
+              <a:ext uri="{FF2B5EF4-FFF2-40B4-BE49-F238E27FC236}">
+                <a16:creationId xmlns:a16="http://schemas.microsoft.com/office/drawing/2014/main" id="{1B26B711-3121-40B0-8377-A64F3DC00C7A}"/>
+              </a:ext>
+              <a:ext uri="{C183D7F6-B498-43B3-948B-1728B52AA6E4}">
+                <adec:decorative xmlns:adec="http://schemas.microsoft.com/office/drawing/2017/decorative" val="1"/>
+              </a:ext>
+            </a:extLst>
+          </p:cNvPr>
+          <p:cNvSpPr>
+            <a:spLocks noGrp="1" noRot="1" noChangeAspect="1" noMove="1" noResize="1" noEditPoints="1" noAdjustHandles="1" noChangeArrowheads="1" noChangeShapeType="1" noTextEdit="1"/>
+          </p:cNvSpPr>
+          <p:nvPr>
+            <p:extLst>
+              <p:ext uri="{386F3935-93C4-4BCD-93E2-E3B085C9AB24}">
+                <p16:designElem xmlns:p16="http://schemas.microsoft.com/office/powerpoint/2015/main" val="1"/>
+              </p:ext>
+            </p:extLst>
+          </p:nvPr>
+        </p:nvSpPr>
+        <p:spPr>
+          <a:xfrm>
+            <a:off x="446534" y="457200"/>
+            <a:ext cx="3703320" cy="94997"/>
+          </a:xfrm>
+          <a:prstGeom prst="rect">
+            <a:avLst/>
+          </a:prstGeom>
+          <a:solidFill>
+            <a:schemeClr val="accent1"/>
+          </a:solidFill>
+          <a:ln>
+            <a:noFill/>
+          </a:ln>
+          <a:effectLst/>
+        </p:spPr>
+        <p:style>
+          <a:lnRef idx="1">
+            <a:schemeClr val="accent1"/>
+          </a:lnRef>
+          <a:fillRef idx="3">
+            <a:schemeClr val="accent1"/>
+          </a:fillRef>
+          <a:effectRef idx="2">
+            <a:schemeClr val="accent1"/>
+          </a:effectRef>
+          <a:fontRef idx="minor">
+            <a:schemeClr val="lt1"/>
+          </a:fontRef>
+        </p:style>
+      </p:sp>
+      <p:sp>
+        <p:nvSpPr>
+          <p:cNvPr id="27" name="Rectangle 26">
+            <a:extLst>
+              <a:ext uri="{FF2B5EF4-FFF2-40B4-BE49-F238E27FC236}">
+                <a16:creationId xmlns:a16="http://schemas.microsoft.com/office/drawing/2014/main" id="{645C4D3D-ABBA-4B4E-93E5-01E343719849}"/>
+              </a:ext>
+              <a:ext uri="{C183D7F6-B498-43B3-948B-1728B52AA6E4}">
+                <adec:decorative xmlns:adec="http://schemas.microsoft.com/office/drawing/2017/decorative" val="1"/>
+              </a:ext>
+            </a:extLst>
+          </p:cNvPr>
+          <p:cNvSpPr>
+            <a:spLocks noGrp="1" noRot="1" noChangeAspect="1" noMove="1" noResize="1" noEditPoints="1" noAdjustHandles="1" noChangeArrowheads="1" noChangeShapeType="1" noTextEdit="1"/>
+          </p:cNvSpPr>
+          <p:nvPr>
+            <p:extLst>
+              <p:ext uri="{386F3935-93C4-4BCD-93E2-E3B085C9AB24}">
+                <p16:designElem xmlns:p16="http://schemas.microsoft.com/office/powerpoint/2015/main" val="1"/>
+              </p:ext>
+            </p:extLst>
+          </p:nvPr>
+        </p:nvSpPr>
+        <p:spPr>
+          <a:xfrm>
+            <a:off x="4241830" y="457200"/>
+            <a:ext cx="3703320" cy="91440"/>
+          </a:xfrm>
+          <a:prstGeom prst="rect">
+            <a:avLst/>
+          </a:prstGeom>
+          <a:solidFill>
+            <a:schemeClr val="accent2"/>
+          </a:solidFill>
+          <a:ln>
+            <a:noFill/>
+          </a:ln>
+          <a:effectLst/>
+        </p:spPr>
+        <p:style>
+          <a:lnRef idx="1">
+            <a:schemeClr val="accent1"/>
+          </a:lnRef>
+          <a:fillRef idx="3">
+            <a:schemeClr val="accent1"/>
+          </a:fillRef>
+          <a:effectRef idx="2">
+            <a:schemeClr val="accent1"/>
+          </a:effectRef>
+          <a:fontRef idx="minor">
+            <a:schemeClr val="lt1"/>
+          </a:fontRef>
+        </p:style>
+      </p:sp>
+      <p:sp>
+        <p:nvSpPr>
+          <p:cNvPr id="29" name="Rectangle 28">
+            <a:extLst>
+              <a:ext uri="{FF2B5EF4-FFF2-40B4-BE49-F238E27FC236}">
+                <a16:creationId xmlns:a16="http://schemas.microsoft.com/office/drawing/2014/main" id="{98DDD5E5-0097-4C6C-B266-5732EDA96CC4}"/>
+              </a:ext>
+              <a:ext uri="{C183D7F6-B498-43B3-948B-1728B52AA6E4}">
+                <adec:decorative xmlns:adec="http://schemas.microsoft.com/office/drawing/2017/decorative" val="1"/>
+              </a:ext>
+            </a:extLst>
+          </p:cNvPr>
+          <p:cNvSpPr>
+            <a:spLocks noGrp="1" noRot="1" noChangeAspect="1" noMove="1" noResize="1" noEditPoints="1" noAdjustHandles="1" noChangeArrowheads="1" noChangeShapeType="1" noTextEdit="1"/>
+          </p:cNvSpPr>
+          <p:nvPr>
+            <p:extLst>
+              <p:ext uri="{386F3935-93C4-4BCD-93E2-E3B085C9AB24}">
+                <p16:designElem xmlns:p16="http://schemas.microsoft.com/office/powerpoint/2015/main" val="1"/>
+              </p:ext>
+            </p:extLst>
+          </p:nvPr>
+        </p:nvSpPr>
+        <p:spPr>
+          <a:xfrm>
+            <a:off x="8042147" y="453643"/>
+            <a:ext cx="3703320" cy="98554"/>
+          </a:xfrm>
+          <a:prstGeom prst="rect">
+            <a:avLst/>
+          </a:prstGeom>
+          <a:solidFill>
+            <a:schemeClr val="accent4"/>
+          </a:solidFill>
+          <a:ln>
+            <a:noFill/>
+          </a:ln>
+          <a:effectLst/>
+        </p:spPr>
+        <p:style>
+          <a:lnRef idx="1">
+            <a:schemeClr val="accent1"/>
+          </a:lnRef>
+          <a:fillRef idx="3">
+            <a:schemeClr val="accent1"/>
+          </a:fillRef>
+          <a:effectRef idx="2">
+            <a:schemeClr val="accent1"/>
+          </a:effectRef>
+          <a:fontRef idx="minor">
+            <a:schemeClr val="lt1"/>
+          </a:fontRef>
+        </p:style>
+      </p:sp>
+      <p:sp>
+        <p:nvSpPr>
+          <p:cNvPr id="3" name="Content Placeholder 2"/>
+          <p:cNvSpPr>
+            <a:spLocks noGrp="1"/>
+          </p:cNvSpPr>
+          <p:nvPr>
+            <p:ph idx="1"/>
+          </p:nvPr>
+        </p:nvSpPr>
+        <p:spPr>
+          <a:xfrm>
+            <a:off x="581192" y="1037968"/>
+            <a:ext cx="7014423" cy="4820832"/>
+          </a:xfrm>
+        </p:spPr>
+        <p:txBody>
+          <a:bodyPr>
+            <a:normAutofit/>
+          </a:bodyPr>
+          <a:lstStyle/>
+          <a:p>
+            <a:r>
+              <a:rPr lang="en-US" sz="2000" dirty="0"/>
+              <a:t>REFERENCES</a:t>
+            </a:r>
+          </a:p>
+          <a:p>
+            <a:pPr lvl="1"/>
+            <a:r>
+              <a:rPr lang="en-US" sz="2000" dirty="0" err="1"/>
+              <a:t>Tigist</a:t>
+            </a:r>
+            <a:r>
+              <a:rPr lang="en-US" sz="2000" dirty="0"/>
+              <a:t> </a:t>
+            </a:r>
+            <a:r>
+              <a:rPr lang="en-US" sz="2000" dirty="0" err="1"/>
+              <a:t>Abera</a:t>
+            </a:r>
+            <a:r>
+              <a:rPr lang="en-US" sz="2000" dirty="0"/>
+              <a:t>, N. </a:t>
+            </a:r>
+            <a:r>
+              <a:rPr lang="en-US" sz="2000" dirty="0" err="1"/>
+              <a:t>Asokan</a:t>
+            </a:r>
+            <a:r>
+              <a:rPr lang="en-US" sz="2000" dirty="0"/>
+              <a:t>, Lucas </a:t>
+            </a:r>
+            <a:r>
+              <a:rPr lang="en-US" sz="2000" dirty="0" err="1"/>
+              <a:t>Davi</a:t>
+            </a:r>
+            <a:r>
+              <a:rPr lang="en-US" sz="2000" dirty="0"/>
+              <a:t>, Jan-Erik Ekberg, Thomas Nyman, Andrew </a:t>
+            </a:r>
+            <a:r>
+              <a:rPr lang="en-US" sz="2000" dirty="0" err="1"/>
+              <a:t>Paverd</a:t>
+            </a:r>
+            <a:r>
+              <a:rPr lang="en-US" sz="2000" dirty="0"/>
+              <a:t>, Ahmad-Reza Sadeghi, Gene </a:t>
+            </a:r>
+            <a:r>
+              <a:rPr lang="en-US" sz="2000" dirty="0" err="1"/>
+              <a:t>Tsudik</a:t>
+            </a:r>
+            <a:r>
+              <a:rPr lang="en-US" sz="2000" dirty="0"/>
+              <a:t>.     C-FLAT: Control-Flow Attestation for Embedded Systems Software.</a:t>
+            </a:r>
+          </a:p>
+          <a:p>
+            <a:pPr lvl="1"/>
+            <a:r>
+              <a:rPr lang="en-US" sz="2000" dirty="0"/>
+              <a:t>Miguel Castro, Manuel Costa, Tim Harris. Securing software by enforcing data-flow integrity.</a:t>
+            </a:r>
+          </a:p>
+        </p:txBody>
+      </p:sp>
+      <p:sp>
+        <p:nvSpPr>
+          <p:cNvPr id="4" name="Footer Placeholder 3">
+            <a:extLst>
+              <a:ext uri="{FF2B5EF4-FFF2-40B4-BE49-F238E27FC236}">
+                <a16:creationId xmlns:a16="http://schemas.microsoft.com/office/drawing/2014/main" id="{6E042391-FC9B-8B4F-900C-23E410B5D3AC}"/>
+              </a:ext>
+            </a:extLst>
+          </p:cNvPr>
+          <p:cNvSpPr>
+            <a:spLocks noGrp="1"/>
+          </p:cNvSpPr>
+          <p:nvPr>
+            <p:ph type="ftr" sz="quarter" idx="11"/>
+          </p:nvPr>
+        </p:nvSpPr>
+        <p:spPr>
+          <a:xfrm>
+            <a:off x="581192" y="5951811"/>
+            <a:ext cx="6917210" cy="365125"/>
+          </a:xfrm>
+        </p:spPr>
+        <p:txBody>
+          <a:bodyPr>
+            <a:normAutofit/>
+          </a:bodyPr>
+          <a:lstStyle/>
+          <a:p>
+            <a:pPr>
+              <a:spcAft>
+                <a:spcPts val="600"/>
+              </a:spcAft>
+            </a:pPr>
+            <a:r>
+              <a:rPr lang="en-US"/>
+              <a:t>CS295: Pre-Proposal Presentation</a:t>
+            </a:r>
+          </a:p>
+        </p:txBody>
+      </p:sp>
+      <p:sp>
+        <p:nvSpPr>
+          <p:cNvPr id="31" name="Rectangle 30">
+            <a:extLst>
+              <a:ext uri="{FF2B5EF4-FFF2-40B4-BE49-F238E27FC236}">
+                <a16:creationId xmlns:a16="http://schemas.microsoft.com/office/drawing/2014/main" id="{8952EF87-C74F-4D3F-9CAD-EEA1733C9BD0}"/>
+              </a:ext>
+              <a:ext uri="{C183D7F6-B498-43B3-948B-1728B52AA6E4}">
+                <adec:decorative xmlns:adec="http://schemas.microsoft.com/office/drawing/2017/decorative" val="1"/>
+              </a:ext>
+            </a:extLst>
+          </p:cNvPr>
+          <p:cNvSpPr>
+            <a:spLocks noGrp="1" noRot="1" noChangeAspect="1" noMove="1" noResize="1" noEditPoints="1" noAdjustHandles="1" noChangeArrowheads="1" noChangeShapeType="1" noTextEdit="1"/>
+          </p:cNvSpPr>
+          <p:nvPr>
+            <p:extLst>
+              <p:ext uri="{386F3935-93C4-4BCD-93E2-E3B085C9AB24}">
+                <p16:designElem xmlns:p16="http://schemas.microsoft.com/office/powerpoint/2015/main" val="1"/>
+              </p:ext>
+            </p:extLst>
+          </p:nvPr>
+        </p:nvSpPr>
+        <p:spPr>
+          <a:xfrm>
+            <a:off x="8042147" y="723899"/>
+            <a:ext cx="3703320" cy="5666666"/>
+          </a:xfrm>
+          <a:prstGeom prst="rect">
+            <a:avLst/>
+          </a:prstGeom>
+          <a:solidFill>
+            <a:schemeClr val="accent1"/>
+          </a:solidFill>
+          <a:ln>
+            <a:noFill/>
+          </a:ln>
+          <a:effectLst/>
+        </p:spPr>
+        <p:style>
+          <a:lnRef idx="1">
+            <a:schemeClr val="accent1"/>
+          </a:lnRef>
+          <a:fillRef idx="3">
+            <a:schemeClr val="accent1"/>
+          </a:fillRef>
+          <a:effectRef idx="2">
+            <a:schemeClr val="accent1"/>
+          </a:effectRef>
+          <a:fontRef idx="minor">
+            <a:schemeClr val="lt1"/>
+          </a:fontRef>
+        </p:style>
+      </p:sp>
+      <p:sp>
+        <p:nvSpPr>
+          <p:cNvPr id="2" name="Title 1"/>
+          <p:cNvSpPr>
+            <a:spLocks noGrp="1"/>
+          </p:cNvSpPr>
+          <p:nvPr>
+            <p:ph type="title"/>
+          </p:nvPr>
+        </p:nvSpPr>
+        <p:spPr>
+          <a:xfrm>
+            <a:off x="8369643" y="1037967"/>
+            <a:ext cx="3054091" cy="4709131"/>
+          </a:xfrm>
+        </p:spPr>
+        <p:txBody>
+          <a:bodyPr anchor="ctr">
+            <a:normAutofit/>
+          </a:bodyPr>
+          <a:lstStyle/>
+          <a:p>
+            <a:r>
+              <a:rPr lang="en-US" sz="3200">
+                <a:solidFill>
+                  <a:srgbClr val="FFFEFF"/>
+                </a:solidFill>
+              </a:rPr>
+              <a:t>thank you!</a:t>
+            </a:r>
+          </a:p>
+        </p:txBody>
+      </p:sp>
+      <p:sp>
+        <p:nvSpPr>
+          <p:cNvPr id="5" name="Slide Number Placeholder 4">
+            <a:extLst>
+              <a:ext uri="{FF2B5EF4-FFF2-40B4-BE49-F238E27FC236}">
+                <a16:creationId xmlns:a16="http://schemas.microsoft.com/office/drawing/2014/main" id="{C1B36E01-C3AC-1F41-8E6F-E82A7BBF1F50}"/>
+              </a:ext>
+            </a:extLst>
+          </p:cNvPr>
+          <p:cNvSpPr>
+            <a:spLocks noGrp="1"/>
+          </p:cNvSpPr>
+          <p:nvPr>
+            <p:ph type="sldNum" sz="quarter" idx="12"/>
+          </p:nvPr>
+        </p:nvSpPr>
+        <p:spPr>
+          <a:xfrm>
+            <a:off x="10558300" y="5956137"/>
+            <a:ext cx="1052508" cy="365125"/>
+          </a:xfrm>
+        </p:spPr>
+        <p:txBody>
+          <a:bodyPr>
+            <a:normAutofit/>
+          </a:bodyPr>
+          <a:lstStyle/>
+          <a:p>
+            <a:pPr>
+              <a:spcAft>
+                <a:spcPts val="600"/>
+              </a:spcAft>
+            </a:pPr>
+            <a:fld id="{D57F1E4F-1CFF-5643-939E-217C01CDF565}" type="slidenum">
+              <a:rPr lang="en-US">
+                <a:solidFill>
+                  <a:schemeClr val="accent1">
+                    <a:lumMod val="75000"/>
+                    <a:lumOff val="25000"/>
+                  </a:schemeClr>
+                </a:solidFill>
+              </a:rPr>
+              <a:pPr>
+                <a:spcAft>
+                  <a:spcPts val="600"/>
+                </a:spcAft>
+              </a:pPr>
+              <a:t>11</a:t>
+            </a:fld>
+            <a:endParaRPr lang="en-US">
+              <a:solidFill>
+                <a:schemeClr val="accent1">
+                  <a:lumMod val="75000"/>
+                  <a:lumOff val="25000"/>
+                </a:schemeClr>
+              </a:solidFill>
+            </a:endParaRPr>
+          </a:p>
+        </p:txBody>
+      </p:sp>
+    </p:spTree>
+    <p:extLst>
+      <p:ext uri="{BB962C8B-B14F-4D97-AF65-F5344CB8AC3E}">
+        <p14:creationId xmlns:p14="http://schemas.microsoft.com/office/powerpoint/2010/main" val="1858798993"/>
       </p:ext>
     </p:extLst>
   </p:cSld>
@@ -5414,12 +6935,12 @@
           <a:chExt cx="0" cy="0"/>
         </a:xfrm>
       </p:grpSpPr>
-      <p:sp useBgFill="1">
-        <p:nvSpPr>
-          <p:cNvPr id="34" name="Rectangle 28">
+      <p:sp>
+        <p:nvSpPr>
+          <p:cNvPr id="20" name="Freeform: Shape 19">
             <a:extLst>
               <a:ext uri="{FF2B5EF4-FFF2-40B4-BE49-F238E27FC236}">
-                <a16:creationId xmlns:a16="http://schemas.microsoft.com/office/drawing/2014/main" id="{F858DF7D-C2D0-4B03-A7A0-2F06B789EE35}"/>
+                <a16:creationId xmlns:a16="http://schemas.microsoft.com/office/drawing/2014/main" id="{F82BF3E2-EB0E-40D6-8835-2367A5316CA4}"/>
               </a:ext>
               <a:ext uri="{C183D7F6-B498-43B3-948B-1728B52AA6E4}">
                 <adec:decorative xmlns:adec="http://schemas.microsoft.com/office/drawing/2017/decorative" val="1"/>
@@ -5439,12 +6960,99 @@
         </p:nvSpPr>
         <p:spPr>
           <a:xfrm>
-            <a:off x="0" y="0"/>
-            <a:ext cx="12191999" cy="6858001"/>
-          </a:xfrm>
-          <a:prstGeom prst="rect">
+            <a:off x="6148480" y="1563968"/>
+            <a:ext cx="6043520" cy="5294033"/>
+          </a:xfrm>
+          <a:custGeom>
             <a:avLst/>
-          </a:prstGeom>
+            <a:gdLst>
+              <a:gd name="connsiteX0" fmla="*/ 3600823 w 6043520"/>
+              <a:gd name="connsiteY0" fmla="*/ 0 h 5294033"/>
+              <a:gd name="connsiteX1" fmla="*/ 5891281 w 6043520"/>
+              <a:gd name="connsiteY1" fmla="*/ 822253 h 5294033"/>
+              <a:gd name="connsiteX2" fmla="*/ 6043520 w 6043520"/>
+              <a:gd name="connsiteY2" fmla="*/ 960617 h 5294033"/>
+              <a:gd name="connsiteX3" fmla="*/ 6043520 w 6043520"/>
+              <a:gd name="connsiteY3" fmla="*/ 5294033 h 5294033"/>
+              <a:gd name="connsiteX4" fmla="*/ 423445 w 6043520"/>
+              <a:gd name="connsiteY4" fmla="*/ 5294033 h 5294033"/>
+              <a:gd name="connsiteX5" fmla="*/ 282971 w 6043520"/>
+              <a:gd name="connsiteY5" fmla="*/ 5002426 h 5294033"/>
+              <a:gd name="connsiteX6" fmla="*/ 0 w 6043520"/>
+              <a:gd name="connsiteY6" fmla="*/ 3600823 h 5294033"/>
+              <a:gd name="connsiteX7" fmla="*/ 3600823 w 6043520"/>
+              <a:gd name="connsiteY7" fmla="*/ 0 h 5294033"/>
+            </a:gdLst>
+            <a:ahLst/>
+            <a:cxnLst>
+              <a:cxn ang="0">
+                <a:pos x="connsiteX0" y="connsiteY0"/>
+              </a:cxn>
+              <a:cxn ang="0">
+                <a:pos x="connsiteX1" y="connsiteY1"/>
+              </a:cxn>
+              <a:cxn ang="0">
+                <a:pos x="connsiteX2" y="connsiteY2"/>
+              </a:cxn>
+              <a:cxn ang="0">
+                <a:pos x="connsiteX3" y="connsiteY3"/>
+              </a:cxn>
+              <a:cxn ang="0">
+                <a:pos x="connsiteX4" y="connsiteY4"/>
+              </a:cxn>
+              <a:cxn ang="0">
+                <a:pos x="connsiteX5" y="connsiteY5"/>
+              </a:cxn>
+              <a:cxn ang="0">
+                <a:pos x="connsiteX6" y="connsiteY6"/>
+              </a:cxn>
+              <a:cxn ang="0">
+                <a:pos x="connsiteX7" y="connsiteY7"/>
+              </a:cxn>
+            </a:cxnLst>
+            <a:rect l="l" t="t" r="r" b="b"/>
+            <a:pathLst>
+              <a:path w="6043520" h="5294033">
+                <a:moveTo>
+                  <a:pt x="3600823" y="0"/>
+                </a:moveTo>
+                <a:cubicBezTo>
+                  <a:pt x="4470871" y="0"/>
+                  <a:pt x="5268847" y="308574"/>
+                  <a:pt x="5891281" y="822253"/>
+                </a:cubicBezTo>
+                <a:lnTo>
+                  <a:pt x="6043520" y="960617"/>
+                </a:lnTo>
+                <a:lnTo>
+                  <a:pt x="6043520" y="5294033"/>
+                </a:lnTo>
+                <a:lnTo>
+                  <a:pt x="423445" y="5294033"/>
+                </a:lnTo>
+                <a:lnTo>
+                  <a:pt x="282971" y="5002426"/>
+                </a:lnTo>
+                <a:cubicBezTo>
+                  <a:pt x="100759" y="4571630"/>
+                  <a:pt x="0" y="4097993"/>
+                  <a:pt x="0" y="3600823"/>
+                </a:cubicBezTo>
+                <a:cubicBezTo>
+                  <a:pt x="0" y="1612143"/>
+                  <a:pt x="1612143" y="0"/>
+                  <a:pt x="3600823" y="0"/>
+                </a:cubicBezTo>
+                <a:close/>
+              </a:path>
+            </a:pathLst>
+          </a:custGeom>
+          <a:solidFill>
+            <a:schemeClr val="tx1">
+              <a:lumMod val="75000"/>
+              <a:lumOff val="25000"/>
+            </a:schemeClr>
+          </a:solidFill>
           <a:ln>
             <a:noFill/>
           </a:ln>
@@ -5466,20 +7074,51 @@
           </a:fontRef>
         </p:style>
         <p:txBody>
-          <a:bodyPr rtlCol="0" anchor="ctr"/>
+          <a:bodyPr wrap="square" rtlCol="0" anchor="ctr">
+            <a:noAutofit/>
+          </a:bodyPr>
           <a:lstStyle/>
           <a:p>
-            <a:pPr algn="ctr"/>
-            <a:endParaRPr lang="en-US"/>
-          </a:p>
-        </p:txBody>
-      </p:sp>
-      <p:sp>
-        <p:nvSpPr>
-          <p:cNvPr id="36" name="Rectangle 30">
+            <a:pPr marL="0" marR="0" lvl="0" indent="0" algn="ctr" defTabSz="914400" rtl="0" eaLnBrk="1" fontAlgn="auto" latinLnBrk="0" hangingPunct="1">
+              <a:lnSpc>
+                <a:spcPct val="100000"/>
+              </a:lnSpc>
+              <a:spcBef>
+                <a:spcPts val="0"/>
+              </a:spcBef>
+              <a:spcAft>
+                <a:spcPts val="0"/>
+              </a:spcAft>
+              <a:buClrTx/>
+              <a:buSzTx/>
+              <a:buFontTx/>
+              <a:buNone/>
+              <a:tabLst/>
+              <a:defRPr/>
+            </a:pPr>
+            <a:endParaRPr kumimoji="0" lang="en-US" sz="1800" b="0" i="0" u="none" strike="noStrike" kern="1200" cap="none" spc="0" normalizeH="0" baseline="0" noProof="0">
+              <a:ln>
+                <a:noFill/>
+              </a:ln>
+              <a:solidFill>
+                <a:prstClr val="white"/>
+              </a:solidFill>
+              <a:effectLst/>
+              <a:uLnTx/>
+              <a:uFillTx/>
+              <a:latin typeface="Calibri" panose="020F0502020204030204"/>
+              <a:ea typeface="+mn-ea"/>
+              <a:cs typeface="+mn-cs"/>
+            </a:endParaRPr>
+          </a:p>
+        </p:txBody>
+      </p:sp>
+      <p:sp>
+        <p:nvSpPr>
+          <p:cNvPr id="22" name="Freeform: Shape 21">
             <a:extLst>
               <a:ext uri="{FF2B5EF4-FFF2-40B4-BE49-F238E27FC236}">
-                <a16:creationId xmlns:a16="http://schemas.microsoft.com/office/drawing/2014/main" id="{1B26B711-3121-40B0-8377-A64F3DC00C7A}"/>
+                <a16:creationId xmlns:a16="http://schemas.microsoft.com/office/drawing/2014/main" id="{CB6FFAAC-8A48-4FBF-BAFE-BAD367694022}"/>
               </a:ext>
               <a:ext uri="{C183D7F6-B498-43B3-948B-1728B52AA6E4}">
                 <adec:decorative xmlns:adec="http://schemas.microsoft.com/office/drawing/2017/decorative" val="1"/>
@@ -5499,41 +7138,133 @@
         </p:nvSpPr>
         <p:spPr>
           <a:xfrm>
-            <a:off x="446534" y="457200"/>
-            <a:ext cx="3703320" cy="94997"/>
-          </a:xfrm>
-          <a:prstGeom prst="rect">
+            <a:off x="6283728" y="1699214"/>
+            <a:ext cx="5908273" cy="5158786"/>
+          </a:xfrm>
+          <a:custGeom>
             <a:avLst/>
-          </a:prstGeom>
+            <a:gdLst>
+              <a:gd name="connsiteX0" fmla="*/ 3465576 w 5908273"/>
+              <a:gd name="connsiteY0" fmla="*/ 0 h 5158786"/>
+              <a:gd name="connsiteX1" fmla="*/ 5670004 w 5908273"/>
+              <a:gd name="connsiteY1" fmla="*/ 791369 h 5158786"/>
+              <a:gd name="connsiteX2" fmla="*/ 5908273 w 5908273"/>
+              <a:gd name="connsiteY2" fmla="*/ 1007923 h 5158786"/>
+              <a:gd name="connsiteX3" fmla="*/ 5908273 w 5908273"/>
+              <a:gd name="connsiteY3" fmla="*/ 5158786 h 5158786"/>
+              <a:gd name="connsiteX4" fmla="*/ 443374 w 5908273"/>
+              <a:gd name="connsiteY4" fmla="*/ 5158786 h 5158786"/>
+              <a:gd name="connsiteX5" fmla="*/ 418277 w 5908273"/>
+              <a:gd name="connsiteY5" fmla="*/ 5117476 h 5158786"/>
+              <a:gd name="connsiteX6" fmla="*/ 0 w 5908273"/>
+              <a:gd name="connsiteY6" fmla="*/ 3465576 h 5158786"/>
+              <a:gd name="connsiteX7" fmla="*/ 3465576 w 5908273"/>
+              <a:gd name="connsiteY7" fmla="*/ 0 h 5158786"/>
+            </a:gdLst>
+            <a:ahLst/>
+            <a:cxnLst>
+              <a:cxn ang="0">
+                <a:pos x="connsiteX0" y="connsiteY0"/>
+              </a:cxn>
+              <a:cxn ang="0">
+                <a:pos x="connsiteX1" y="connsiteY1"/>
+              </a:cxn>
+              <a:cxn ang="0">
+                <a:pos x="connsiteX2" y="connsiteY2"/>
+              </a:cxn>
+              <a:cxn ang="0">
+                <a:pos x="connsiteX3" y="connsiteY3"/>
+              </a:cxn>
+              <a:cxn ang="0">
+                <a:pos x="connsiteX4" y="connsiteY4"/>
+              </a:cxn>
+              <a:cxn ang="0">
+                <a:pos x="connsiteX5" y="connsiteY5"/>
+              </a:cxn>
+              <a:cxn ang="0">
+                <a:pos x="connsiteX6" y="connsiteY6"/>
+              </a:cxn>
+              <a:cxn ang="0">
+                <a:pos x="connsiteX7" y="connsiteY7"/>
+              </a:cxn>
+            </a:cxnLst>
+            <a:rect l="l" t="t" r="r" b="b"/>
+            <a:pathLst>
+              <a:path w="5908273" h="5158786">
+                <a:moveTo>
+                  <a:pt x="3465576" y="0"/>
+                </a:moveTo>
+                <a:cubicBezTo>
+                  <a:pt x="4302945" y="0"/>
+                  <a:pt x="5070948" y="296984"/>
+                  <a:pt x="5670004" y="791369"/>
+                </a:cubicBezTo>
+                <a:lnTo>
+                  <a:pt x="5908273" y="1007923"/>
+                </a:lnTo>
+                <a:lnTo>
+                  <a:pt x="5908273" y="5158786"/>
+                </a:lnTo>
+                <a:lnTo>
+                  <a:pt x="443374" y="5158786"/>
+                </a:lnTo>
+                <a:lnTo>
+                  <a:pt x="418277" y="5117476"/>
+                </a:lnTo>
+                <a:cubicBezTo>
+                  <a:pt x="151523" y="4626427"/>
+                  <a:pt x="0" y="4063697"/>
+                  <a:pt x="0" y="3465576"/>
+                </a:cubicBezTo>
+                <a:cubicBezTo>
+                  <a:pt x="0" y="1551591"/>
+                  <a:pt x="1551591" y="0"/>
+                  <a:pt x="3465576" y="0"/>
+                </a:cubicBezTo>
+                <a:close/>
+              </a:path>
+            </a:pathLst>
+          </a:custGeom>
           <a:solidFill>
-            <a:schemeClr val="accent1"/>
+            <a:schemeClr val="bg1"/>
           </a:solidFill>
           <a:ln>
             <a:noFill/>
           </a:ln>
-          <a:effectLst/>
         </p:spPr>
         <p:style>
-          <a:lnRef idx="1">
-            <a:schemeClr val="accent1"/>
+          <a:lnRef idx="2">
+            <a:schemeClr val="accent1">
+              <a:shade val="50000"/>
+            </a:schemeClr>
           </a:lnRef>
-          <a:fillRef idx="3">
+          <a:fillRef idx="1">
             <a:schemeClr val="accent1"/>
           </a:fillRef>
-          <a:effectRef idx="2">
+          <a:effectRef idx="0">
             <a:schemeClr val="accent1"/>
           </a:effectRef>
           <a:fontRef idx="minor">
             <a:schemeClr val="lt1"/>
           </a:fontRef>
         </p:style>
-      </p:sp>
-      <p:sp>
-        <p:nvSpPr>
-          <p:cNvPr id="33" name="Rectangle 32">
+        <p:txBody>
+          <a:bodyPr wrap="square" rtlCol="0" anchor="ctr">
+            <a:noAutofit/>
+          </a:bodyPr>
+          <a:lstStyle/>
+          <a:p>
+            <a:pPr algn="ctr"/>
+            <a:endParaRPr lang="en-US"/>
+          </a:p>
+        </p:txBody>
+      </p:sp>
+      <p:sp>
+        <p:nvSpPr>
+          <p:cNvPr id="24" name="Oval 23">
             <a:extLst>
               <a:ext uri="{FF2B5EF4-FFF2-40B4-BE49-F238E27FC236}">
-                <a16:creationId xmlns:a16="http://schemas.microsoft.com/office/drawing/2014/main" id="{645C4D3D-ABBA-4B4E-93E5-01E343719849}"/>
+                <a16:creationId xmlns:a16="http://schemas.microsoft.com/office/drawing/2014/main" id="{481E86DD-89E6-42B2-8675-84B7C56BFF7D}"/>
               </a:ext>
               <a:ext uri="{C183D7F6-B498-43B3-948B-1728B52AA6E4}">
                 <adec:decorative xmlns:adec="http://schemas.microsoft.com/office/drawing/2017/decorative" val="1"/>
@@ -5553,41 +7284,82 @@
         </p:nvSpPr>
         <p:spPr>
           <a:xfrm>
-            <a:off x="4241830" y="457200"/>
-            <a:ext cx="3703320" cy="91440"/>
-          </a:xfrm>
-          <a:prstGeom prst="rect">
+            <a:off x="3150534" y="1716727"/>
+            <a:ext cx="4572000" cy="4572000"/>
+          </a:xfrm>
+          <a:prstGeom prst="ellipse">
             <a:avLst/>
           </a:prstGeom>
           <a:solidFill>
-            <a:schemeClr val="accent2"/>
+            <a:schemeClr val="tx1">
+              <a:lumMod val="75000"/>
+              <a:lumOff val="25000"/>
+            </a:schemeClr>
           </a:solidFill>
           <a:ln>
             <a:noFill/>
           </a:ln>
-          <a:effectLst/>
         </p:spPr>
         <p:style>
-          <a:lnRef idx="1">
-            <a:schemeClr val="accent1"/>
+          <a:lnRef idx="2">
+            <a:schemeClr val="accent1">
+              <a:shade val="50000"/>
+            </a:schemeClr>
           </a:lnRef>
-          <a:fillRef idx="3">
+          <a:fillRef idx="1">
             <a:schemeClr val="accent1"/>
           </a:fillRef>
-          <a:effectRef idx="2">
+          <a:effectRef idx="0">
             <a:schemeClr val="accent1"/>
           </a:effectRef>
           <a:fontRef idx="minor">
             <a:schemeClr val="lt1"/>
           </a:fontRef>
         </p:style>
-      </p:sp>
-      <p:sp>
-        <p:nvSpPr>
-          <p:cNvPr id="35" name="Rectangle 34">
+        <p:txBody>
+          <a:bodyPr rtlCol="0" anchor="ctr"/>
+          <a:lstStyle/>
+          <a:p>
+            <a:pPr marL="0" marR="0" lvl="0" indent="0" algn="ctr" defTabSz="914400" rtl="0" eaLnBrk="1" fontAlgn="auto" latinLnBrk="0" hangingPunct="1">
+              <a:lnSpc>
+                <a:spcPct val="100000"/>
+              </a:lnSpc>
+              <a:spcBef>
+                <a:spcPts val="0"/>
+              </a:spcBef>
+              <a:spcAft>
+                <a:spcPts val="0"/>
+              </a:spcAft>
+              <a:buClrTx/>
+              <a:buSzTx/>
+              <a:buFontTx/>
+              <a:buNone/>
+              <a:tabLst/>
+              <a:defRPr/>
+            </a:pPr>
+            <a:endParaRPr kumimoji="0" lang="en-US" sz="1800" b="0" i="0" u="none" strike="noStrike" kern="1200" cap="none" spc="0" normalizeH="0" baseline="0" noProof="0">
+              <a:ln>
+                <a:noFill/>
+              </a:ln>
+              <a:solidFill>
+                <a:prstClr val="white"/>
+              </a:solidFill>
+              <a:effectLst/>
+              <a:uLnTx/>
+              <a:uFillTx/>
+              <a:latin typeface="Calibri" panose="020F0502020204030204"/>
+              <a:ea typeface="+mn-ea"/>
+              <a:cs typeface="+mn-cs"/>
+            </a:endParaRPr>
+          </a:p>
+        </p:txBody>
+      </p:sp>
+      <p:sp>
+        <p:nvSpPr>
+          <p:cNvPr id="26" name="Freeform: Shape 25">
             <a:extLst>
               <a:ext uri="{FF2B5EF4-FFF2-40B4-BE49-F238E27FC236}">
-                <a16:creationId xmlns:a16="http://schemas.microsoft.com/office/drawing/2014/main" id="{98DDD5E5-0097-4C6C-B266-5732EDA96CC4}"/>
+                <a16:creationId xmlns:a16="http://schemas.microsoft.com/office/drawing/2014/main" id="{440EF577-B6F8-4C57-B956-AB860B388EB8}"/>
               </a:ext>
               <a:ext uri="{C183D7F6-B498-43B3-948B-1728B52AA6E4}">
                 <adec:decorative xmlns:adec="http://schemas.microsoft.com/office/drawing/2017/decorative" val="1"/>
@@ -5607,98 +7379,867 @@
         </p:nvSpPr>
         <p:spPr>
           <a:xfrm>
-            <a:off x="8042147" y="453643"/>
-            <a:ext cx="3703320" cy="98554"/>
-          </a:xfrm>
-          <a:prstGeom prst="rect">
+            <a:off x="3287694" y="1853886"/>
+            <a:ext cx="4297680" cy="4297680"/>
+          </a:xfrm>
+          <a:custGeom>
             <a:avLst/>
-          </a:prstGeom>
+            <a:gdLst>
+              <a:gd name="connsiteX0" fmla="*/ 2148840 w 4297680"/>
+              <a:gd name="connsiteY0" fmla="*/ 0 h 4297680"/>
+              <a:gd name="connsiteX1" fmla="*/ 4297680 w 4297680"/>
+              <a:gd name="connsiteY1" fmla="*/ 2148840 h 4297680"/>
+              <a:gd name="connsiteX2" fmla="*/ 2148840 w 4297680"/>
+              <a:gd name="connsiteY2" fmla="*/ 4297680 h 4297680"/>
+              <a:gd name="connsiteX3" fmla="*/ 0 w 4297680"/>
+              <a:gd name="connsiteY3" fmla="*/ 2148840 h 4297680"/>
+              <a:gd name="connsiteX4" fmla="*/ 2148840 w 4297680"/>
+              <a:gd name="connsiteY4" fmla="*/ 0 h 4297680"/>
+            </a:gdLst>
+            <a:ahLst/>
+            <a:cxnLst>
+              <a:cxn ang="0">
+                <a:pos x="connsiteX0" y="connsiteY0"/>
+              </a:cxn>
+              <a:cxn ang="0">
+                <a:pos x="connsiteX1" y="connsiteY1"/>
+              </a:cxn>
+              <a:cxn ang="0">
+                <a:pos x="connsiteX2" y="connsiteY2"/>
+              </a:cxn>
+              <a:cxn ang="0">
+                <a:pos x="connsiteX3" y="connsiteY3"/>
+              </a:cxn>
+              <a:cxn ang="0">
+                <a:pos x="connsiteX4" y="connsiteY4"/>
+              </a:cxn>
+            </a:cxnLst>
+            <a:rect l="l" t="t" r="r" b="b"/>
+            <a:pathLst>
+              <a:path w="4297680" h="4297680">
+                <a:moveTo>
+                  <a:pt x="2148840" y="0"/>
+                </a:moveTo>
+                <a:cubicBezTo>
+                  <a:pt x="3335612" y="0"/>
+                  <a:pt x="4297680" y="962068"/>
+                  <a:pt x="4297680" y="2148840"/>
+                </a:cubicBezTo>
+                <a:cubicBezTo>
+                  <a:pt x="4297680" y="3335612"/>
+                  <a:pt x="3335612" y="4297680"/>
+                  <a:pt x="2148840" y="4297680"/>
+                </a:cubicBezTo>
+                <a:cubicBezTo>
+                  <a:pt x="962068" y="4297680"/>
+                  <a:pt x="0" y="3335612"/>
+                  <a:pt x="0" y="2148840"/>
+                </a:cubicBezTo>
+                <a:cubicBezTo>
+                  <a:pt x="0" y="962068"/>
+                  <a:pt x="962068" y="0"/>
+                  <a:pt x="2148840" y="0"/>
+                </a:cubicBezTo>
+                <a:close/>
+              </a:path>
+            </a:pathLst>
+          </a:custGeom>
           <a:solidFill>
-            <a:schemeClr val="accent4"/>
+            <a:schemeClr val="bg1"/>
           </a:solidFill>
           <a:ln>
             <a:noFill/>
           </a:ln>
-          <a:effectLst/>
         </p:spPr>
         <p:style>
-          <a:lnRef idx="1">
-            <a:schemeClr val="accent1"/>
+          <a:lnRef idx="2">
+            <a:schemeClr val="accent1">
+              <a:shade val="50000"/>
+            </a:schemeClr>
           </a:lnRef>
-          <a:fillRef idx="3">
+          <a:fillRef idx="1">
             <a:schemeClr val="accent1"/>
           </a:fillRef>
-          <a:effectRef idx="2">
+          <a:effectRef idx="0">
             <a:schemeClr val="accent1"/>
           </a:effectRef>
           <a:fontRef idx="minor">
             <a:schemeClr val="lt1"/>
           </a:fontRef>
         </p:style>
-      </p:sp>
-      <p:sp>
-        <p:nvSpPr>
-          <p:cNvPr id="3" name="Content Placeholder 2"/>
-          <p:cNvSpPr>
-            <a:spLocks noGrp="1"/>
-          </p:cNvSpPr>
-          <p:nvPr>
-            <p:ph idx="1"/>
-          </p:nvPr>
-        </p:nvSpPr>
-        <p:spPr>
-          <a:xfrm>
-            <a:off x="581192" y="1037968"/>
-            <a:ext cx="7014423" cy="4820832"/>
-          </a:xfrm>
-        </p:spPr>
-        <p:txBody>
-          <a:bodyPr>
-            <a:normAutofit/>
+        <p:txBody>
+          <a:bodyPr wrap="square" rtlCol="0" anchor="ctr">
+            <a:noAutofit/>
           </a:bodyPr>
           <a:lstStyle/>
           <a:p>
-            <a:r>
-              <a:rPr lang="en-US" sz="2000" dirty="0"/>
-              <a:t>What are data flow attacks?</a:t>
-            </a:r>
-          </a:p>
-          <a:p>
-            <a:r>
-              <a:rPr lang="en-US" sz="2000" dirty="0"/>
-              <a:t>Why is it important to do data flow integrity or attestation?</a:t>
-            </a:r>
-          </a:p>
-          <a:p>
-            <a:r>
-              <a:rPr lang="en-US" sz="2000" dirty="0"/>
-              <a:t>Difference between software space and IOT space</a:t>
-            </a:r>
-          </a:p>
-          <a:p>
-            <a:r>
-              <a:rPr lang="en-US" sz="2000" dirty="0"/>
-              <a:t>Eventually, why are we doing attestation and why not integrity?</a:t>
-            </a:r>
-          </a:p>
-          <a:p>
-            <a:endParaRPr lang="en-US" sz="2000" dirty="0"/>
-          </a:p>
-          <a:p>
-            <a:endParaRPr lang="en-US" sz="2000" dirty="0"/>
-          </a:p>
-        </p:txBody>
-      </p:sp>
-      <p:sp>
-        <p:nvSpPr>
-          <p:cNvPr id="4" name="Footer Placeholder 3">
+            <a:pPr algn="ctr"/>
+            <a:endParaRPr lang="en-US"/>
+          </a:p>
+        </p:txBody>
+      </p:sp>
+      <p:sp>
+        <p:nvSpPr>
+          <p:cNvPr id="28" name="Freeform: Shape 27">
             <a:extLst>
               <a:ext uri="{FF2B5EF4-FFF2-40B4-BE49-F238E27FC236}">
-                <a16:creationId xmlns:a16="http://schemas.microsoft.com/office/drawing/2014/main" id="{748BBC48-BA17-7441-AC78-800BA634C74B}"/>
+                <a16:creationId xmlns:a16="http://schemas.microsoft.com/office/drawing/2014/main" id="{EA518CE4-E4D4-4D8A-980F-6D692AC96949}"/>
+              </a:ext>
+              <a:ext uri="{C183D7F6-B498-43B3-948B-1728B52AA6E4}">
+                <adec:decorative xmlns:adec="http://schemas.microsoft.com/office/drawing/2017/decorative" val="1"/>
               </a:ext>
             </a:extLst>
           </p:cNvPr>
           <p:cNvSpPr>
+            <a:spLocks noGrp="1" noRot="1" noChangeAspect="1" noMove="1" noResize="1" noEditPoints="1" noAdjustHandles="1" noChangeArrowheads="1" noChangeShapeType="1" noTextEdit="1"/>
+          </p:cNvSpPr>
+          <p:nvPr>
+            <p:extLst>
+              <p:ext uri="{386F3935-93C4-4BCD-93E2-E3B085C9AB24}">
+                <p16:designElem xmlns:p16="http://schemas.microsoft.com/office/powerpoint/2015/main" val="1"/>
+              </p:ext>
+            </p:extLst>
+          </p:nvPr>
+        </p:nvSpPr>
+        <p:spPr>
+          <a:xfrm>
+            <a:off x="0" y="0"/>
+            <a:ext cx="5155454" cy="4845530"/>
+          </a:xfrm>
+          <a:custGeom>
+            <a:avLst/>
+            <a:gdLst>
+              <a:gd name="connsiteX0" fmla="*/ 0 w 5155454"/>
+              <a:gd name="connsiteY0" fmla="*/ 0 h 4845530"/>
+              <a:gd name="connsiteX1" fmla="*/ 4766270 w 5155454"/>
+              <a:gd name="connsiteY1" fmla="*/ 0 h 4845530"/>
+              <a:gd name="connsiteX2" fmla="*/ 4896671 w 5155454"/>
+              <a:gd name="connsiteY2" fmla="*/ 270697 h 4845530"/>
+              <a:gd name="connsiteX3" fmla="*/ 5155454 w 5155454"/>
+              <a:gd name="connsiteY3" fmla="*/ 1552495 h 4845530"/>
+              <a:gd name="connsiteX4" fmla="*/ 1862419 w 5155454"/>
+              <a:gd name="connsiteY4" fmla="*/ 4845530 h 4845530"/>
+              <a:gd name="connsiteX5" fmla="*/ 21252 w 5155454"/>
+              <a:gd name="connsiteY5" fmla="*/ 4283132 h 4845530"/>
+              <a:gd name="connsiteX6" fmla="*/ 0 w 5155454"/>
+              <a:gd name="connsiteY6" fmla="*/ 4267240 h 4845530"/>
+            </a:gdLst>
+            <a:ahLst/>
+            <a:cxnLst>
+              <a:cxn ang="0">
+                <a:pos x="connsiteX0" y="connsiteY0"/>
+              </a:cxn>
+              <a:cxn ang="0">
+                <a:pos x="connsiteX1" y="connsiteY1"/>
+              </a:cxn>
+              <a:cxn ang="0">
+                <a:pos x="connsiteX2" y="connsiteY2"/>
+              </a:cxn>
+              <a:cxn ang="0">
+                <a:pos x="connsiteX3" y="connsiteY3"/>
+              </a:cxn>
+              <a:cxn ang="0">
+                <a:pos x="connsiteX4" y="connsiteY4"/>
+              </a:cxn>
+              <a:cxn ang="0">
+                <a:pos x="connsiteX5" y="connsiteY5"/>
+              </a:cxn>
+              <a:cxn ang="0">
+                <a:pos x="connsiteX6" y="connsiteY6"/>
+              </a:cxn>
+            </a:cxnLst>
+            <a:rect l="l" t="t" r="r" b="b"/>
+            <a:pathLst>
+              <a:path w="5155454" h="4845530">
+                <a:moveTo>
+                  <a:pt x="0" y="0"/>
+                </a:moveTo>
+                <a:lnTo>
+                  <a:pt x="4766270" y="0"/>
+                </a:lnTo>
+                <a:lnTo>
+                  <a:pt x="4896671" y="270697"/>
+                </a:lnTo>
+                <a:cubicBezTo>
+                  <a:pt x="5063308" y="664671"/>
+                  <a:pt x="5155454" y="1097822"/>
+                  <a:pt x="5155454" y="1552495"/>
+                </a:cubicBezTo>
+                <a:cubicBezTo>
+                  <a:pt x="5155454" y="3371188"/>
+                  <a:pt x="3681112" y="4845530"/>
+                  <a:pt x="1862419" y="4845530"/>
+                </a:cubicBezTo>
+                <a:cubicBezTo>
+                  <a:pt x="1180409" y="4845530"/>
+                  <a:pt x="546824" y="4638201"/>
+                  <a:pt x="21252" y="4283132"/>
+                </a:cubicBezTo>
+                <a:lnTo>
+                  <a:pt x="0" y="4267240"/>
+                </a:lnTo>
+                <a:close/>
+              </a:path>
+            </a:pathLst>
+          </a:custGeom>
+          <a:solidFill>
+            <a:schemeClr val="tx1">
+              <a:lumMod val="75000"/>
+              <a:lumOff val="25000"/>
+            </a:schemeClr>
+          </a:solidFill>
+          <a:ln>
+            <a:noFill/>
+          </a:ln>
+        </p:spPr>
+        <p:style>
+          <a:lnRef idx="2">
+            <a:schemeClr val="accent1">
+              <a:shade val="50000"/>
+            </a:schemeClr>
+          </a:lnRef>
+          <a:fillRef idx="1">
+            <a:schemeClr val="accent1"/>
+          </a:fillRef>
+          <a:effectRef idx="0">
+            <a:schemeClr val="accent1"/>
+          </a:effectRef>
+          <a:fontRef idx="minor">
+            <a:schemeClr val="lt1"/>
+          </a:fontRef>
+        </p:style>
+        <p:txBody>
+          <a:bodyPr wrap="square" rtlCol="0" anchor="ctr">
+            <a:noAutofit/>
+          </a:bodyPr>
+          <a:lstStyle/>
+          <a:p>
+            <a:pPr marL="0" marR="0" lvl="0" indent="0" algn="ctr" defTabSz="914400" rtl="0" eaLnBrk="1" fontAlgn="auto" latinLnBrk="0" hangingPunct="1">
+              <a:lnSpc>
+                <a:spcPct val="100000"/>
+              </a:lnSpc>
+              <a:spcBef>
+                <a:spcPts val="0"/>
+              </a:spcBef>
+              <a:spcAft>
+                <a:spcPts val="0"/>
+              </a:spcAft>
+              <a:buClrTx/>
+              <a:buSzTx/>
+              <a:buFontTx/>
+              <a:buNone/>
+              <a:tabLst/>
+              <a:defRPr/>
+            </a:pPr>
+            <a:endParaRPr kumimoji="0" lang="en-US" sz="1800" b="0" i="0" u="none" strike="noStrike" kern="1200" cap="none" spc="0" normalizeH="0" baseline="0" noProof="0">
+              <a:ln>
+                <a:noFill/>
+              </a:ln>
+              <a:solidFill>
+                <a:prstClr val="white"/>
+              </a:solidFill>
+              <a:effectLst/>
+              <a:uLnTx/>
+              <a:uFillTx/>
+              <a:latin typeface="Calibri" panose="020F0502020204030204"/>
+              <a:ea typeface="+mn-ea"/>
+              <a:cs typeface="+mn-cs"/>
+            </a:endParaRPr>
+          </a:p>
+        </p:txBody>
+      </p:sp>
+      <p:sp>
+        <p:nvSpPr>
+          <p:cNvPr id="30" name="Freeform: Shape 29">
+            <a:extLst>
+              <a:ext uri="{FF2B5EF4-FFF2-40B4-BE49-F238E27FC236}">
+                <a16:creationId xmlns:a16="http://schemas.microsoft.com/office/drawing/2014/main" id="{5E6FAE32-AB12-4E77-A677-F6BD5D71ADD0}"/>
+              </a:ext>
+              <a:ext uri="{C183D7F6-B498-43B3-948B-1728B52AA6E4}">
+                <adec:decorative xmlns:adec="http://schemas.microsoft.com/office/drawing/2017/decorative" val="1"/>
+              </a:ext>
+            </a:extLst>
+          </p:cNvPr>
+          <p:cNvSpPr>
+            <a:spLocks noGrp="1" noRot="1" noChangeAspect="1" noMove="1" noResize="1" noEditPoints="1" noAdjustHandles="1" noChangeArrowheads="1" noChangeShapeType="1" noTextEdit="1"/>
+          </p:cNvSpPr>
+          <p:nvPr>
+            <p:extLst>
+              <p:ext uri="{386F3935-93C4-4BCD-93E2-E3B085C9AB24}">
+                <p16:designElem xmlns:p16="http://schemas.microsoft.com/office/powerpoint/2015/main" val="1"/>
+              </p:ext>
+            </p:extLst>
+          </p:nvPr>
+        </p:nvSpPr>
+        <p:spPr>
+          <a:xfrm>
+            <a:off x="0" y="0"/>
+            <a:ext cx="5017099" cy="4718647"/>
+          </a:xfrm>
+          <a:custGeom>
+            <a:avLst/>
+            <a:gdLst>
+              <a:gd name="connsiteX0" fmla="*/ 0 w 5017099"/>
+              <a:gd name="connsiteY0" fmla="*/ 0 h 4718647"/>
+              <a:gd name="connsiteX1" fmla="*/ 4599738 w 5017099"/>
+              <a:gd name="connsiteY1" fmla="*/ 0 h 4718647"/>
+              <a:gd name="connsiteX2" fmla="*/ 4636346 w 5017099"/>
+              <a:gd name="connsiteY2" fmla="*/ 60259 h 4718647"/>
+              <a:gd name="connsiteX3" fmla="*/ 5017099 w 5017099"/>
+              <a:gd name="connsiteY3" fmla="*/ 1563967 h 4718647"/>
+              <a:gd name="connsiteX4" fmla="*/ 1862419 w 5017099"/>
+              <a:gd name="connsiteY4" fmla="*/ 4718647 h 4718647"/>
+              <a:gd name="connsiteX5" fmla="*/ 98607 w 5017099"/>
+              <a:gd name="connsiteY5" fmla="*/ 4179877 h 4718647"/>
+              <a:gd name="connsiteX6" fmla="*/ 0 w 5017099"/>
+              <a:gd name="connsiteY6" fmla="*/ 4106140 h 4718647"/>
+            </a:gdLst>
+            <a:ahLst/>
+            <a:cxnLst>
+              <a:cxn ang="0">
+                <a:pos x="connsiteX0" y="connsiteY0"/>
+              </a:cxn>
+              <a:cxn ang="0">
+                <a:pos x="connsiteX1" y="connsiteY1"/>
+              </a:cxn>
+              <a:cxn ang="0">
+                <a:pos x="connsiteX2" y="connsiteY2"/>
+              </a:cxn>
+              <a:cxn ang="0">
+                <a:pos x="connsiteX3" y="connsiteY3"/>
+              </a:cxn>
+              <a:cxn ang="0">
+                <a:pos x="connsiteX4" y="connsiteY4"/>
+              </a:cxn>
+              <a:cxn ang="0">
+                <a:pos x="connsiteX5" y="connsiteY5"/>
+              </a:cxn>
+              <a:cxn ang="0">
+                <a:pos x="connsiteX6" y="connsiteY6"/>
+              </a:cxn>
+            </a:cxnLst>
+            <a:rect l="l" t="t" r="r" b="b"/>
+            <a:pathLst>
+              <a:path w="5017099" h="4718647">
+                <a:moveTo>
+                  <a:pt x="0" y="0"/>
+                </a:moveTo>
+                <a:lnTo>
+                  <a:pt x="4599738" y="0"/>
+                </a:lnTo>
+                <a:lnTo>
+                  <a:pt x="4636346" y="60259"/>
+                </a:lnTo>
+                <a:cubicBezTo>
+                  <a:pt x="4879170" y="507256"/>
+                  <a:pt x="5017099" y="1019504"/>
+                  <a:pt x="5017099" y="1563967"/>
+                </a:cubicBezTo>
+                <a:cubicBezTo>
+                  <a:pt x="5017099" y="3306249"/>
+                  <a:pt x="3604701" y="4718647"/>
+                  <a:pt x="1862419" y="4718647"/>
+                </a:cubicBezTo>
+                <a:cubicBezTo>
+                  <a:pt x="1209063" y="4718647"/>
+                  <a:pt x="602098" y="4520029"/>
+                  <a:pt x="98607" y="4179877"/>
+                </a:cubicBezTo>
+                <a:lnTo>
+                  <a:pt x="0" y="4106140"/>
+                </a:lnTo>
+                <a:close/>
+              </a:path>
+            </a:pathLst>
+          </a:custGeom>
+          <a:solidFill>
+            <a:schemeClr val="bg1"/>
+          </a:solidFill>
+          <a:ln>
+            <a:noFill/>
+          </a:ln>
+        </p:spPr>
+        <p:style>
+          <a:lnRef idx="2">
+            <a:schemeClr val="accent1">
+              <a:shade val="50000"/>
+            </a:schemeClr>
+          </a:lnRef>
+          <a:fillRef idx="1">
+            <a:schemeClr val="accent1"/>
+          </a:fillRef>
+          <a:effectRef idx="0">
+            <a:schemeClr val="accent1"/>
+          </a:effectRef>
+          <a:fontRef idx="minor">
+            <a:schemeClr val="lt1"/>
+          </a:fontRef>
+        </p:style>
+        <p:txBody>
+          <a:bodyPr wrap="square" rtlCol="0" anchor="ctr">
+            <a:noAutofit/>
+          </a:bodyPr>
+          <a:lstStyle/>
+          <a:p>
+            <a:pPr algn="ctr"/>
+            <a:endParaRPr lang="en-US"/>
+          </a:p>
+        </p:txBody>
+      </p:sp>
+      <p:pic>
+        <p:nvPicPr>
+          <p:cNvPr id="5" name="Picture 4" descr="A picture containing drawing&#10;&#10;Description automatically generated">
+            <a:extLst>
+              <a:ext uri="{FF2B5EF4-FFF2-40B4-BE49-F238E27FC236}">
+                <a16:creationId xmlns:a16="http://schemas.microsoft.com/office/drawing/2014/main" id="{A88FE3AD-C855-F048-9814-FDF3743519BF}"/>
+              </a:ext>
+            </a:extLst>
+          </p:cNvPr>
+          <p:cNvPicPr>
+            <a:picLocks noChangeAspect="1"/>
+          </p:cNvPicPr>
+          <p:nvPr/>
+        </p:nvPicPr>
+        <p:blipFill>
+          <a:blip r:embed="rId2"/>
+          <a:stretch>
+            <a:fillRect/>
+          </a:stretch>
+        </p:blipFill>
+        <p:spPr>
+          <a:xfrm>
+            <a:off x="7845304" y="3254787"/>
+            <a:ext cx="3217333" cy="1608666"/>
+          </a:xfrm>
+          <a:prstGeom prst="rect">
+            <a:avLst/>
+          </a:prstGeom>
+        </p:spPr>
+      </p:pic>
+      <p:pic>
+        <p:nvPicPr>
+          <p:cNvPr id="9" name="Picture 8" descr="A close up of a sign&#10;&#10;Description automatically generated">
+            <a:extLst>
+              <a:ext uri="{FF2B5EF4-FFF2-40B4-BE49-F238E27FC236}">
+                <a16:creationId xmlns:a16="http://schemas.microsoft.com/office/drawing/2014/main" id="{0F642474-04A6-114E-94C5-0AECA1C953B7}"/>
+              </a:ext>
+            </a:extLst>
+          </p:cNvPr>
+          <p:cNvPicPr>
+            <a:picLocks noChangeAspect="1"/>
+          </p:cNvPicPr>
+          <p:nvPr/>
+        </p:nvPicPr>
+        <p:blipFill>
+          <a:blip r:embed="rId3"/>
+          <a:stretch>
+            <a:fillRect/>
+          </a:stretch>
+        </p:blipFill>
+        <p:spPr>
+          <a:xfrm>
+            <a:off x="629641" y="5470275"/>
+            <a:ext cx="2863737" cy="365125"/>
+          </a:xfrm>
+          <a:prstGeom prst="rect">
+            <a:avLst/>
+          </a:prstGeom>
+        </p:spPr>
+      </p:pic>
+      <p:pic>
+        <p:nvPicPr>
+          <p:cNvPr id="7" name="Picture 6" descr="A picture containing book, text, table, photo&#10;&#10;Description automatically generated">
+            <a:extLst>
+              <a:ext uri="{FF2B5EF4-FFF2-40B4-BE49-F238E27FC236}">
+                <a16:creationId xmlns:a16="http://schemas.microsoft.com/office/drawing/2014/main" id="{AFFF34B0-C8A8-EE48-9696-662DD22FC4D9}"/>
+              </a:ext>
+            </a:extLst>
+          </p:cNvPr>
+          <p:cNvPicPr>
+            <a:picLocks noChangeAspect="1"/>
+          </p:cNvPicPr>
+          <p:nvPr/>
+        </p:nvPicPr>
+        <p:blipFill>
+          <a:blip r:embed="rId4"/>
+          <a:stretch>
+            <a:fillRect/>
+          </a:stretch>
+        </p:blipFill>
+        <p:spPr>
+          <a:xfrm>
+            <a:off x="8170499" y="4878906"/>
+            <a:ext cx="2681001" cy="1762758"/>
+          </a:xfrm>
+          <a:prstGeom prst="rect">
+            <a:avLst/>
+          </a:prstGeom>
+        </p:spPr>
+      </p:pic>
+      <p:sp>
+        <p:nvSpPr>
+          <p:cNvPr id="32" name="Freeform: Shape 31">
+            <a:extLst>
+              <a:ext uri="{FF2B5EF4-FFF2-40B4-BE49-F238E27FC236}">
+                <a16:creationId xmlns:a16="http://schemas.microsoft.com/office/drawing/2014/main" id="{2F6B32C1-BA91-470A-8C1B-33264F8B214E}"/>
+              </a:ext>
+              <a:ext uri="{C183D7F6-B498-43B3-948B-1728B52AA6E4}">
+                <adec:decorative xmlns:adec="http://schemas.microsoft.com/office/drawing/2017/decorative" val="1"/>
+              </a:ext>
+            </a:extLst>
+          </p:cNvPr>
+          <p:cNvSpPr>
+            <a:spLocks noGrp="1" noRot="1" noChangeAspect="1" noMove="1" noResize="1" noEditPoints="1" noAdjustHandles="1" noChangeArrowheads="1" noChangeShapeType="1" noTextEdit="1"/>
+          </p:cNvSpPr>
+          <p:nvPr>
+            <p:extLst>
+              <p:ext uri="{386F3935-93C4-4BCD-93E2-E3B085C9AB24}">
+                <p16:designElem xmlns:p16="http://schemas.microsoft.com/office/powerpoint/2015/main" val="1"/>
+              </p:ext>
+            </p:extLst>
+          </p:nvPr>
+        </p:nvSpPr>
+        <p:spPr>
+          <a:xfrm>
+            <a:off x="7762313" y="-1"/>
+            <a:ext cx="4444096" cy="3211788"/>
+          </a:xfrm>
+          <a:custGeom>
+            <a:avLst/>
+            <a:gdLst>
+              <a:gd name="connsiteX0" fmla="*/ 5102 w 4444096"/>
+              <a:gd name="connsiteY0" fmla="*/ 0 h 3211788"/>
+              <a:gd name="connsiteX1" fmla="*/ 4444096 w 4444096"/>
+              <a:gd name="connsiteY1" fmla="*/ 0 h 3211788"/>
+              <a:gd name="connsiteX2" fmla="*/ 4444096 w 4444096"/>
+              <a:gd name="connsiteY2" fmla="*/ 2908319 h 3211788"/>
+              <a:gd name="connsiteX3" fmla="*/ 4321598 w 4444096"/>
+              <a:gd name="connsiteY3" fmla="*/ 2967330 h 3211788"/>
+              <a:gd name="connsiteX4" fmla="*/ 3110753 w 4444096"/>
+              <a:gd name="connsiteY4" fmla="*/ 3211788 h 3211788"/>
+              <a:gd name="connsiteX5" fmla="*/ 0 w 4444096"/>
+              <a:gd name="connsiteY5" fmla="*/ 101035 h 3211788"/>
+            </a:gdLst>
+            <a:ahLst/>
+            <a:cxnLst>
+              <a:cxn ang="0">
+                <a:pos x="connsiteX0" y="connsiteY0"/>
+              </a:cxn>
+              <a:cxn ang="0">
+                <a:pos x="connsiteX1" y="connsiteY1"/>
+              </a:cxn>
+              <a:cxn ang="0">
+                <a:pos x="connsiteX2" y="connsiteY2"/>
+              </a:cxn>
+              <a:cxn ang="0">
+                <a:pos x="connsiteX3" y="connsiteY3"/>
+              </a:cxn>
+              <a:cxn ang="0">
+                <a:pos x="connsiteX4" y="connsiteY4"/>
+              </a:cxn>
+              <a:cxn ang="0">
+                <a:pos x="connsiteX5" y="connsiteY5"/>
+              </a:cxn>
+            </a:cxnLst>
+            <a:rect l="l" t="t" r="r" b="b"/>
+            <a:pathLst>
+              <a:path w="4444096" h="3211788">
+                <a:moveTo>
+                  <a:pt x="5102" y="0"/>
+                </a:moveTo>
+                <a:lnTo>
+                  <a:pt x="4444096" y="0"/>
+                </a:lnTo>
+                <a:lnTo>
+                  <a:pt x="4444096" y="2908319"/>
+                </a:lnTo>
+                <a:lnTo>
+                  <a:pt x="4321598" y="2967330"/>
+                </a:lnTo>
+                <a:cubicBezTo>
+                  <a:pt x="3949433" y="3124742"/>
+                  <a:pt x="3540258" y="3211788"/>
+                  <a:pt x="3110753" y="3211788"/>
+                </a:cubicBezTo>
+                <a:cubicBezTo>
+                  <a:pt x="1392732" y="3211788"/>
+                  <a:pt x="0" y="1819056"/>
+                  <a:pt x="0" y="101035"/>
+                </a:cubicBezTo>
+                <a:close/>
+              </a:path>
+            </a:pathLst>
+          </a:custGeom>
+          <a:solidFill>
+            <a:schemeClr val="tx1">
+              <a:lumMod val="75000"/>
+              <a:lumOff val="25000"/>
+            </a:schemeClr>
+          </a:solidFill>
+          <a:ln>
+            <a:noFill/>
+          </a:ln>
+        </p:spPr>
+        <p:style>
+          <a:lnRef idx="2">
+            <a:schemeClr val="accent1">
+              <a:shade val="50000"/>
+            </a:schemeClr>
+          </a:lnRef>
+          <a:fillRef idx="1">
+            <a:schemeClr val="accent1"/>
+          </a:fillRef>
+          <a:effectRef idx="0">
+            <a:schemeClr val="accent1"/>
+          </a:effectRef>
+          <a:fontRef idx="minor">
+            <a:schemeClr val="lt1"/>
+          </a:fontRef>
+        </p:style>
+        <p:txBody>
+          <a:bodyPr wrap="square" rtlCol="0" anchor="ctr">
+            <a:noAutofit/>
+          </a:bodyPr>
+          <a:lstStyle/>
+          <a:p>
+            <a:pPr algn="ctr"/>
+            <a:endParaRPr lang="en-US">
+              <a:solidFill>
+                <a:prstClr val="white"/>
+              </a:solidFill>
+              <a:latin typeface="Calibri" panose="020F0502020204030204"/>
+            </a:endParaRPr>
+          </a:p>
+        </p:txBody>
+      </p:sp>
+      <p:sp>
+        <p:nvSpPr>
+          <p:cNvPr id="34" name="Freeform: Shape 33">
+            <a:extLst>
+              <a:ext uri="{FF2B5EF4-FFF2-40B4-BE49-F238E27FC236}">
+                <a16:creationId xmlns:a16="http://schemas.microsoft.com/office/drawing/2014/main" id="{459570ED-BE4C-49E8-86BC-A81140CFEB38}"/>
+              </a:ext>
+              <a:ext uri="{C183D7F6-B498-43B3-948B-1728B52AA6E4}">
+                <adec:decorative xmlns:adec="http://schemas.microsoft.com/office/drawing/2017/decorative" val="1"/>
+              </a:ext>
+            </a:extLst>
+          </p:cNvPr>
+          <p:cNvSpPr>
+            <a:spLocks noGrp="1" noRot="1" noChangeAspect="1" noMove="1" noResize="1" noEditPoints="1" noAdjustHandles="1" noChangeArrowheads="1" noChangeShapeType="1" noTextEdit="1"/>
+          </p:cNvSpPr>
+          <p:nvPr>
+            <p:extLst>
+              <p:ext uri="{386F3935-93C4-4BCD-93E2-E3B085C9AB24}">
+                <p16:designElem xmlns:p16="http://schemas.microsoft.com/office/powerpoint/2015/main" val="1"/>
+              </p:ext>
+            </p:extLst>
+          </p:nvPr>
+        </p:nvSpPr>
+        <p:spPr>
+          <a:xfrm>
+            <a:off x="7928700" y="-1"/>
+            <a:ext cx="4277711" cy="3045402"/>
+          </a:xfrm>
+          <a:custGeom>
+            <a:avLst/>
+            <a:gdLst>
+              <a:gd name="connsiteX0" fmla="*/ 5102 w 4277711"/>
+              <a:gd name="connsiteY0" fmla="*/ 0 h 3045402"/>
+              <a:gd name="connsiteX1" fmla="*/ 4277711 w 4277711"/>
+              <a:gd name="connsiteY1" fmla="*/ 0 h 3045402"/>
+              <a:gd name="connsiteX2" fmla="*/ 4277711 w 4277711"/>
+              <a:gd name="connsiteY2" fmla="*/ 2723810 h 3045402"/>
+              <a:gd name="connsiteX3" fmla="*/ 4090449 w 4277711"/>
+              <a:gd name="connsiteY3" fmla="*/ 2814019 h 3045402"/>
+              <a:gd name="connsiteX4" fmla="*/ 2944368 w 4277711"/>
+              <a:gd name="connsiteY4" fmla="*/ 3045402 h 3045402"/>
+              <a:gd name="connsiteX5" fmla="*/ 0 w 4277711"/>
+              <a:gd name="connsiteY5" fmla="*/ 101034 h 3045402"/>
+            </a:gdLst>
+            <a:ahLst/>
+            <a:cxnLst>
+              <a:cxn ang="0">
+                <a:pos x="connsiteX0" y="connsiteY0"/>
+              </a:cxn>
+              <a:cxn ang="0">
+                <a:pos x="connsiteX1" y="connsiteY1"/>
+              </a:cxn>
+              <a:cxn ang="0">
+                <a:pos x="connsiteX2" y="connsiteY2"/>
+              </a:cxn>
+              <a:cxn ang="0">
+                <a:pos x="connsiteX3" y="connsiteY3"/>
+              </a:cxn>
+              <a:cxn ang="0">
+                <a:pos x="connsiteX4" y="connsiteY4"/>
+              </a:cxn>
+              <a:cxn ang="0">
+                <a:pos x="connsiteX5" y="connsiteY5"/>
+              </a:cxn>
+            </a:cxnLst>
+            <a:rect l="l" t="t" r="r" b="b"/>
+            <a:pathLst>
+              <a:path w="4277711" h="3045402">
+                <a:moveTo>
+                  <a:pt x="5102" y="0"/>
+                </a:moveTo>
+                <a:lnTo>
+                  <a:pt x="4277711" y="0"/>
+                </a:lnTo>
+                <a:lnTo>
+                  <a:pt x="4277711" y="2723810"/>
+                </a:lnTo>
+                <a:lnTo>
+                  <a:pt x="4090449" y="2814019"/>
+                </a:lnTo>
+                <a:cubicBezTo>
+                  <a:pt x="3738190" y="2963012"/>
+                  <a:pt x="3350901" y="3045402"/>
+                  <a:pt x="2944368" y="3045402"/>
+                </a:cubicBezTo>
+                <a:cubicBezTo>
+                  <a:pt x="1318238" y="3045402"/>
+                  <a:pt x="0" y="1727164"/>
+                  <a:pt x="0" y="101034"/>
+                </a:cubicBezTo>
+                <a:close/>
+              </a:path>
+            </a:pathLst>
+          </a:custGeom>
+          <a:solidFill>
+            <a:schemeClr val="bg1"/>
+          </a:solidFill>
+          <a:ln>
+            <a:noFill/>
+          </a:ln>
+        </p:spPr>
+        <p:style>
+          <a:lnRef idx="2">
+            <a:schemeClr val="accent1">
+              <a:shade val="50000"/>
+            </a:schemeClr>
+          </a:lnRef>
+          <a:fillRef idx="1">
+            <a:schemeClr val="accent1"/>
+          </a:fillRef>
+          <a:effectRef idx="0">
+            <a:schemeClr val="accent1"/>
+          </a:effectRef>
+          <a:fontRef idx="minor">
+            <a:schemeClr val="lt1"/>
+          </a:fontRef>
+        </p:style>
+        <p:txBody>
+          <a:bodyPr wrap="square" rtlCol="0" anchor="ctr">
+            <a:noAutofit/>
+          </a:bodyPr>
+          <a:lstStyle/>
+          <a:p>
+            <a:pPr algn="ctr"/>
+            <a:endParaRPr lang="en-US"/>
+          </a:p>
+        </p:txBody>
+      </p:sp>
+      <p:pic>
+        <p:nvPicPr>
+          <p:cNvPr id="13" name="Picture 12" descr="A hand holding a cell phone&#10;&#10;Description automatically generated">
+            <a:extLst>
+              <a:ext uri="{FF2B5EF4-FFF2-40B4-BE49-F238E27FC236}">
+                <a16:creationId xmlns:a16="http://schemas.microsoft.com/office/drawing/2014/main" id="{0D65F693-426A-A742-A4A7-63F1A8645A4C}"/>
+              </a:ext>
+            </a:extLst>
+          </p:cNvPr>
+          <p:cNvPicPr>
+            <a:picLocks noChangeAspect="1"/>
+          </p:cNvPicPr>
+          <p:nvPr/>
+        </p:nvPicPr>
+        <p:blipFill>
+          <a:blip r:embed="rId5"/>
+          <a:stretch>
+            <a:fillRect/>
+          </a:stretch>
+        </p:blipFill>
+        <p:spPr>
+          <a:xfrm>
+            <a:off x="8527824" y="636478"/>
+            <a:ext cx="3398942" cy="926211"/>
+          </a:xfrm>
+          <a:prstGeom prst="rect">
+            <a:avLst/>
+          </a:prstGeom>
+        </p:spPr>
+      </p:pic>
+      <p:pic>
+        <p:nvPicPr>
+          <p:cNvPr id="11" name="Picture 10" descr="A picture containing indoor, table&#10;&#10;Description automatically generated">
+            <a:extLst>
+              <a:ext uri="{FF2B5EF4-FFF2-40B4-BE49-F238E27FC236}">
+                <a16:creationId xmlns:a16="http://schemas.microsoft.com/office/drawing/2014/main" id="{D71AF07C-88C2-314B-938F-6CFD83D9970D}"/>
+              </a:ext>
+            </a:extLst>
+          </p:cNvPr>
+          <p:cNvPicPr>
+            <a:picLocks noChangeAspect="1"/>
+          </p:cNvPicPr>
+          <p:nvPr/>
+        </p:nvPicPr>
+        <p:blipFill>
+          <a:blip r:embed="rId6"/>
+          <a:stretch>
+            <a:fillRect/>
+          </a:stretch>
+        </p:blipFill>
+        <p:spPr>
+          <a:xfrm>
+            <a:off x="4404494" y="3757049"/>
+            <a:ext cx="2847338" cy="1025040"/>
+          </a:xfrm>
+          <a:prstGeom prst="rect">
+            <a:avLst/>
+          </a:prstGeom>
+        </p:spPr>
+      </p:pic>
+      <p:pic>
+        <p:nvPicPr>
+          <p:cNvPr id="15" name="Picture 14" descr="A picture containing table, items, different, various&#10;&#10;Description automatically generated">
+            <a:extLst>
+              <a:ext uri="{FF2B5EF4-FFF2-40B4-BE49-F238E27FC236}">
+                <a16:creationId xmlns:a16="http://schemas.microsoft.com/office/drawing/2014/main" id="{7CC24B4C-7BCD-034C-BECC-6C561E4B5F55}"/>
+              </a:ext>
+            </a:extLst>
+          </p:cNvPr>
+          <p:cNvPicPr>
+            <a:picLocks noChangeAspect="1"/>
+          </p:cNvPicPr>
+          <p:nvPr/>
+        </p:nvPicPr>
+        <p:blipFill>
+          <a:blip r:embed="rId7"/>
+          <a:stretch>
+            <a:fillRect/>
+          </a:stretch>
+        </p:blipFill>
+        <p:spPr>
+          <a:xfrm>
+            <a:off x="57339" y="807308"/>
+            <a:ext cx="4514661" cy="2380404"/>
+          </a:xfrm>
+          <a:prstGeom prst="rect">
+            <a:avLst/>
+          </a:prstGeom>
+        </p:spPr>
+      </p:pic>
+      <p:sp>
+        <p:nvSpPr>
+          <p:cNvPr id="2" name="Footer Placeholder 1">
+            <a:extLst>
+              <a:ext uri="{FF2B5EF4-FFF2-40B4-BE49-F238E27FC236}">
+                <a16:creationId xmlns:a16="http://schemas.microsoft.com/office/drawing/2014/main" id="{43E49B43-F7FA-2A4C-88E3-078118215ACE}"/>
+              </a:ext>
+            </a:extLst>
+          </p:cNvPr>
+          <p:cNvSpPr>
             <a:spLocks noGrp="1"/>
           </p:cNvSpPr>
           <p:nvPr>
@@ -5707,8 +8248,8 @@
         </p:nvSpPr>
         <p:spPr>
           <a:xfrm>
-            <a:off x="581192" y="5951811"/>
-            <a:ext cx="6917210" cy="365125"/>
+            <a:off x="451150" y="6356350"/>
+            <a:ext cx="4754880" cy="365125"/>
           </a:xfrm>
         </p:spPr>
         <p:txBody>
@@ -5723,7 +8264,14 @@
               </a:spcAft>
             </a:pPr>
             <a:r>
-              <a:rPr lang="en-US"/>
+              <a:rPr lang="en-US" sz="1200">
+                <a:solidFill>
+                  <a:schemeClr val="tx1">
+                    <a:lumMod val="75000"/>
+                    <a:lumOff val="25000"/>
+                  </a:schemeClr>
+                </a:solidFill>
+              </a:rPr>
               <a:t>CS295: Pre-Proposal Presentation</a:t>
             </a:r>
           </a:p>
@@ -5731,111 +8279,24 @@
       </p:sp>
       <p:sp>
         <p:nvSpPr>
-          <p:cNvPr id="37" name="Rectangle 36">
+          <p:cNvPr id="3" name="Slide Number Placeholder 2">
             <a:extLst>
               <a:ext uri="{FF2B5EF4-FFF2-40B4-BE49-F238E27FC236}">
-                <a16:creationId xmlns:a16="http://schemas.microsoft.com/office/drawing/2014/main" id="{8952EF87-C74F-4D3F-9CAD-EEA1733C9BD0}"/>
-              </a:ext>
-              <a:ext uri="{C183D7F6-B498-43B3-948B-1728B52AA6E4}">
-                <adec:decorative xmlns:adec="http://schemas.microsoft.com/office/drawing/2017/decorative" val="1"/>
+                <a16:creationId xmlns:a16="http://schemas.microsoft.com/office/drawing/2014/main" id="{2BDA952F-3F27-9948-83BD-98652EFE6374}"/>
               </a:ext>
             </a:extLst>
           </p:cNvPr>
           <p:cNvSpPr>
-            <a:spLocks noGrp="1" noRot="1" noChangeAspect="1" noMove="1" noResize="1" noEditPoints="1" noAdjustHandles="1" noChangeArrowheads="1" noChangeShapeType="1" noTextEdit="1"/>
-          </p:cNvSpPr>
-          <p:nvPr>
-            <p:extLst>
-              <p:ext uri="{386F3935-93C4-4BCD-93E2-E3B085C9AB24}">
-                <p16:designElem xmlns:p16="http://schemas.microsoft.com/office/powerpoint/2015/main" val="1"/>
-              </p:ext>
-            </p:extLst>
-          </p:nvPr>
-        </p:nvSpPr>
-        <p:spPr>
-          <a:xfrm>
-            <a:off x="8042147" y="723899"/>
-            <a:ext cx="3703320" cy="5666666"/>
-          </a:xfrm>
-          <a:prstGeom prst="rect">
-            <a:avLst/>
-          </a:prstGeom>
-          <a:solidFill>
-            <a:schemeClr val="accent1"/>
-          </a:solidFill>
-          <a:ln>
-            <a:noFill/>
-          </a:ln>
-          <a:effectLst/>
-        </p:spPr>
-        <p:style>
-          <a:lnRef idx="1">
-            <a:schemeClr val="accent1"/>
-          </a:lnRef>
-          <a:fillRef idx="3">
-            <a:schemeClr val="accent1"/>
-          </a:fillRef>
-          <a:effectRef idx="2">
-            <a:schemeClr val="accent1"/>
-          </a:effectRef>
-          <a:fontRef idx="minor">
-            <a:schemeClr val="lt1"/>
-          </a:fontRef>
-        </p:style>
-      </p:sp>
-      <p:sp>
-        <p:nvSpPr>
-          <p:cNvPr id="2" name="Title 1"/>
-          <p:cNvSpPr>
             <a:spLocks noGrp="1"/>
           </p:cNvSpPr>
           <p:nvPr>
-            <p:ph type="title"/>
-          </p:nvPr>
-        </p:nvSpPr>
-        <p:spPr>
-          <a:xfrm>
-            <a:off x="8234984" y="1037968"/>
-            <a:ext cx="3375824" cy="4709131"/>
-          </a:xfrm>
-        </p:spPr>
-        <p:txBody>
-          <a:bodyPr anchor="ctr">
-            <a:normAutofit/>
-          </a:bodyPr>
-          <a:lstStyle/>
-          <a:p>
-            <a:r>
-              <a:rPr lang="en-US" sz="3200" dirty="0">
-                <a:solidFill>
-                  <a:srgbClr val="FFFEFF"/>
-                </a:solidFill>
-              </a:rPr>
-              <a:t>introduction</a:t>
-            </a:r>
-          </a:p>
-        </p:txBody>
-      </p:sp>
-      <p:sp>
-        <p:nvSpPr>
-          <p:cNvPr id="5" name="Slide Number Placeholder 4">
-            <a:extLst>
-              <a:ext uri="{FF2B5EF4-FFF2-40B4-BE49-F238E27FC236}">
-                <a16:creationId xmlns:a16="http://schemas.microsoft.com/office/drawing/2014/main" id="{E0D6D593-02A0-934E-97C8-8ABB464832B2}"/>
-              </a:ext>
-            </a:extLst>
-          </p:cNvPr>
-          <p:cNvSpPr>
-            <a:spLocks noGrp="1"/>
-          </p:cNvSpPr>
-          <p:nvPr>
             <p:ph type="sldNum" sz="quarter" idx="12"/>
           </p:nvPr>
         </p:nvSpPr>
         <p:spPr>
           <a:xfrm>
-            <a:off x="10558300" y="5956137"/>
-            <a:ext cx="1052508" cy="365125"/>
+            <a:off x="8610600" y="6356350"/>
+            <a:ext cx="2743200" cy="365125"/>
           </a:xfrm>
         </p:spPr>
         <p:txBody>
@@ -5850,9 +8311,9 @@
               </a:spcAft>
             </a:pPr>
             <a:fld id="{D57F1E4F-1CFF-5643-939E-217C01CDF565}" type="slidenum">
-              <a:rPr lang="en-US" smtClean="0">
+              <a:rPr lang="en-US" sz="1200">
                 <a:solidFill>
-                  <a:schemeClr val="accent1">
+                  <a:schemeClr val="tx1">
                     <a:lumMod val="75000"/>
                     <a:lumOff val="25000"/>
                   </a:schemeClr>
@@ -5865,9 +8326,9 @@
               </a:pPr>
               <a:t>2</a:t>
             </a:fld>
-            <a:endParaRPr lang="en-US">
+            <a:endParaRPr lang="en-US" sz="1200">
               <a:solidFill>
-                <a:schemeClr val="accent1">
+                <a:schemeClr val="tx1">
                   <a:lumMod val="75000"/>
                   <a:lumOff val="25000"/>
                 </a:schemeClr>
@@ -5876,10 +8337,40 @@
           </a:p>
         </p:txBody>
       </p:sp>
+      <p:pic>
+        <p:nvPicPr>
+          <p:cNvPr id="17" name="Picture 16" descr="A picture containing knife&#10;&#10;Description automatically generated">
+            <a:extLst>
+              <a:ext uri="{FF2B5EF4-FFF2-40B4-BE49-F238E27FC236}">
+                <a16:creationId xmlns:a16="http://schemas.microsoft.com/office/drawing/2014/main" id="{662F03B5-4973-9140-96C9-488C7CA356C9}"/>
+              </a:ext>
+            </a:extLst>
+          </p:cNvPr>
+          <p:cNvPicPr>
+            <a:picLocks noChangeAspect="1"/>
+          </p:cNvPicPr>
+          <p:nvPr/>
+        </p:nvPicPr>
+        <p:blipFill>
+          <a:blip r:embed="rId8"/>
+          <a:stretch>
+            <a:fillRect/>
+          </a:stretch>
+        </p:blipFill>
+        <p:spPr>
+          <a:xfrm>
+            <a:off x="5171124" y="1163104"/>
+            <a:ext cx="2783240" cy="468487"/>
+          </a:xfrm>
+          <a:prstGeom prst="rect">
+            <a:avLst/>
+          </a:prstGeom>
+        </p:spPr>
+      </p:pic>
     </p:spTree>
     <p:extLst>
       <p:ext uri="{BB962C8B-B14F-4D97-AF65-F5344CB8AC3E}">
-        <p14:creationId xmlns:p14="http://schemas.microsoft.com/office/powerpoint/2010/main" val="2699345874"/>
+        <p14:creationId xmlns:p14="http://schemas.microsoft.com/office/powerpoint/2010/main" val="1665844971"/>
       </p:ext>
     </p:extLst>
   </p:cSld>
@@ -5916,7 +8407,7 @@
       </p:grpSpPr>
       <p:sp useBgFill="1">
         <p:nvSpPr>
-          <p:cNvPr id="16" name="Rectangle 15">
+          <p:cNvPr id="34" name="Rectangle 28">
             <a:extLst>
               <a:ext uri="{FF2B5EF4-FFF2-40B4-BE49-F238E27FC236}">
                 <a16:creationId xmlns:a16="http://schemas.microsoft.com/office/drawing/2014/main" id="{F858DF7D-C2D0-4B03-A7A0-2F06B789EE35}"/>
@@ -5976,7 +8467,7 @@
       </p:sp>
       <p:sp>
         <p:nvSpPr>
-          <p:cNvPr id="18" name="Rectangle 17">
+          <p:cNvPr id="36" name="Rectangle 30">
             <a:extLst>
               <a:ext uri="{FF2B5EF4-FFF2-40B4-BE49-F238E27FC236}">
                 <a16:creationId xmlns:a16="http://schemas.microsoft.com/office/drawing/2014/main" id="{1B26B711-3121-40B0-8377-A64F3DC00C7A}"/>
@@ -6030,7 +8521,7 @@
       </p:sp>
       <p:sp>
         <p:nvSpPr>
-          <p:cNvPr id="20" name="Rectangle 19">
+          <p:cNvPr id="33" name="Rectangle 32">
             <a:extLst>
               <a:ext uri="{FF2B5EF4-FFF2-40B4-BE49-F238E27FC236}">
                 <a16:creationId xmlns:a16="http://schemas.microsoft.com/office/drawing/2014/main" id="{645C4D3D-ABBA-4B4E-93E5-01E343719849}"/>
@@ -6084,7 +8575,7 @@
       </p:sp>
       <p:sp>
         <p:nvSpPr>
-          <p:cNvPr id="22" name="Rectangle 21">
+          <p:cNvPr id="35" name="Rectangle 34">
             <a:extLst>
               <a:ext uri="{FF2B5EF4-FFF2-40B4-BE49-F238E27FC236}">
                 <a16:creationId xmlns:a16="http://schemas.microsoft.com/office/drawing/2014/main" id="{98DDD5E5-0097-4C6C-B266-5732EDA96CC4}"/>
@@ -6158,28 +8649,74 @@
           </a:bodyPr>
           <a:lstStyle/>
           <a:p>
+            <a:pPr lvl="0"/>
             <a:r>
               <a:rPr lang="en-US" sz="2000" dirty="0"/>
-              <a:t>There is no scheme yet for doing data flow attestation</a:t>
-            </a:r>
-          </a:p>
-          <a:p>
+              <a:t>Remote Attestation (</a:t>
+            </a:r>
+            <a:r>
+              <a:rPr lang="en-US" sz="2000" i="1" dirty="0"/>
+              <a:t>detection</a:t>
+            </a:r>
             <a:r>
               <a:rPr lang="en-US" sz="2000" dirty="0"/>
-              <a:t>CFLAT and others are doing control flow attestation which is not sufficient because the attacker can change the data pointers to point to sensitive data and steal them</a:t>
-            </a:r>
-          </a:p>
-          <a:p>
+              <a:t>) is a means of verifying integrity of software running on a remote device.</a:t>
+            </a:r>
+            <a:endParaRPr lang="en-US" sz="1800" dirty="0"/>
+          </a:p>
+          <a:p>
+            <a:pPr lvl="0"/>
             <a:r>
               <a:rPr lang="en-US" sz="2000" dirty="0"/>
-              <a:t>Or attacker can change the return values and function arguments to give incorrect output but follow the expected control flow</a:t>
-            </a:r>
-          </a:p>
-          <a:p>
+              <a:t>Why are we doing </a:t>
+            </a:r>
+            <a:r>
+              <a:rPr lang="en-US" sz="2000" i="1" dirty="0"/>
+              <a:t>detection</a:t>
+            </a:r>
             <a:r>
               <a:rPr lang="en-US" sz="2000" dirty="0"/>
-              <a:t>These data-oriented attacks can lead to severe damage especially when the IOT software belongs to safety critical applications or health department</a:t>
-            </a:r>
+              <a:t> and why not </a:t>
+            </a:r>
+            <a:r>
+              <a:rPr lang="en-US" sz="2000" i="1" dirty="0"/>
+              <a:t>prevention</a:t>
+            </a:r>
+            <a:r>
+              <a:rPr lang="en-US" sz="2000" dirty="0"/>
+              <a:t>?</a:t>
+            </a:r>
+          </a:p>
+          <a:p>
+            <a:pPr lvl="1"/>
+            <a:r>
+              <a:rPr lang="en-US" sz="1800" dirty="0"/>
+              <a:t>There is a difference between software space and IOT space</a:t>
+            </a:r>
+          </a:p>
+          <a:p>
+            <a:pPr lvl="1"/>
+            <a:r>
+              <a:rPr lang="en-US" sz="1800" dirty="0"/>
+              <a:t>IOT has a limited “real estate” and limited budget</a:t>
+            </a:r>
+          </a:p>
+          <a:p>
+            <a:pPr lvl="0"/>
+            <a:r>
+              <a:rPr lang="en-US" sz="2000" dirty="0"/>
+              <a:t>It is important to check these IOT devices constantly</a:t>
+            </a:r>
+          </a:p>
+          <a:p>
+            <a:pPr lvl="1"/>
+            <a:r>
+              <a:rPr lang="en-US" sz="1800" dirty="0"/>
+              <a:t>Especially when it is doing some to safety critical task like pouring liquids for drug manufacturing or controlling ventilator pressure in ICUs</a:t>
+            </a:r>
+          </a:p>
+          <a:p>
+            <a:endParaRPr lang="en-US" sz="2000" dirty="0"/>
           </a:p>
         </p:txBody>
       </p:sp>
@@ -6188,7 +8725,7 @@
           <p:cNvPr id="4" name="Footer Placeholder 3">
             <a:extLst>
               <a:ext uri="{FF2B5EF4-FFF2-40B4-BE49-F238E27FC236}">
-                <a16:creationId xmlns:a16="http://schemas.microsoft.com/office/drawing/2014/main" id="{1E63A3D9-30A3-BE41-ABA6-B2920DB5D412}"/>
+                <a16:creationId xmlns:a16="http://schemas.microsoft.com/office/drawing/2014/main" id="{748BBC48-BA17-7441-AC78-800BA634C74B}"/>
               </a:ext>
             </a:extLst>
           </p:cNvPr>
@@ -6217,7 +8754,7 @@
               </a:spcAft>
             </a:pPr>
             <a:r>
-              <a:rPr lang="en-US"/>
+              <a:rPr lang="en-US" dirty="0"/>
               <a:t>CS295: Pre-Proposal Presentation</a:t>
             </a:r>
           </a:p>
@@ -6225,7 +8762,7 @@
       </p:sp>
       <p:sp>
         <p:nvSpPr>
-          <p:cNvPr id="24" name="Rectangle 23">
+          <p:cNvPr id="37" name="Rectangle 36">
             <a:extLst>
               <a:ext uri="{FF2B5EF4-FFF2-40B4-BE49-F238E27FC236}">
                 <a16:creationId xmlns:a16="http://schemas.microsoft.com/office/drawing/2014/main" id="{8952EF87-C74F-4D3F-9CAD-EEA1733C9BD0}"/>
@@ -6289,8 +8826,8 @@
         </p:nvSpPr>
         <p:spPr>
           <a:xfrm>
-            <a:off x="8369643" y="1037967"/>
-            <a:ext cx="3054091" cy="4709131"/>
+            <a:off x="8234984" y="1037968"/>
+            <a:ext cx="3375824" cy="4709131"/>
           </a:xfrm>
         </p:spPr>
         <p:txBody>
@@ -6300,12 +8837,12 @@
           <a:lstStyle/>
           <a:p>
             <a:r>
-              <a:rPr lang="en-US" sz="3200">
+              <a:rPr lang="en-US" sz="3200" dirty="0">
                 <a:solidFill>
                   <a:srgbClr val="FFFEFF"/>
                 </a:solidFill>
               </a:rPr>
-              <a:t>Motivation</a:t>
+              <a:t>introduction</a:t>
             </a:r>
           </a:p>
         </p:txBody>
@@ -6315,7 +8852,7 @@
           <p:cNvPr id="5" name="Slide Number Placeholder 4">
             <a:extLst>
               <a:ext uri="{FF2B5EF4-FFF2-40B4-BE49-F238E27FC236}">
-                <a16:creationId xmlns:a16="http://schemas.microsoft.com/office/drawing/2014/main" id="{07539F28-21AF-9941-95A5-DFC254212C7C}"/>
+                <a16:creationId xmlns:a16="http://schemas.microsoft.com/office/drawing/2014/main" id="{E0D6D593-02A0-934E-97C8-8ABB464832B2}"/>
               </a:ext>
             </a:extLst>
           </p:cNvPr>
@@ -6344,7 +8881,7 @@
               </a:spcAft>
             </a:pPr>
             <a:fld id="{D57F1E4F-1CFF-5643-939E-217C01CDF565}" type="slidenum">
-              <a:rPr lang="en-US">
+              <a:rPr lang="en-US" smtClean="0">
                 <a:solidFill>
                   <a:schemeClr val="accent1">
                     <a:lumMod val="75000"/>
@@ -6373,7 +8910,7 @@
     </p:spTree>
     <p:extLst>
       <p:ext uri="{BB962C8B-B14F-4D97-AF65-F5344CB8AC3E}">
-        <p14:creationId xmlns:p14="http://schemas.microsoft.com/office/powerpoint/2010/main" val="3775837986"/>
+        <p14:creationId xmlns:p14="http://schemas.microsoft.com/office/powerpoint/2010/main" val="2699345874"/>
       </p:ext>
     </p:extLst>
   </p:cSld>
@@ -6410,7 +8947,7 @@
       </p:grpSpPr>
       <p:sp useBgFill="1">
         <p:nvSpPr>
-          <p:cNvPr id="16" name="Rectangle 15">
+          <p:cNvPr id="34" name="Rectangle 28">
             <a:extLst>
               <a:ext uri="{FF2B5EF4-FFF2-40B4-BE49-F238E27FC236}">
                 <a16:creationId xmlns:a16="http://schemas.microsoft.com/office/drawing/2014/main" id="{F858DF7D-C2D0-4B03-A7A0-2F06B789EE35}"/>
@@ -6470,7 +9007,7 @@
       </p:sp>
       <p:sp>
         <p:nvSpPr>
-          <p:cNvPr id="18" name="Rectangle 17">
+          <p:cNvPr id="36" name="Rectangle 30">
             <a:extLst>
               <a:ext uri="{FF2B5EF4-FFF2-40B4-BE49-F238E27FC236}">
                 <a16:creationId xmlns:a16="http://schemas.microsoft.com/office/drawing/2014/main" id="{1B26B711-3121-40B0-8377-A64F3DC00C7A}"/>
@@ -6524,7 +9061,7 @@
       </p:sp>
       <p:sp>
         <p:nvSpPr>
-          <p:cNvPr id="20" name="Rectangle 19">
+          <p:cNvPr id="33" name="Rectangle 32">
             <a:extLst>
               <a:ext uri="{FF2B5EF4-FFF2-40B4-BE49-F238E27FC236}">
                 <a16:creationId xmlns:a16="http://schemas.microsoft.com/office/drawing/2014/main" id="{645C4D3D-ABBA-4B4E-93E5-01E343719849}"/>
@@ -6578,7 +9115,7 @@
       </p:sp>
       <p:sp>
         <p:nvSpPr>
-          <p:cNvPr id="22" name="Rectangle 21">
+          <p:cNvPr id="35" name="Rectangle 34">
             <a:extLst>
               <a:ext uri="{FF2B5EF4-FFF2-40B4-BE49-F238E27FC236}">
                 <a16:creationId xmlns:a16="http://schemas.microsoft.com/office/drawing/2014/main" id="{98DDD5E5-0097-4C6C-B266-5732EDA96CC4}"/>
@@ -6654,13 +9191,62 @@
           <a:p>
             <a:r>
               <a:rPr lang="en-US" sz="2000" dirty="0"/>
-              <a:t>CFLAT for remote attestation architecture and control flow attestation idea</a:t>
+              <a:t>Remote Attestation in detail</a:t>
             </a:r>
           </a:p>
           <a:p>
             <a:r>
               <a:rPr lang="en-US" sz="2000" dirty="0"/>
-              <a:t>Securing software by enforcing data flow integrity for similar ideas to solve the problem</a:t>
+              <a:t>Trust Anchor</a:t>
+            </a:r>
+          </a:p>
+          <a:p>
+            <a:pPr lvl="1"/>
+            <a:r>
+              <a:rPr lang="en-US" sz="1800" dirty="0"/>
+              <a:t>Trusted hardware component like Intel SGX, Intel </a:t>
+            </a:r>
+            <a:r>
+              <a:rPr lang="en-US" sz="1800" dirty="0" err="1"/>
+              <a:t>TrustLite</a:t>
+            </a:r>
+            <a:r>
+              <a:rPr lang="en-US" sz="1800" dirty="0"/>
+              <a:t>, ARM </a:t>
+            </a:r>
+            <a:r>
+              <a:rPr lang="en-US" sz="1800" dirty="0" err="1"/>
+              <a:t>TruztZone</a:t>
+            </a:r>
+            <a:r>
+              <a:rPr lang="en-US" sz="1800" dirty="0"/>
+              <a:t>-M, SMART and VRASED </a:t>
+            </a:r>
+          </a:p>
+          <a:p>
+            <a:pPr lvl="1"/>
+            <a:r>
+              <a:rPr lang="en-US" sz="1800" dirty="0"/>
+              <a:t>Latter ones are hybrid architectures</a:t>
+            </a:r>
+          </a:p>
+          <a:p>
+            <a:r>
+              <a:rPr lang="en-US" sz="2000" dirty="0"/>
+              <a:t>Static and dynamic root of trust</a:t>
+            </a:r>
+          </a:p>
+          <a:p>
+            <a:pPr lvl="1"/>
+            <a:r>
+              <a:rPr lang="en-US" sz="1800" dirty="0"/>
+              <a:t>Able to check the device not only when it boots, but also anytime after that</a:t>
+            </a:r>
+          </a:p>
+          <a:p>
+            <a:r>
+              <a:rPr lang="en-US" sz="2000" dirty="0"/>
+              <a:t>Runtime root of trust? CFLAT! (we will see in the next slide)</a:t>
             </a:r>
           </a:p>
         </p:txBody>
@@ -6670,7 +9256,7 @@
           <p:cNvPr id="4" name="Footer Placeholder 3">
             <a:extLst>
               <a:ext uri="{FF2B5EF4-FFF2-40B4-BE49-F238E27FC236}">
-                <a16:creationId xmlns:a16="http://schemas.microsoft.com/office/drawing/2014/main" id="{7A10E3E7-1104-4D4B-A9C3-5E53D2BB1EA5}"/>
+                <a16:creationId xmlns:a16="http://schemas.microsoft.com/office/drawing/2014/main" id="{748BBC48-BA17-7441-AC78-800BA634C74B}"/>
               </a:ext>
             </a:extLst>
           </p:cNvPr>
@@ -6707,7 +9293,7 @@
       </p:sp>
       <p:sp>
         <p:nvSpPr>
-          <p:cNvPr id="24" name="Rectangle 23">
+          <p:cNvPr id="37" name="Rectangle 36">
             <a:extLst>
               <a:ext uri="{FF2B5EF4-FFF2-40B4-BE49-F238E27FC236}">
                 <a16:creationId xmlns:a16="http://schemas.microsoft.com/office/drawing/2014/main" id="{8952EF87-C74F-4D3F-9CAD-EEA1733C9BD0}"/>
@@ -6771,8 +9357,8 @@
         </p:nvSpPr>
         <p:spPr>
           <a:xfrm>
-            <a:off x="8369643" y="1037967"/>
-            <a:ext cx="3054091" cy="4709131"/>
+            <a:off x="8234984" y="1037968"/>
+            <a:ext cx="3375824" cy="4709131"/>
           </a:xfrm>
         </p:spPr>
         <p:txBody>
@@ -6782,12 +9368,12 @@
           <a:lstStyle/>
           <a:p>
             <a:r>
-              <a:rPr lang="en-US" sz="3200">
+              <a:rPr lang="en-US" sz="3200" dirty="0">
                 <a:solidFill>
                   <a:srgbClr val="FFFEFF"/>
                 </a:solidFill>
               </a:rPr>
-              <a:t>Related work</a:t>
+              <a:t>introduction</a:t>
             </a:r>
           </a:p>
         </p:txBody>
@@ -6797,7 +9383,7 @@
           <p:cNvPr id="5" name="Slide Number Placeholder 4">
             <a:extLst>
               <a:ext uri="{FF2B5EF4-FFF2-40B4-BE49-F238E27FC236}">
-                <a16:creationId xmlns:a16="http://schemas.microsoft.com/office/drawing/2014/main" id="{844E6170-1B3A-834E-8DA4-FF4AC661FEF2}"/>
+                <a16:creationId xmlns:a16="http://schemas.microsoft.com/office/drawing/2014/main" id="{E0D6D593-02A0-934E-97C8-8ABB464832B2}"/>
               </a:ext>
             </a:extLst>
           </p:cNvPr>
@@ -6826,7 +9412,7 @@
               </a:spcAft>
             </a:pPr>
             <a:fld id="{D57F1E4F-1CFF-5643-939E-217C01CDF565}" type="slidenum">
-              <a:rPr lang="en-US">
+              <a:rPr lang="en-US" smtClean="0">
                 <a:solidFill>
                   <a:schemeClr val="accent1">
                     <a:lumMod val="75000"/>
@@ -6855,7 +9441,7 @@
     </p:spTree>
     <p:extLst>
       <p:ext uri="{BB962C8B-B14F-4D97-AF65-F5344CB8AC3E}">
-        <p14:creationId xmlns:p14="http://schemas.microsoft.com/office/powerpoint/2010/main" val="4127166030"/>
+        <p14:creationId xmlns:p14="http://schemas.microsoft.com/office/powerpoint/2010/main" val="460918405"/>
       </p:ext>
     </p:extLst>
   </p:cSld>
@@ -6892,7 +9478,7 @@
       </p:grpSpPr>
       <p:sp useBgFill="1">
         <p:nvSpPr>
-          <p:cNvPr id="16" name="Rectangle 15">
+          <p:cNvPr id="34" name="Rectangle 28">
             <a:extLst>
               <a:ext uri="{FF2B5EF4-FFF2-40B4-BE49-F238E27FC236}">
                 <a16:creationId xmlns:a16="http://schemas.microsoft.com/office/drawing/2014/main" id="{F858DF7D-C2D0-4B03-A7A0-2F06B789EE35}"/>
@@ -6952,7 +9538,7 @@
       </p:sp>
       <p:sp>
         <p:nvSpPr>
-          <p:cNvPr id="18" name="Rectangle 17">
+          <p:cNvPr id="36" name="Rectangle 30">
             <a:extLst>
               <a:ext uri="{FF2B5EF4-FFF2-40B4-BE49-F238E27FC236}">
                 <a16:creationId xmlns:a16="http://schemas.microsoft.com/office/drawing/2014/main" id="{1B26B711-3121-40B0-8377-A64F3DC00C7A}"/>
@@ -7006,7 +9592,7 @@
       </p:sp>
       <p:sp>
         <p:nvSpPr>
-          <p:cNvPr id="20" name="Rectangle 19">
+          <p:cNvPr id="33" name="Rectangle 32">
             <a:extLst>
               <a:ext uri="{FF2B5EF4-FFF2-40B4-BE49-F238E27FC236}">
                 <a16:creationId xmlns:a16="http://schemas.microsoft.com/office/drawing/2014/main" id="{645C4D3D-ABBA-4B4E-93E5-01E343719849}"/>
@@ -7060,7 +9646,7 @@
       </p:sp>
       <p:sp>
         <p:nvSpPr>
-          <p:cNvPr id="22" name="Rectangle 21">
+          <p:cNvPr id="35" name="Rectangle 34">
             <a:extLst>
               <a:ext uri="{FF2B5EF4-FFF2-40B4-BE49-F238E27FC236}">
                 <a16:creationId xmlns:a16="http://schemas.microsoft.com/office/drawing/2014/main" id="{98DDD5E5-0097-4C6C-B266-5732EDA96CC4}"/>
@@ -7112,64 +9698,41 @@
           </a:fontRef>
         </p:style>
       </p:sp>
-      <p:sp>
-        <p:nvSpPr>
-          <p:cNvPr id="3" name="Content Placeholder 2"/>
-          <p:cNvSpPr>
-            <a:spLocks noGrp="1"/>
-          </p:cNvSpPr>
+      <p:pic>
+        <p:nvPicPr>
+          <p:cNvPr id="7" name="Content Placeholder 6" descr="A close up of a map&#10;&#10;Description automatically generated">
+            <a:extLst>
+              <a:ext uri="{FF2B5EF4-FFF2-40B4-BE49-F238E27FC236}">
+                <a16:creationId xmlns:a16="http://schemas.microsoft.com/office/drawing/2014/main" id="{3EC3F05B-58FE-B044-AB0A-2980A2DFB854}"/>
+              </a:ext>
+            </a:extLst>
+          </p:cNvPr>
+          <p:cNvPicPr>
+            <a:picLocks noGrp="1" noChangeAspect="1"/>
+          </p:cNvPicPr>
           <p:nvPr>
             <p:ph idx="1"/>
           </p:nvPr>
-        </p:nvSpPr>
-        <p:spPr>
-          <a:xfrm>
-            <a:off x="581192" y="1037968"/>
-            <a:ext cx="7014423" cy="4820832"/>
-          </a:xfrm>
-        </p:spPr>
-        <p:txBody>
-          <a:bodyPr>
-            <a:normAutofit/>
-          </a:bodyPr>
-          <a:lstStyle/>
-          <a:p>
-            <a:r>
-              <a:rPr lang="en-US" sz="2000" dirty="0"/>
-              <a:t>Remote attestation architecture for attestation</a:t>
-            </a:r>
-          </a:p>
-          <a:p>
-            <a:r>
-              <a:rPr lang="en-US" sz="2000" dirty="0"/>
-              <a:t>Secure DFA monitor residing in ARM-</a:t>
-            </a:r>
-            <a:r>
-              <a:rPr lang="en-US" sz="2000" dirty="0" err="1"/>
-              <a:t>TrustZone</a:t>
-            </a:r>
-            <a:endParaRPr lang="en-US" sz="2000" dirty="0"/>
-          </a:p>
-          <a:p>
-            <a:r>
-              <a:rPr lang="en-US" sz="2000" dirty="0"/>
-              <a:t>Hash chain for data pointers, function argument pointers and return value pointers</a:t>
-            </a:r>
-          </a:p>
-          <a:p>
-            <a:r>
-              <a:rPr lang="en-US" sz="2000" dirty="0"/>
-              <a:t>Def-use chain integrity</a:t>
-            </a:r>
-          </a:p>
-        </p:txBody>
-      </p:sp>
+        </p:nvPicPr>
+        <p:blipFill>
+          <a:blip r:embed="rId3"/>
+          <a:stretch>
+            <a:fillRect/>
+          </a:stretch>
+        </p:blipFill>
+        <p:spPr>
+          <a:xfrm>
+            <a:off x="1352627" y="723899"/>
+            <a:ext cx="5778406" cy="5150720"/>
+          </a:xfrm>
+        </p:spPr>
+      </p:pic>
       <p:sp>
         <p:nvSpPr>
           <p:cNvPr id="4" name="Footer Placeholder 3">
             <a:extLst>
               <a:ext uri="{FF2B5EF4-FFF2-40B4-BE49-F238E27FC236}">
-                <a16:creationId xmlns:a16="http://schemas.microsoft.com/office/drawing/2014/main" id="{79B028C2-7AB0-CD4E-AFEC-CABBC7A07236}"/>
+                <a16:creationId xmlns:a16="http://schemas.microsoft.com/office/drawing/2014/main" id="{748BBC48-BA17-7441-AC78-800BA634C74B}"/>
               </a:ext>
             </a:extLst>
           </p:cNvPr>
@@ -7206,7 +9769,7 @@
       </p:sp>
       <p:sp>
         <p:nvSpPr>
-          <p:cNvPr id="24" name="Rectangle 23">
+          <p:cNvPr id="37" name="Rectangle 36">
             <a:extLst>
               <a:ext uri="{FF2B5EF4-FFF2-40B4-BE49-F238E27FC236}">
                 <a16:creationId xmlns:a16="http://schemas.microsoft.com/office/drawing/2014/main" id="{8952EF87-C74F-4D3F-9CAD-EEA1733C9BD0}"/>
@@ -7270,8 +9833,8 @@
         </p:nvSpPr>
         <p:spPr>
           <a:xfrm>
-            <a:off x="8369643" y="1037967"/>
-            <a:ext cx="3054091" cy="4709131"/>
+            <a:off x="8234984" y="1037968"/>
+            <a:ext cx="3375824" cy="4709131"/>
           </a:xfrm>
         </p:spPr>
         <p:txBody>
@@ -7281,13 +9844,18 @@
           <a:lstStyle/>
           <a:p>
             <a:r>
-              <a:rPr lang="en-US" sz="3200">
+              <a:rPr lang="en-US" sz="3200" dirty="0" err="1">
                 <a:solidFill>
                   <a:srgbClr val="FFFEFF"/>
                 </a:solidFill>
               </a:rPr>
-              <a:t>Our approach</a:t>
-            </a:r>
+              <a:t>BACKground</a:t>
+            </a:r>
+            <a:endParaRPr lang="en-US" sz="3200" dirty="0">
+              <a:solidFill>
+                <a:srgbClr val="FFFEFF"/>
+              </a:solidFill>
+            </a:endParaRPr>
           </a:p>
         </p:txBody>
       </p:sp>
@@ -7296,7 +9864,7 @@
           <p:cNvPr id="5" name="Slide Number Placeholder 4">
             <a:extLst>
               <a:ext uri="{FF2B5EF4-FFF2-40B4-BE49-F238E27FC236}">
-                <a16:creationId xmlns:a16="http://schemas.microsoft.com/office/drawing/2014/main" id="{DD121888-DF1A-C84A-8442-F42EE4CFC723}"/>
+                <a16:creationId xmlns:a16="http://schemas.microsoft.com/office/drawing/2014/main" id="{E0D6D593-02A0-934E-97C8-8ABB464832B2}"/>
               </a:ext>
             </a:extLst>
           </p:cNvPr>
@@ -7325,7 +9893,7 @@
               </a:spcAft>
             </a:pPr>
             <a:fld id="{D57F1E4F-1CFF-5643-939E-217C01CDF565}" type="slidenum">
-              <a:rPr lang="en-US">
+              <a:rPr lang="en-US" smtClean="0">
                 <a:solidFill>
                   <a:schemeClr val="accent1">
                     <a:lumMod val="75000"/>
@@ -7354,7 +9922,7 @@
     </p:spTree>
     <p:extLst>
       <p:ext uri="{BB962C8B-B14F-4D97-AF65-F5344CB8AC3E}">
-        <p14:creationId xmlns:p14="http://schemas.microsoft.com/office/powerpoint/2010/main" val="3643751538"/>
+        <p14:creationId xmlns:p14="http://schemas.microsoft.com/office/powerpoint/2010/main" val="3061509062"/>
       </p:ext>
     </p:extLst>
   </p:cSld>
@@ -7391,7 +9959,7 @@
       </p:grpSpPr>
       <p:sp useBgFill="1">
         <p:nvSpPr>
-          <p:cNvPr id="23" name="Rectangle 22">
+          <p:cNvPr id="16" name="Rectangle 15">
             <a:extLst>
               <a:ext uri="{FF2B5EF4-FFF2-40B4-BE49-F238E27FC236}">
                 <a16:creationId xmlns:a16="http://schemas.microsoft.com/office/drawing/2014/main" id="{F858DF7D-C2D0-4B03-A7A0-2F06B789EE35}"/>
@@ -7451,7 +10019,7 @@
       </p:sp>
       <p:sp>
         <p:nvSpPr>
-          <p:cNvPr id="25" name="Rectangle 24">
+          <p:cNvPr id="18" name="Rectangle 17">
             <a:extLst>
               <a:ext uri="{FF2B5EF4-FFF2-40B4-BE49-F238E27FC236}">
                 <a16:creationId xmlns:a16="http://schemas.microsoft.com/office/drawing/2014/main" id="{1B26B711-3121-40B0-8377-A64F3DC00C7A}"/>
@@ -7505,7 +10073,7 @@
       </p:sp>
       <p:sp>
         <p:nvSpPr>
-          <p:cNvPr id="27" name="Rectangle 26">
+          <p:cNvPr id="20" name="Rectangle 19">
             <a:extLst>
               <a:ext uri="{FF2B5EF4-FFF2-40B4-BE49-F238E27FC236}">
                 <a16:creationId xmlns:a16="http://schemas.microsoft.com/office/drawing/2014/main" id="{645C4D3D-ABBA-4B4E-93E5-01E343719849}"/>
@@ -7559,7 +10127,7 @@
       </p:sp>
       <p:sp>
         <p:nvSpPr>
-          <p:cNvPr id="29" name="Rectangle 28">
+          <p:cNvPr id="22" name="Rectangle 21">
             <a:extLst>
               <a:ext uri="{FF2B5EF4-FFF2-40B4-BE49-F238E27FC236}">
                 <a16:creationId xmlns:a16="http://schemas.microsoft.com/office/drawing/2014/main" id="{98DDD5E5-0097-4C6C-B266-5732EDA96CC4}"/>
@@ -7633,67 +10201,24 @@
           </a:bodyPr>
           <a:lstStyle/>
           <a:p>
+            <a:pPr lvl="0"/>
             <a:r>
               <a:rPr lang="en-US" sz="2000" dirty="0"/>
-              <a:t>REFERENCES</a:t>
-            </a:r>
-          </a:p>
-          <a:p>
-            <a:pPr lvl="1"/>
-            <a:r>
-              <a:rPr lang="en-US" sz="2000" dirty="0" err="1"/>
-              <a:t>Tigist</a:t>
-            </a:r>
+              <a:t>CFLAT a remote attestation architecture for checking the integrity of the control flow path taken by the remote device</a:t>
+            </a:r>
+          </a:p>
+          <a:p>
+            <a:pPr lvl="0"/>
             <a:r>
               <a:rPr lang="en-US" sz="2000" dirty="0"/>
-              <a:t> </a:t>
-            </a:r>
-            <a:r>
-              <a:rPr lang="en-US" sz="2000" dirty="0" err="1"/>
-              <a:t>Abera</a:t>
-            </a:r>
+              <a:t>It does a hash chain on the IDs of the program blocks it is executing</a:t>
+            </a:r>
+          </a:p>
+          <a:p>
+            <a:pPr lvl="0"/>
             <a:r>
               <a:rPr lang="en-US" sz="2000" dirty="0"/>
-              <a:t>, N. </a:t>
-            </a:r>
-            <a:r>
-              <a:rPr lang="en-US" sz="2000" dirty="0" err="1"/>
-              <a:t>Asokan</a:t>
-            </a:r>
-            <a:r>
-              <a:rPr lang="en-US" sz="2000" dirty="0"/>
-              <a:t>, Lucas </a:t>
-            </a:r>
-            <a:r>
-              <a:rPr lang="en-US" sz="2000" dirty="0" err="1"/>
-              <a:t>Davi</a:t>
-            </a:r>
-            <a:r>
-              <a:rPr lang="en-US" sz="2000" dirty="0"/>
-              <a:t>, Jan-Erik Ekberg, Thomas Nyman, Andrew </a:t>
-            </a:r>
-            <a:r>
-              <a:rPr lang="en-US" sz="2000" dirty="0" err="1"/>
-              <a:t>Paverd</a:t>
-            </a:r>
-            <a:r>
-              <a:rPr lang="en-US" sz="2000" dirty="0"/>
-              <a:t>, Ahmad-Reza Sadeghi, Gene </a:t>
-            </a:r>
-            <a:r>
-              <a:rPr lang="en-US" sz="2000" dirty="0" err="1"/>
-              <a:t>Tsudik</a:t>
-            </a:r>
-            <a:r>
-              <a:rPr lang="en-US" sz="2000" dirty="0"/>
-              <a:t>.     C-FLAT: Control-Flow Attestation for Embedded Systems Software.</a:t>
-            </a:r>
-          </a:p>
-          <a:p>
-            <a:pPr lvl="1"/>
-            <a:r>
-              <a:rPr lang="en-US" sz="2000" dirty="0"/>
-              <a:t>Miguel Castro, Manuel Costa, Tim Harris. Securing software by enforcing data-flow integrity.</a:t>
+              <a:t>If an invalid control path is taken or valid-but-incorrect path is taken, then the hash returned will not be the same</a:t>
             </a:r>
           </a:p>
         </p:txBody>
@@ -7703,7 +10228,7 @@
           <p:cNvPr id="4" name="Footer Placeholder 3">
             <a:extLst>
               <a:ext uri="{FF2B5EF4-FFF2-40B4-BE49-F238E27FC236}">
-                <a16:creationId xmlns:a16="http://schemas.microsoft.com/office/drawing/2014/main" id="{6E042391-FC9B-8B4F-900C-23E410B5D3AC}"/>
+                <a16:creationId xmlns:a16="http://schemas.microsoft.com/office/drawing/2014/main" id="{7A10E3E7-1104-4D4B-A9C3-5E53D2BB1EA5}"/>
               </a:ext>
             </a:extLst>
           </p:cNvPr>
@@ -7740,7 +10265,7 @@
       </p:sp>
       <p:sp>
         <p:nvSpPr>
-          <p:cNvPr id="31" name="Rectangle 30">
+          <p:cNvPr id="24" name="Rectangle 23">
             <a:extLst>
               <a:ext uri="{FF2B5EF4-FFF2-40B4-BE49-F238E27FC236}">
                 <a16:creationId xmlns:a16="http://schemas.microsoft.com/office/drawing/2014/main" id="{8952EF87-C74F-4D3F-9CAD-EEA1733C9BD0}"/>
@@ -7820,7 +10345,7 @@
                   <a:srgbClr val="FFFEFF"/>
                 </a:solidFill>
               </a:rPr>
-              <a:t>thank you!</a:t>
+              <a:t>Related work</a:t>
             </a:r>
           </a:p>
         </p:txBody>
@@ -7830,7 +10355,7 @@
           <p:cNvPr id="5" name="Slide Number Placeholder 4">
             <a:extLst>
               <a:ext uri="{FF2B5EF4-FFF2-40B4-BE49-F238E27FC236}">
-                <a16:creationId xmlns:a16="http://schemas.microsoft.com/office/drawing/2014/main" id="{C1B36E01-C3AC-1F41-8E6F-E82A7BBF1F50}"/>
+                <a16:creationId xmlns:a16="http://schemas.microsoft.com/office/drawing/2014/main" id="{844E6170-1B3A-834E-8DA4-FF4AC661FEF2}"/>
               </a:ext>
             </a:extLst>
           </p:cNvPr>
@@ -7888,7 +10413,1660 @@
     </p:spTree>
     <p:extLst>
       <p:ext uri="{BB962C8B-B14F-4D97-AF65-F5344CB8AC3E}">
-        <p14:creationId xmlns:p14="http://schemas.microsoft.com/office/powerpoint/2010/main" val="1858798993"/>
+        <p14:creationId xmlns:p14="http://schemas.microsoft.com/office/powerpoint/2010/main" val="4127166030"/>
+      </p:ext>
+    </p:extLst>
+  </p:cSld>
+  <p:clrMapOvr>
+    <a:masterClrMapping/>
+  </p:clrMapOvr>
+</p:sld>
+</file>
+
+<file path=ppt/slides/slide7.xml><?xml version="1.0" encoding="utf-8"?>
+<p:sld xmlns:a="http://schemas.openxmlformats.org/drawingml/2006/main" xmlns:r="http://schemas.openxmlformats.org/officeDocument/2006/relationships" xmlns:p="http://schemas.openxmlformats.org/presentationml/2006/main">
+  <p:cSld>
+    <p:bg>
+      <p:bgPr>
+        <a:solidFill>
+          <a:schemeClr val="bg1"/>
+        </a:solidFill>
+        <a:effectLst/>
+      </p:bgPr>
+    </p:bg>
+    <p:spTree>
+      <p:nvGrpSpPr>
+        <p:cNvPr id="1" name=""/>
+        <p:cNvGrpSpPr/>
+        <p:nvPr/>
+      </p:nvGrpSpPr>
+      <p:grpSpPr>
+        <a:xfrm>
+          <a:off x="0" y="0"/>
+          <a:ext cx="0" cy="0"/>
+          <a:chOff x="0" y="0"/>
+          <a:chExt cx="0" cy="0"/>
+        </a:xfrm>
+      </p:grpSpPr>
+      <p:sp useBgFill="1">
+        <p:nvSpPr>
+          <p:cNvPr id="16" name="Rectangle 15">
+            <a:extLst>
+              <a:ext uri="{FF2B5EF4-FFF2-40B4-BE49-F238E27FC236}">
+                <a16:creationId xmlns:a16="http://schemas.microsoft.com/office/drawing/2014/main" id="{F858DF7D-C2D0-4B03-A7A0-2F06B789EE35}"/>
+              </a:ext>
+              <a:ext uri="{C183D7F6-B498-43B3-948B-1728B52AA6E4}">
+                <adec:decorative xmlns:adec="http://schemas.microsoft.com/office/drawing/2017/decorative" val="1"/>
+              </a:ext>
+            </a:extLst>
+          </p:cNvPr>
+          <p:cNvSpPr>
+            <a:spLocks noGrp="1" noRot="1" noChangeAspect="1" noMove="1" noResize="1" noEditPoints="1" noAdjustHandles="1" noChangeArrowheads="1" noChangeShapeType="1" noTextEdit="1"/>
+          </p:cNvSpPr>
+          <p:nvPr>
+            <p:extLst>
+              <p:ext uri="{386F3935-93C4-4BCD-93E2-E3B085C9AB24}">
+                <p16:designElem xmlns:p16="http://schemas.microsoft.com/office/powerpoint/2015/main" val="1"/>
+              </p:ext>
+            </p:extLst>
+          </p:nvPr>
+        </p:nvSpPr>
+        <p:spPr>
+          <a:xfrm>
+            <a:off x="0" y="0"/>
+            <a:ext cx="12191999" cy="6858001"/>
+          </a:xfrm>
+          <a:prstGeom prst="rect">
+            <a:avLst/>
+          </a:prstGeom>
+          <a:ln>
+            <a:noFill/>
+          </a:ln>
+        </p:spPr>
+        <p:style>
+          <a:lnRef idx="2">
+            <a:schemeClr val="accent1">
+              <a:shade val="50000"/>
+            </a:schemeClr>
+          </a:lnRef>
+          <a:fillRef idx="1">
+            <a:schemeClr val="accent1"/>
+          </a:fillRef>
+          <a:effectRef idx="0">
+            <a:schemeClr val="accent1"/>
+          </a:effectRef>
+          <a:fontRef idx="minor">
+            <a:schemeClr val="lt1"/>
+          </a:fontRef>
+        </p:style>
+        <p:txBody>
+          <a:bodyPr rtlCol="0" anchor="ctr"/>
+          <a:lstStyle/>
+          <a:p>
+            <a:pPr algn="ctr"/>
+            <a:endParaRPr lang="en-US"/>
+          </a:p>
+        </p:txBody>
+      </p:sp>
+      <p:sp>
+        <p:nvSpPr>
+          <p:cNvPr id="18" name="Rectangle 17">
+            <a:extLst>
+              <a:ext uri="{FF2B5EF4-FFF2-40B4-BE49-F238E27FC236}">
+                <a16:creationId xmlns:a16="http://schemas.microsoft.com/office/drawing/2014/main" id="{1B26B711-3121-40B0-8377-A64F3DC00C7A}"/>
+              </a:ext>
+              <a:ext uri="{C183D7F6-B498-43B3-948B-1728B52AA6E4}">
+                <adec:decorative xmlns:adec="http://schemas.microsoft.com/office/drawing/2017/decorative" val="1"/>
+              </a:ext>
+            </a:extLst>
+          </p:cNvPr>
+          <p:cNvSpPr>
+            <a:spLocks noGrp="1" noRot="1" noChangeAspect="1" noMove="1" noResize="1" noEditPoints="1" noAdjustHandles="1" noChangeArrowheads="1" noChangeShapeType="1" noTextEdit="1"/>
+          </p:cNvSpPr>
+          <p:nvPr>
+            <p:extLst>
+              <p:ext uri="{386F3935-93C4-4BCD-93E2-E3B085C9AB24}">
+                <p16:designElem xmlns:p16="http://schemas.microsoft.com/office/powerpoint/2015/main" val="1"/>
+              </p:ext>
+            </p:extLst>
+          </p:nvPr>
+        </p:nvSpPr>
+        <p:spPr>
+          <a:xfrm>
+            <a:off x="446534" y="457200"/>
+            <a:ext cx="3703320" cy="94997"/>
+          </a:xfrm>
+          <a:prstGeom prst="rect">
+            <a:avLst/>
+          </a:prstGeom>
+          <a:solidFill>
+            <a:schemeClr val="accent1"/>
+          </a:solidFill>
+          <a:ln>
+            <a:noFill/>
+          </a:ln>
+          <a:effectLst/>
+        </p:spPr>
+        <p:style>
+          <a:lnRef idx="1">
+            <a:schemeClr val="accent1"/>
+          </a:lnRef>
+          <a:fillRef idx="3">
+            <a:schemeClr val="accent1"/>
+          </a:fillRef>
+          <a:effectRef idx="2">
+            <a:schemeClr val="accent1"/>
+          </a:effectRef>
+          <a:fontRef idx="minor">
+            <a:schemeClr val="lt1"/>
+          </a:fontRef>
+        </p:style>
+      </p:sp>
+      <p:sp>
+        <p:nvSpPr>
+          <p:cNvPr id="20" name="Rectangle 19">
+            <a:extLst>
+              <a:ext uri="{FF2B5EF4-FFF2-40B4-BE49-F238E27FC236}">
+                <a16:creationId xmlns:a16="http://schemas.microsoft.com/office/drawing/2014/main" id="{645C4D3D-ABBA-4B4E-93E5-01E343719849}"/>
+              </a:ext>
+              <a:ext uri="{C183D7F6-B498-43B3-948B-1728B52AA6E4}">
+                <adec:decorative xmlns:adec="http://schemas.microsoft.com/office/drawing/2017/decorative" val="1"/>
+              </a:ext>
+            </a:extLst>
+          </p:cNvPr>
+          <p:cNvSpPr>
+            <a:spLocks noGrp="1" noRot="1" noChangeAspect="1" noMove="1" noResize="1" noEditPoints="1" noAdjustHandles="1" noChangeArrowheads="1" noChangeShapeType="1" noTextEdit="1"/>
+          </p:cNvSpPr>
+          <p:nvPr>
+            <p:extLst>
+              <p:ext uri="{386F3935-93C4-4BCD-93E2-E3B085C9AB24}">
+                <p16:designElem xmlns:p16="http://schemas.microsoft.com/office/powerpoint/2015/main" val="1"/>
+              </p:ext>
+            </p:extLst>
+          </p:nvPr>
+        </p:nvSpPr>
+        <p:spPr>
+          <a:xfrm>
+            <a:off x="4241830" y="457200"/>
+            <a:ext cx="3703320" cy="91440"/>
+          </a:xfrm>
+          <a:prstGeom prst="rect">
+            <a:avLst/>
+          </a:prstGeom>
+          <a:solidFill>
+            <a:schemeClr val="accent2"/>
+          </a:solidFill>
+          <a:ln>
+            <a:noFill/>
+          </a:ln>
+          <a:effectLst/>
+        </p:spPr>
+        <p:style>
+          <a:lnRef idx="1">
+            <a:schemeClr val="accent1"/>
+          </a:lnRef>
+          <a:fillRef idx="3">
+            <a:schemeClr val="accent1"/>
+          </a:fillRef>
+          <a:effectRef idx="2">
+            <a:schemeClr val="accent1"/>
+          </a:effectRef>
+          <a:fontRef idx="minor">
+            <a:schemeClr val="lt1"/>
+          </a:fontRef>
+        </p:style>
+      </p:sp>
+      <p:sp>
+        <p:nvSpPr>
+          <p:cNvPr id="22" name="Rectangle 21">
+            <a:extLst>
+              <a:ext uri="{FF2B5EF4-FFF2-40B4-BE49-F238E27FC236}">
+                <a16:creationId xmlns:a16="http://schemas.microsoft.com/office/drawing/2014/main" id="{98DDD5E5-0097-4C6C-B266-5732EDA96CC4}"/>
+              </a:ext>
+              <a:ext uri="{C183D7F6-B498-43B3-948B-1728B52AA6E4}">
+                <adec:decorative xmlns:adec="http://schemas.microsoft.com/office/drawing/2017/decorative" val="1"/>
+              </a:ext>
+            </a:extLst>
+          </p:cNvPr>
+          <p:cNvSpPr>
+            <a:spLocks noGrp="1" noRot="1" noChangeAspect="1" noMove="1" noResize="1" noEditPoints="1" noAdjustHandles="1" noChangeArrowheads="1" noChangeShapeType="1" noTextEdit="1"/>
+          </p:cNvSpPr>
+          <p:nvPr>
+            <p:extLst>
+              <p:ext uri="{386F3935-93C4-4BCD-93E2-E3B085C9AB24}">
+                <p16:designElem xmlns:p16="http://schemas.microsoft.com/office/powerpoint/2015/main" val="1"/>
+              </p:ext>
+            </p:extLst>
+          </p:nvPr>
+        </p:nvSpPr>
+        <p:spPr>
+          <a:xfrm>
+            <a:off x="8042147" y="453643"/>
+            <a:ext cx="3703320" cy="98554"/>
+          </a:xfrm>
+          <a:prstGeom prst="rect">
+            <a:avLst/>
+          </a:prstGeom>
+          <a:solidFill>
+            <a:schemeClr val="accent4"/>
+          </a:solidFill>
+          <a:ln>
+            <a:noFill/>
+          </a:ln>
+          <a:effectLst/>
+        </p:spPr>
+        <p:style>
+          <a:lnRef idx="1">
+            <a:schemeClr val="accent1"/>
+          </a:lnRef>
+          <a:fillRef idx="3">
+            <a:schemeClr val="accent1"/>
+          </a:fillRef>
+          <a:effectRef idx="2">
+            <a:schemeClr val="accent1"/>
+          </a:effectRef>
+          <a:fontRef idx="minor">
+            <a:schemeClr val="lt1"/>
+          </a:fontRef>
+        </p:style>
+      </p:sp>
+      <p:pic>
+        <p:nvPicPr>
+          <p:cNvPr id="7" name="Content Placeholder 6" descr="A close up of text on a white background&#10;&#10;Description automatically generated">
+            <a:extLst>
+              <a:ext uri="{FF2B5EF4-FFF2-40B4-BE49-F238E27FC236}">
+                <a16:creationId xmlns:a16="http://schemas.microsoft.com/office/drawing/2014/main" id="{5BD14AE9-148B-F842-8E99-EB33500DBCBC}"/>
+              </a:ext>
+            </a:extLst>
+          </p:cNvPr>
+          <p:cNvPicPr>
+            <a:picLocks noGrp="1" noChangeAspect="1"/>
+          </p:cNvPicPr>
+          <p:nvPr>
+            <p:ph idx="1"/>
+          </p:nvPr>
+        </p:nvPicPr>
+        <p:blipFill>
+          <a:blip r:embed="rId3"/>
+          <a:stretch>
+            <a:fillRect/>
+          </a:stretch>
+        </p:blipFill>
+        <p:spPr>
+          <a:xfrm>
+            <a:off x="1415603" y="723899"/>
+            <a:ext cx="5468502" cy="5209908"/>
+          </a:xfrm>
+        </p:spPr>
+      </p:pic>
+      <p:sp>
+        <p:nvSpPr>
+          <p:cNvPr id="4" name="Footer Placeholder 3">
+            <a:extLst>
+              <a:ext uri="{FF2B5EF4-FFF2-40B4-BE49-F238E27FC236}">
+                <a16:creationId xmlns:a16="http://schemas.microsoft.com/office/drawing/2014/main" id="{7A10E3E7-1104-4D4B-A9C3-5E53D2BB1EA5}"/>
+              </a:ext>
+            </a:extLst>
+          </p:cNvPr>
+          <p:cNvSpPr>
+            <a:spLocks noGrp="1"/>
+          </p:cNvSpPr>
+          <p:nvPr>
+            <p:ph type="ftr" sz="quarter" idx="11"/>
+          </p:nvPr>
+        </p:nvSpPr>
+        <p:spPr>
+          <a:xfrm>
+            <a:off x="581192" y="5951811"/>
+            <a:ext cx="6917210" cy="365125"/>
+          </a:xfrm>
+        </p:spPr>
+        <p:txBody>
+          <a:bodyPr>
+            <a:normAutofit/>
+          </a:bodyPr>
+          <a:lstStyle/>
+          <a:p>
+            <a:pPr>
+              <a:spcAft>
+                <a:spcPts val="600"/>
+              </a:spcAft>
+            </a:pPr>
+            <a:r>
+              <a:rPr lang="en-US" dirty="0"/>
+              <a:t>CS295: Pre-Proposal Presentation</a:t>
+            </a:r>
+          </a:p>
+        </p:txBody>
+      </p:sp>
+      <p:sp>
+        <p:nvSpPr>
+          <p:cNvPr id="24" name="Rectangle 23">
+            <a:extLst>
+              <a:ext uri="{FF2B5EF4-FFF2-40B4-BE49-F238E27FC236}">
+                <a16:creationId xmlns:a16="http://schemas.microsoft.com/office/drawing/2014/main" id="{8952EF87-C74F-4D3F-9CAD-EEA1733C9BD0}"/>
+              </a:ext>
+              <a:ext uri="{C183D7F6-B498-43B3-948B-1728B52AA6E4}">
+                <adec:decorative xmlns:adec="http://schemas.microsoft.com/office/drawing/2017/decorative" val="1"/>
+              </a:ext>
+            </a:extLst>
+          </p:cNvPr>
+          <p:cNvSpPr>
+            <a:spLocks noGrp="1" noRot="1" noChangeAspect="1" noMove="1" noResize="1" noEditPoints="1" noAdjustHandles="1" noChangeArrowheads="1" noChangeShapeType="1" noTextEdit="1"/>
+          </p:cNvSpPr>
+          <p:nvPr>
+            <p:extLst>
+              <p:ext uri="{386F3935-93C4-4BCD-93E2-E3B085C9AB24}">
+                <p16:designElem xmlns:p16="http://schemas.microsoft.com/office/powerpoint/2015/main" val="1"/>
+              </p:ext>
+            </p:extLst>
+          </p:nvPr>
+        </p:nvSpPr>
+        <p:spPr>
+          <a:xfrm>
+            <a:off x="8042147" y="723899"/>
+            <a:ext cx="3703320" cy="5666666"/>
+          </a:xfrm>
+          <a:prstGeom prst="rect">
+            <a:avLst/>
+          </a:prstGeom>
+          <a:solidFill>
+            <a:schemeClr val="accent1"/>
+          </a:solidFill>
+          <a:ln>
+            <a:noFill/>
+          </a:ln>
+          <a:effectLst/>
+        </p:spPr>
+        <p:style>
+          <a:lnRef idx="1">
+            <a:schemeClr val="accent1"/>
+          </a:lnRef>
+          <a:fillRef idx="3">
+            <a:schemeClr val="accent1"/>
+          </a:fillRef>
+          <a:effectRef idx="2">
+            <a:schemeClr val="accent1"/>
+          </a:effectRef>
+          <a:fontRef idx="minor">
+            <a:schemeClr val="lt1"/>
+          </a:fontRef>
+        </p:style>
+      </p:sp>
+      <p:sp>
+        <p:nvSpPr>
+          <p:cNvPr id="2" name="Title 1"/>
+          <p:cNvSpPr>
+            <a:spLocks noGrp="1"/>
+          </p:cNvSpPr>
+          <p:nvPr>
+            <p:ph type="title"/>
+          </p:nvPr>
+        </p:nvSpPr>
+        <p:spPr>
+          <a:xfrm>
+            <a:off x="8369643" y="1037967"/>
+            <a:ext cx="3054091" cy="4709131"/>
+          </a:xfrm>
+        </p:spPr>
+        <p:txBody>
+          <a:bodyPr anchor="ctr">
+            <a:normAutofit/>
+          </a:bodyPr>
+          <a:lstStyle/>
+          <a:p>
+            <a:r>
+              <a:rPr lang="en-US" sz="3200" dirty="0">
+                <a:solidFill>
+                  <a:srgbClr val="FFFEFF"/>
+                </a:solidFill>
+              </a:rPr>
+              <a:t>CFLAT</a:t>
+            </a:r>
+          </a:p>
+        </p:txBody>
+      </p:sp>
+      <p:sp>
+        <p:nvSpPr>
+          <p:cNvPr id="5" name="Slide Number Placeholder 4">
+            <a:extLst>
+              <a:ext uri="{FF2B5EF4-FFF2-40B4-BE49-F238E27FC236}">
+                <a16:creationId xmlns:a16="http://schemas.microsoft.com/office/drawing/2014/main" id="{844E6170-1B3A-834E-8DA4-FF4AC661FEF2}"/>
+              </a:ext>
+            </a:extLst>
+          </p:cNvPr>
+          <p:cNvSpPr>
+            <a:spLocks noGrp="1"/>
+          </p:cNvSpPr>
+          <p:nvPr>
+            <p:ph type="sldNum" sz="quarter" idx="12"/>
+          </p:nvPr>
+        </p:nvSpPr>
+        <p:spPr>
+          <a:xfrm>
+            <a:off x="10558300" y="5956137"/>
+            <a:ext cx="1052508" cy="365125"/>
+          </a:xfrm>
+        </p:spPr>
+        <p:txBody>
+          <a:bodyPr>
+            <a:normAutofit/>
+          </a:bodyPr>
+          <a:lstStyle/>
+          <a:p>
+            <a:pPr>
+              <a:spcAft>
+                <a:spcPts val="600"/>
+              </a:spcAft>
+            </a:pPr>
+            <a:fld id="{D57F1E4F-1CFF-5643-939E-217C01CDF565}" type="slidenum">
+              <a:rPr lang="en-US">
+                <a:solidFill>
+                  <a:schemeClr val="accent1">
+                    <a:lumMod val="75000"/>
+                    <a:lumOff val="25000"/>
+                  </a:schemeClr>
+                </a:solidFill>
+              </a:rPr>
+              <a:pPr>
+                <a:spcAft>
+                  <a:spcPts val="600"/>
+                </a:spcAft>
+              </a:pPr>
+              <a:t>7</a:t>
+            </a:fld>
+            <a:endParaRPr lang="en-US">
+              <a:solidFill>
+                <a:schemeClr val="accent1">
+                  <a:lumMod val="75000"/>
+                  <a:lumOff val="25000"/>
+                </a:schemeClr>
+              </a:solidFill>
+            </a:endParaRPr>
+          </a:p>
+        </p:txBody>
+      </p:sp>
+    </p:spTree>
+    <p:extLst>
+      <p:ext uri="{BB962C8B-B14F-4D97-AF65-F5344CB8AC3E}">
+        <p14:creationId xmlns:p14="http://schemas.microsoft.com/office/powerpoint/2010/main" val="53261269"/>
+      </p:ext>
+    </p:extLst>
+  </p:cSld>
+  <p:clrMapOvr>
+    <a:masterClrMapping/>
+  </p:clrMapOvr>
+</p:sld>
+</file>
+
+<file path=ppt/slides/slide8.xml><?xml version="1.0" encoding="utf-8"?>
+<p:sld xmlns:a="http://schemas.openxmlformats.org/drawingml/2006/main" xmlns:r="http://schemas.openxmlformats.org/officeDocument/2006/relationships" xmlns:p="http://schemas.openxmlformats.org/presentationml/2006/main">
+  <p:cSld>
+    <p:bg>
+      <p:bgPr>
+        <a:solidFill>
+          <a:schemeClr val="bg1"/>
+        </a:solidFill>
+        <a:effectLst/>
+      </p:bgPr>
+    </p:bg>
+    <p:spTree>
+      <p:nvGrpSpPr>
+        <p:cNvPr id="1" name=""/>
+        <p:cNvGrpSpPr/>
+        <p:nvPr/>
+      </p:nvGrpSpPr>
+      <p:grpSpPr>
+        <a:xfrm>
+          <a:off x="0" y="0"/>
+          <a:ext cx="0" cy="0"/>
+          <a:chOff x="0" y="0"/>
+          <a:chExt cx="0" cy="0"/>
+        </a:xfrm>
+      </p:grpSpPr>
+      <p:sp useBgFill="1">
+        <p:nvSpPr>
+          <p:cNvPr id="16" name="Rectangle 15">
+            <a:extLst>
+              <a:ext uri="{FF2B5EF4-FFF2-40B4-BE49-F238E27FC236}">
+                <a16:creationId xmlns:a16="http://schemas.microsoft.com/office/drawing/2014/main" id="{F858DF7D-C2D0-4B03-A7A0-2F06B789EE35}"/>
+              </a:ext>
+              <a:ext uri="{C183D7F6-B498-43B3-948B-1728B52AA6E4}">
+                <adec:decorative xmlns:adec="http://schemas.microsoft.com/office/drawing/2017/decorative" val="1"/>
+              </a:ext>
+            </a:extLst>
+          </p:cNvPr>
+          <p:cNvSpPr>
+            <a:spLocks noGrp="1" noRot="1" noChangeAspect="1" noMove="1" noResize="1" noEditPoints="1" noAdjustHandles="1" noChangeArrowheads="1" noChangeShapeType="1" noTextEdit="1"/>
+          </p:cNvSpPr>
+          <p:nvPr>
+            <p:extLst>
+              <p:ext uri="{386F3935-93C4-4BCD-93E2-E3B085C9AB24}">
+                <p16:designElem xmlns:p16="http://schemas.microsoft.com/office/powerpoint/2015/main" val="1"/>
+              </p:ext>
+            </p:extLst>
+          </p:nvPr>
+        </p:nvSpPr>
+        <p:spPr>
+          <a:xfrm>
+            <a:off x="0" y="0"/>
+            <a:ext cx="12191999" cy="6858001"/>
+          </a:xfrm>
+          <a:prstGeom prst="rect">
+            <a:avLst/>
+          </a:prstGeom>
+          <a:ln>
+            <a:noFill/>
+          </a:ln>
+        </p:spPr>
+        <p:style>
+          <a:lnRef idx="2">
+            <a:schemeClr val="accent1">
+              <a:shade val="50000"/>
+            </a:schemeClr>
+          </a:lnRef>
+          <a:fillRef idx="1">
+            <a:schemeClr val="accent1"/>
+          </a:fillRef>
+          <a:effectRef idx="0">
+            <a:schemeClr val="accent1"/>
+          </a:effectRef>
+          <a:fontRef idx="minor">
+            <a:schemeClr val="lt1"/>
+          </a:fontRef>
+        </p:style>
+        <p:txBody>
+          <a:bodyPr rtlCol="0" anchor="ctr"/>
+          <a:lstStyle/>
+          <a:p>
+            <a:pPr algn="ctr"/>
+            <a:endParaRPr lang="en-US"/>
+          </a:p>
+        </p:txBody>
+      </p:sp>
+      <p:sp>
+        <p:nvSpPr>
+          <p:cNvPr id="18" name="Rectangle 17">
+            <a:extLst>
+              <a:ext uri="{FF2B5EF4-FFF2-40B4-BE49-F238E27FC236}">
+                <a16:creationId xmlns:a16="http://schemas.microsoft.com/office/drawing/2014/main" id="{1B26B711-3121-40B0-8377-A64F3DC00C7A}"/>
+              </a:ext>
+              <a:ext uri="{C183D7F6-B498-43B3-948B-1728B52AA6E4}">
+                <adec:decorative xmlns:adec="http://schemas.microsoft.com/office/drawing/2017/decorative" val="1"/>
+              </a:ext>
+            </a:extLst>
+          </p:cNvPr>
+          <p:cNvSpPr>
+            <a:spLocks noGrp="1" noRot="1" noChangeAspect="1" noMove="1" noResize="1" noEditPoints="1" noAdjustHandles="1" noChangeArrowheads="1" noChangeShapeType="1" noTextEdit="1"/>
+          </p:cNvSpPr>
+          <p:nvPr>
+            <p:extLst>
+              <p:ext uri="{386F3935-93C4-4BCD-93E2-E3B085C9AB24}">
+                <p16:designElem xmlns:p16="http://schemas.microsoft.com/office/powerpoint/2015/main" val="1"/>
+              </p:ext>
+            </p:extLst>
+          </p:nvPr>
+        </p:nvSpPr>
+        <p:spPr>
+          <a:xfrm>
+            <a:off x="446534" y="457200"/>
+            <a:ext cx="3703320" cy="94997"/>
+          </a:xfrm>
+          <a:prstGeom prst="rect">
+            <a:avLst/>
+          </a:prstGeom>
+          <a:solidFill>
+            <a:schemeClr val="accent1"/>
+          </a:solidFill>
+          <a:ln>
+            <a:noFill/>
+          </a:ln>
+          <a:effectLst/>
+        </p:spPr>
+        <p:style>
+          <a:lnRef idx="1">
+            <a:schemeClr val="accent1"/>
+          </a:lnRef>
+          <a:fillRef idx="3">
+            <a:schemeClr val="accent1"/>
+          </a:fillRef>
+          <a:effectRef idx="2">
+            <a:schemeClr val="accent1"/>
+          </a:effectRef>
+          <a:fontRef idx="minor">
+            <a:schemeClr val="lt1"/>
+          </a:fontRef>
+        </p:style>
+      </p:sp>
+      <p:sp>
+        <p:nvSpPr>
+          <p:cNvPr id="20" name="Rectangle 19">
+            <a:extLst>
+              <a:ext uri="{FF2B5EF4-FFF2-40B4-BE49-F238E27FC236}">
+                <a16:creationId xmlns:a16="http://schemas.microsoft.com/office/drawing/2014/main" id="{645C4D3D-ABBA-4B4E-93E5-01E343719849}"/>
+              </a:ext>
+              <a:ext uri="{C183D7F6-B498-43B3-948B-1728B52AA6E4}">
+                <adec:decorative xmlns:adec="http://schemas.microsoft.com/office/drawing/2017/decorative" val="1"/>
+              </a:ext>
+            </a:extLst>
+          </p:cNvPr>
+          <p:cNvSpPr>
+            <a:spLocks noGrp="1" noRot="1" noChangeAspect="1" noMove="1" noResize="1" noEditPoints="1" noAdjustHandles="1" noChangeArrowheads="1" noChangeShapeType="1" noTextEdit="1"/>
+          </p:cNvSpPr>
+          <p:nvPr>
+            <p:extLst>
+              <p:ext uri="{386F3935-93C4-4BCD-93E2-E3B085C9AB24}">
+                <p16:designElem xmlns:p16="http://schemas.microsoft.com/office/powerpoint/2015/main" val="1"/>
+              </p:ext>
+            </p:extLst>
+          </p:nvPr>
+        </p:nvSpPr>
+        <p:spPr>
+          <a:xfrm>
+            <a:off x="4241830" y="457200"/>
+            <a:ext cx="3703320" cy="91440"/>
+          </a:xfrm>
+          <a:prstGeom prst="rect">
+            <a:avLst/>
+          </a:prstGeom>
+          <a:solidFill>
+            <a:schemeClr val="accent2"/>
+          </a:solidFill>
+          <a:ln>
+            <a:noFill/>
+          </a:ln>
+          <a:effectLst/>
+        </p:spPr>
+        <p:style>
+          <a:lnRef idx="1">
+            <a:schemeClr val="accent1"/>
+          </a:lnRef>
+          <a:fillRef idx="3">
+            <a:schemeClr val="accent1"/>
+          </a:fillRef>
+          <a:effectRef idx="2">
+            <a:schemeClr val="accent1"/>
+          </a:effectRef>
+          <a:fontRef idx="minor">
+            <a:schemeClr val="lt1"/>
+          </a:fontRef>
+        </p:style>
+      </p:sp>
+      <p:sp>
+        <p:nvSpPr>
+          <p:cNvPr id="22" name="Rectangle 21">
+            <a:extLst>
+              <a:ext uri="{FF2B5EF4-FFF2-40B4-BE49-F238E27FC236}">
+                <a16:creationId xmlns:a16="http://schemas.microsoft.com/office/drawing/2014/main" id="{98DDD5E5-0097-4C6C-B266-5732EDA96CC4}"/>
+              </a:ext>
+              <a:ext uri="{C183D7F6-B498-43B3-948B-1728B52AA6E4}">
+                <adec:decorative xmlns:adec="http://schemas.microsoft.com/office/drawing/2017/decorative" val="1"/>
+              </a:ext>
+            </a:extLst>
+          </p:cNvPr>
+          <p:cNvSpPr>
+            <a:spLocks noGrp="1" noRot="1" noChangeAspect="1" noMove="1" noResize="1" noEditPoints="1" noAdjustHandles="1" noChangeArrowheads="1" noChangeShapeType="1" noTextEdit="1"/>
+          </p:cNvSpPr>
+          <p:nvPr>
+            <p:extLst>
+              <p:ext uri="{386F3935-93C4-4BCD-93E2-E3B085C9AB24}">
+                <p16:designElem xmlns:p16="http://schemas.microsoft.com/office/powerpoint/2015/main" val="1"/>
+              </p:ext>
+            </p:extLst>
+          </p:nvPr>
+        </p:nvSpPr>
+        <p:spPr>
+          <a:xfrm>
+            <a:off x="8042147" y="453643"/>
+            <a:ext cx="3703320" cy="98554"/>
+          </a:xfrm>
+          <a:prstGeom prst="rect">
+            <a:avLst/>
+          </a:prstGeom>
+          <a:solidFill>
+            <a:schemeClr val="accent4"/>
+          </a:solidFill>
+          <a:ln>
+            <a:noFill/>
+          </a:ln>
+          <a:effectLst/>
+        </p:spPr>
+        <p:style>
+          <a:lnRef idx="1">
+            <a:schemeClr val="accent1"/>
+          </a:lnRef>
+          <a:fillRef idx="3">
+            <a:schemeClr val="accent1"/>
+          </a:fillRef>
+          <a:effectRef idx="2">
+            <a:schemeClr val="accent1"/>
+          </a:effectRef>
+          <a:fontRef idx="minor">
+            <a:schemeClr val="lt1"/>
+          </a:fontRef>
+        </p:style>
+      </p:sp>
+      <p:sp>
+        <p:nvSpPr>
+          <p:cNvPr id="3" name="Content Placeholder 2"/>
+          <p:cNvSpPr>
+            <a:spLocks noGrp="1"/>
+          </p:cNvSpPr>
+          <p:nvPr>
+            <p:ph idx="1"/>
+          </p:nvPr>
+        </p:nvSpPr>
+        <p:spPr>
+          <a:xfrm>
+            <a:off x="581192" y="1037968"/>
+            <a:ext cx="7014423" cy="4820832"/>
+          </a:xfrm>
+        </p:spPr>
+        <p:txBody>
+          <a:bodyPr>
+            <a:normAutofit/>
+          </a:bodyPr>
+          <a:lstStyle/>
+          <a:p>
+            <a:r>
+              <a:rPr lang="en-US" sz="2000" dirty="0"/>
+              <a:t>There is no scheme yet for doing data flow attestation</a:t>
+            </a:r>
+          </a:p>
+          <a:p>
+            <a:r>
+              <a:rPr lang="en-US" sz="2000" dirty="0"/>
+              <a:t>CFLAT and others are doing control flow attestation which is not sufficient because the attacker can change the data pointers to point to sensitive data and steal them</a:t>
+            </a:r>
+          </a:p>
+          <a:p>
+            <a:r>
+              <a:rPr lang="en-US" sz="2000" dirty="0"/>
+              <a:t>Or attacker can change the return values, function arguments and other data pointers to give incorrect output but follow the expected control flow</a:t>
+            </a:r>
+          </a:p>
+        </p:txBody>
+      </p:sp>
+      <p:sp>
+        <p:nvSpPr>
+          <p:cNvPr id="4" name="Footer Placeholder 3">
+            <a:extLst>
+              <a:ext uri="{FF2B5EF4-FFF2-40B4-BE49-F238E27FC236}">
+                <a16:creationId xmlns:a16="http://schemas.microsoft.com/office/drawing/2014/main" id="{1E63A3D9-30A3-BE41-ABA6-B2920DB5D412}"/>
+              </a:ext>
+            </a:extLst>
+          </p:cNvPr>
+          <p:cNvSpPr>
+            <a:spLocks noGrp="1"/>
+          </p:cNvSpPr>
+          <p:nvPr>
+            <p:ph type="ftr" sz="quarter" idx="11"/>
+          </p:nvPr>
+        </p:nvSpPr>
+        <p:spPr>
+          <a:xfrm>
+            <a:off x="581192" y="5951811"/>
+            <a:ext cx="6917210" cy="365125"/>
+          </a:xfrm>
+        </p:spPr>
+        <p:txBody>
+          <a:bodyPr>
+            <a:normAutofit/>
+          </a:bodyPr>
+          <a:lstStyle/>
+          <a:p>
+            <a:pPr>
+              <a:spcAft>
+                <a:spcPts val="600"/>
+              </a:spcAft>
+            </a:pPr>
+            <a:r>
+              <a:rPr lang="en-US"/>
+              <a:t>CS295: Pre-Proposal Presentation</a:t>
+            </a:r>
+          </a:p>
+        </p:txBody>
+      </p:sp>
+      <p:sp>
+        <p:nvSpPr>
+          <p:cNvPr id="24" name="Rectangle 23">
+            <a:extLst>
+              <a:ext uri="{FF2B5EF4-FFF2-40B4-BE49-F238E27FC236}">
+                <a16:creationId xmlns:a16="http://schemas.microsoft.com/office/drawing/2014/main" id="{8952EF87-C74F-4D3F-9CAD-EEA1733C9BD0}"/>
+              </a:ext>
+              <a:ext uri="{C183D7F6-B498-43B3-948B-1728B52AA6E4}">
+                <adec:decorative xmlns:adec="http://schemas.microsoft.com/office/drawing/2017/decorative" val="1"/>
+              </a:ext>
+            </a:extLst>
+          </p:cNvPr>
+          <p:cNvSpPr>
+            <a:spLocks noGrp="1" noRot="1" noChangeAspect="1" noMove="1" noResize="1" noEditPoints="1" noAdjustHandles="1" noChangeArrowheads="1" noChangeShapeType="1" noTextEdit="1"/>
+          </p:cNvSpPr>
+          <p:nvPr>
+            <p:extLst>
+              <p:ext uri="{386F3935-93C4-4BCD-93E2-E3B085C9AB24}">
+                <p16:designElem xmlns:p16="http://schemas.microsoft.com/office/powerpoint/2015/main" val="1"/>
+              </p:ext>
+            </p:extLst>
+          </p:nvPr>
+        </p:nvSpPr>
+        <p:spPr>
+          <a:xfrm>
+            <a:off x="8042147" y="723899"/>
+            <a:ext cx="3703320" cy="5666666"/>
+          </a:xfrm>
+          <a:prstGeom prst="rect">
+            <a:avLst/>
+          </a:prstGeom>
+          <a:solidFill>
+            <a:schemeClr val="accent1"/>
+          </a:solidFill>
+          <a:ln>
+            <a:noFill/>
+          </a:ln>
+          <a:effectLst/>
+        </p:spPr>
+        <p:style>
+          <a:lnRef idx="1">
+            <a:schemeClr val="accent1"/>
+          </a:lnRef>
+          <a:fillRef idx="3">
+            <a:schemeClr val="accent1"/>
+          </a:fillRef>
+          <a:effectRef idx="2">
+            <a:schemeClr val="accent1"/>
+          </a:effectRef>
+          <a:fontRef idx="minor">
+            <a:schemeClr val="lt1"/>
+          </a:fontRef>
+        </p:style>
+      </p:sp>
+      <p:sp>
+        <p:nvSpPr>
+          <p:cNvPr id="2" name="Title 1"/>
+          <p:cNvSpPr>
+            <a:spLocks noGrp="1"/>
+          </p:cNvSpPr>
+          <p:nvPr>
+            <p:ph type="title"/>
+          </p:nvPr>
+        </p:nvSpPr>
+        <p:spPr>
+          <a:xfrm>
+            <a:off x="8369643" y="1037967"/>
+            <a:ext cx="3054091" cy="4709131"/>
+          </a:xfrm>
+        </p:spPr>
+        <p:txBody>
+          <a:bodyPr anchor="ctr">
+            <a:normAutofit/>
+          </a:bodyPr>
+          <a:lstStyle/>
+          <a:p>
+            <a:r>
+              <a:rPr lang="en-US" sz="3200">
+                <a:solidFill>
+                  <a:srgbClr val="FFFEFF"/>
+                </a:solidFill>
+              </a:rPr>
+              <a:t>Motivation</a:t>
+            </a:r>
+          </a:p>
+        </p:txBody>
+      </p:sp>
+      <p:sp>
+        <p:nvSpPr>
+          <p:cNvPr id="5" name="Slide Number Placeholder 4">
+            <a:extLst>
+              <a:ext uri="{FF2B5EF4-FFF2-40B4-BE49-F238E27FC236}">
+                <a16:creationId xmlns:a16="http://schemas.microsoft.com/office/drawing/2014/main" id="{07539F28-21AF-9941-95A5-DFC254212C7C}"/>
+              </a:ext>
+            </a:extLst>
+          </p:cNvPr>
+          <p:cNvSpPr>
+            <a:spLocks noGrp="1"/>
+          </p:cNvSpPr>
+          <p:nvPr>
+            <p:ph type="sldNum" sz="quarter" idx="12"/>
+          </p:nvPr>
+        </p:nvSpPr>
+        <p:spPr>
+          <a:xfrm>
+            <a:off x="10558300" y="5956137"/>
+            <a:ext cx="1052508" cy="365125"/>
+          </a:xfrm>
+        </p:spPr>
+        <p:txBody>
+          <a:bodyPr>
+            <a:normAutofit/>
+          </a:bodyPr>
+          <a:lstStyle/>
+          <a:p>
+            <a:pPr>
+              <a:spcAft>
+                <a:spcPts val="600"/>
+              </a:spcAft>
+            </a:pPr>
+            <a:fld id="{D57F1E4F-1CFF-5643-939E-217C01CDF565}" type="slidenum">
+              <a:rPr lang="en-US">
+                <a:solidFill>
+                  <a:schemeClr val="accent1">
+                    <a:lumMod val="75000"/>
+                    <a:lumOff val="25000"/>
+                  </a:schemeClr>
+                </a:solidFill>
+              </a:rPr>
+              <a:pPr>
+                <a:spcAft>
+                  <a:spcPts val="600"/>
+                </a:spcAft>
+              </a:pPr>
+              <a:t>8</a:t>
+            </a:fld>
+            <a:endParaRPr lang="en-US">
+              <a:solidFill>
+                <a:schemeClr val="accent1">
+                  <a:lumMod val="75000"/>
+                  <a:lumOff val="25000"/>
+                </a:schemeClr>
+              </a:solidFill>
+            </a:endParaRPr>
+          </a:p>
+        </p:txBody>
+      </p:sp>
+    </p:spTree>
+    <p:extLst>
+      <p:ext uri="{BB962C8B-B14F-4D97-AF65-F5344CB8AC3E}">
+        <p14:creationId xmlns:p14="http://schemas.microsoft.com/office/powerpoint/2010/main" val="3775837986"/>
+      </p:ext>
+    </p:extLst>
+  </p:cSld>
+  <p:clrMapOvr>
+    <a:masterClrMapping/>
+  </p:clrMapOvr>
+</p:sld>
+</file>
+
+<file path=ppt/slides/slide9.xml><?xml version="1.0" encoding="utf-8"?>
+<p:sld xmlns:a="http://schemas.openxmlformats.org/drawingml/2006/main" xmlns:r="http://schemas.openxmlformats.org/officeDocument/2006/relationships" xmlns:p="http://schemas.openxmlformats.org/presentationml/2006/main">
+  <p:cSld>
+    <p:bg>
+      <p:bgPr>
+        <a:solidFill>
+          <a:schemeClr val="bg1"/>
+        </a:solidFill>
+        <a:effectLst/>
+      </p:bgPr>
+    </p:bg>
+    <p:spTree>
+      <p:nvGrpSpPr>
+        <p:cNvPr id="1" name=""/>
+        <p:cNvGrpSpPr/>
+        <p:nvPr/>
+      </p:nvGrpSpPr>
+      <p:grpSpPr>
+        <a:xfrm>
+          <a:off x="0" y="0"/>
+          <a:ext cx="0" cy="0"/>
+          <a:chOff x="0" y="0"/>
+          <a:chExt cx="0" cy="0"/>
+        </a:xfrm>
+      </p:grpSpPr>
+      <p:sp useBgFill="1">
+        <p:nvSpPr>
+          <p:cNvPr id="16" name="Rectangle 15">
+            <a:extLst>
+              <a:ext uri="{FF2B5EF4-FFF2-40B4-BE49-F238E27FC236}">
+                <a16:creationId xmlns:a16="http://schemas.microsoft.com/office/drawing/2014/main" id="{F858DF7D-C2D0-4B03-A7A0-2F06B789EE35}"/>
+              </a:ext>
+              <a:ext uri="{C183D7F6-B498-43B3-948B-1728B52AA6E4}">
+                <adec:decorative xmlns:adec="http://schemas.microsoft.com/office/drawing/2017/decorative" val="1"/>
+              </a:ext>
+            </a:extLst>
+          </p:cNvPr>
+          <p:cNvSpPr>
+            <a:spLocks noGrp="1" noRot="1" noChangeAspect="1" noMove="1" noResize="1" noEditPoints="1" noAdjustHandles="1" noChangeArrowheads="1" noChangeShapeType="1" noTextEdit="1"/>
+          </p:cNvSpPr>
+          <p:nvPr>
+            <p:extLst>
+              <p:ext uri="{386F3935-93C4-4BCD-93E2-E3B085C9AB24}">
+                <p16:designElem xmlns:p16="http://schemas.microsoft.com/office/powerpoint/2015/main" val="1"/>
+              </p:ext>
+            </p:extLst>
+          </p:nvPr>
+        </p:nvSpPr>
+        <p:spPr>
+          <a:xfrm>
+            <a:off x="0" y="0"/>
+            <a:ext cx="12191999" cy="6858001"/>
+          </a:xfrm>
+          <a:prstGeom prst="rect">
+            <a:avLst/>
+          </a:prstGeom>
+          <a:ln>
+            <a:noFill/>
+          </a:ln>
+        </p:spPr>
+        <p:style>
+          <a:lnRef idx="2">
+            <a:schemeClr val="accent1">
+              <a:shade val="50000"/>
+            </a:schemeClr>
+          </a:lnRef>
+          <a:fillRef idx="1">
+            <a:schemeClr val="accent1"/>
+          </a:fillRef>
+          <a:effectRef idx="0">
+            <a:schemeClr val="accent1"/>
+          </a:effectRef>
+          <a:fontRef idx="minor">
+            <a:schemeClr val="lt1"/>
+          </a:fontRef>
+        </p:style>
+        <p:txBody>
+          <a:bodyPr rtlCol="0" anchor="ctr"/>
+          <a:lstStyle/>
+          <a:p>
+            <a:pPr algn="ctr"/>
+            <a:endParaRPr lang="en-US"/>
+          </a:p>
+        </p:txBody>
+      </p:sp>
+      <p:sp>
+        <p:nvSpPr>
+          <p:cNvPr id="18" name="Rectangle 17">
+            <a:extLst>
+              <a:ext uri="{FF2B5EF4-FFF2-40B4-BE49-F238E27FC236}">
+                <a16:creationId xmlns:a16="http://schemas.microsoft.com/office/drawing/2014/main" id="{1B26B711-3121-40B0-8377-A64F3DC00C7A}"/>
+              </a:ext>
+              <a:ext uri="{C183D7F6-B498-43B3-948B-1728B52AA6E4}">
+                <adec:decorative xmlns:adec="http://schemas.microsoft.com/office/drawing/2017/decorative" val="1"/>
+              </a:ext>
+            </a:extLst>
+          </p:cNvPr>
+          <p:cNvSpPr>
+            <a:spLocks noGrp="1" noRot="1" noChangeAspect="1" noMove="1" noResize="1" noEditPoints="1" noAdjustHandles="1" noChangeArrowheads="1" noChangeShapeType="1" noTextEdit="1"/>
+          </p:cNvSpPr>
+          <p:nvPr>
+            <p:extLst>
+              <p:ext uri="{386F3935-93C4-4BCD-93E2-E3B085C9AB24}">
+                <p16:designElem xmlns:p16="http://schemas.microsoft.com/office/powerpoint/2015/main" val="1"/>
+              </p:ext>
+            </p:extLst>
+          </p:nvPr>
+        </p:nvSpPr>
+        <p:spPr>
+          <a:xfrm>
+            <a:off x="446534" y="457200"/>
+            <a:ext cx="3703320" cy="94997"/>
+          </a:xfrm>
+          <a:prstGeom prst="rect">
+            <a:avLst/>
+          </a:prstGeom>
+          <a:solidFill>
+            <a:schemeClr val="accent1"/>
+          </a:solidFill>
+          <a:ln>
+            <a:noFill/>
+          </a:ln>
+          <a:effectLst/>
+        </p:spPr>
+        <p:style>
+          <a:lnRef idx="1">
+            <a:schemeClr val="accent1"/>
+          </a:lnRef>
+          <a:fillRef idx="3">
+            <a:schemeClr val="accent1"/>
+          </a:fillRef>
+          <a:effectRef idx="2">
+            <a:schemeClr val="accent1"/>
+          </a:effectRef>
+          <a:fontRef idx="minor">
+            <a:schemeClr val="lt1"/>
+          </a:fontRef>
+        </p:style>
+      </p:sp>
+      <p:sp>
+        <p:nvSpPr>
+          <p:cNvPr id="20" name="Rectangle 19">
+            <a:extLst>
+              <a:ext uri="{FF2B5EF4-FFF2-40B4-BE49-F238E27FC236}">
+                <a16:creationId xmlns:a16="http://schemas.microsoft.com/office/drawing/2014/main" id="{645C4D3D-ABBA-4B4E-93E5-01E343719849}"/>
+              </a:ext>
+              <a:ext uri="{C183D7F6-B498-43B3-948B-1728B52AA6E4}">
+                <adec:decorative xmlns:adec="http://schemas.microsoft.com/office/drawing/2017/decorative" val="1"/>
+              </a:ext>
+            </a:extLst>
+          </p:cNvPr>
+          <p:cNvSpPr>
+            <a:spLocks noGrp="1" noRot="1" noChangeAspect="1" noMove="1" noResize="1" noEditPoints="1" noAdjustHandles="1" noChangeArrowheads="1" noChangeShapeType="1" noTextEdit="1"/>
+          </p:cNvSpPr>
+          <p:nvPr>
+            <p:extLst>
+              <p:ext uri="{386F3935-93C4-4BCD-93E2-E3B085C9AB24}">
+                <p16:designElem xmlns:p16="http://schemas.microsoft.com/office/powerpoint/2015/main" val="1"/>
+              </p:ext>
+            </p:extLst>
+          </p:nvPr>
+        </p:nvSpPr>
+        <p:spPr>
+          <a:xfrm>
+            <a:off x="4241830" y="457200"/>
+            <a:ext cx="3703320" cy="91440"/>
+          </a:xfrm>
+          <a:prstGeom prst="rect">
+            <a:avLst/>
+          </a:prstGeom>
+          <a:solidFill>
+            <a:schemeClr val="accent2"/>
+          </a:solidFill>
+          <a:ln>
+            <a:noFill/>
+          </a:ln>
+          <a:effectLst/>
+        </p:spPr>
+        <p:style>
+          <a:lnRef idx="1">
+            <a:schemeClr val="accent1"/>
+          </a:lnRef>
+          <a:fillRef idx="3">
+            <a:schemeClr val="accent1"/>
+          </a:fillRef>
+          <a:effectRef idx="2">
+            <a:schemeClr val="accent1"/>
+          </a:effectRef>
+          <a:fontRef idx="minor">
+            <a:schemeClr val="lt1"/>
+          </a:fontRef>
+        </p:style>
+      </p:sp>
+      <p:sp>
+        <p:nvSpPr>
+          <p:cNvPr id="22" name="Rectangle 21">
+            <a:extLst>
+              <a:ext uri="{FF2B5EF4-FFF2-40B4-BE49-F238E27FC236}">
+                <a16:creationId xmlns:a16="http://schemas.microsoft.com/office/drawing/2014/main" id="{98DDD5E5-0097-4C6C-B266-5732EDA96CC4}"/>
+              </a:ext>
+              <a:ext uri="{C183D7F6-B498-43B3-948B-1728B52AA6E4}">
+                <adec:decorative xmlns:adec="http://schemas.microsoft.com/office/drawing/2017/decorative" val="1"/>
+              </a:ext>
+            </a:extLst>
+          </p:cNvPr>
+          <p:cNvSpPr>
+            <a:spLocks noGrp="1" noRot="1" noChangeAspect="1" noMove="1" noResize="1" noEditPoints="1" noAdjustHandles="1" noChangeArrowheads="1" noChangeShapeType="1" noTextEdit="1"/>
+          </p:cNvSpPr>
+          <p:nvPr>
+            <p:extLst>
+              <p:ext uri="{386F3935-93C4-4BCD-93E2-E3B085C9AB24}">
+                <p16:designElem xmlns:p16="http://schemas.microsoft.com/office/powerpoint/2015/main" val="1"/>
+              </p:ext>
+            </p:extLst>
+          </p:nvPr>
+        </p:nvSpPr>
+        <p:spPr>
+          <a:xfrm>
+            <a:off x="8042147" y="453643"/>
+            <a:ext cx="3703320" cy="98554"/>
+          </a:xfrm>
+          <a:prstGeom prst="rect">
+            <a:avLst/>
+          </a:prstGeom>
+          <a:solidFill>
+            <a:schemeClr val="accent4"/>
+          </a:solidFill>
+          <a:ln>
+            <a:noFill/>
+          </a:ln>
+          <a:effectLst/>
+        </p:spPr>
+        <p:style>
+          <a:lnRef idx="1">
+            <a:schemeClr val="accent1"/>
+          </a:lnRef>
+          <a:fillRef idx="3">
+            <a:schemeClr val="accent1"/>
+          </a:fillRef>
+          <a:effectRef idx="2">
+            <a:schemeClr val="accent1"/>
+          </a:effectRef>
+          <a:fontRef idx="minor">
+            <a:schemeClr val="lt1"/>
+          </a:fontRef>
+        </p:style>
+      </p:sp>
+      <p:sp>
+        <p:nvSpPr>
+          <p:cNvPr id="4" name="Footer Placeholder 3">
+            <a:extLst>
+              <a:ext uri="{FF2B5EF4-FFF2-40B4-BE49-F238E27FC236}">
+                <a16:creationId xmlns:a16="http://schemas.microsoft.com/office/drawing/2014/main" id="{1E63A3D9-30A3-BE41-ABA6-B2920DB5D412}"/>
+              </a:ext>
+            </a:extLst>
+          </p:cNvPr>
+          <p:cNvSpPr>
+            <a:spLocks noGrp="1"/>
+          </p:cNvSpPr>
+          <p:nvPr>
+            <p:ph type="ftr" sz="quarter" idx="11"/>
+          </p:nvPr>
+        </p:nvSpPr>
+        <p:spPr>
+          <a:xfrm>
+            <a:off x="581192" y="5951811"/>
+            <a:ext cx="6917210" cy="365125"/>
+          </a:xfrm>
+        </p:spPr>
+        <p:txBody>
+          <a:bodyPr>
+            <a:normAutofit/>
+          </a:bodyPr>
+          <a:lstStyle/>
+          <a:p>
+            <a:pPr>
+              <a:spcAft>
+                <a:spcPts val="600"/>
+              </a:spcAft>
+            </a:pPr>
+            <a:r>
+              <a:rPr lang="en-US" dirty="0"/>
+              <a:t>CS295: Pre-Proposal Presentation</a:t>
+            </a:r>
+          </a:p>
+        </p:txBody>
+      </p:sp>
+      <p:sp>
+        <p:nvSpPr>
+          <p:cNvPr id="24" name="Rectangle 23">
+            <a:extLst>
+              <a:ext uri="{FF2B5EF4-FFF2-40B4-BE49-F238E27FC236}">
+                <a16:creationId xmlns:a16="http://schemas.microsoft.com/office/drawing/2014/main" id="{8952EF87-C74F-4D3F-9CAD-EEA1733C9BD0}"/>
+              </a:ext>
+              <a:ext uri="{C183D7F6-B498-43B3-948B-1728B52AA6E4}">
+                <adec:decorative xmlns:adec="http://schemas.microsoft.com/office/drawing/2017/decorative" val="1"/>
+              </a:ext>
+            </a:extLst>
+          </p:cNvPr>
+          <p:cNvSpPr>
+            <a:spLocks noGrp="1" noRot="1" noChangeAspect="1" noMove="1" noResize="1" noEditPoints="1" noAdjustHandles="1" noChangeArrowheads="1" noChangeShapeType="1" noTextEdit="1"/>
+          </p:cNvSpPr>
+          <p:nvPr>
+            <p:extLst>
+              <p:ext uri="{386F3935-93C4-4BCD-93E2-E3B085C9AB24}">
+                <p16:designElem xmlns:p16="http://schemas.microsoft.com/office/powerpoint/2015/main" val="1"/>
+              </p:ext>
+            </p:extLst>
+          </p:nvPr>
+        </p:nvSpPr>
+        <p:spPr>
+          <a:xfrm>
+            <a:off x="8042147" y="723899"/>
+            <a:ext cx="3703320" cy="5666666"/>
+          </a:xfrm>
+          <a:prstGeom prst="rect">
+            <a:avLst/>
+          </a:prstGeom>
+          <a:solidFill>
+            <a:schemeClr val="accent1"/>
+          </a:solidFill>
+          <a:ln>
+            <a:noFill/>
+          </a:ln>
+          <a:effectLst/>
+        </p:spPr>
+        <p:style>
+          <a:lnRef idx="1">
+            <a:schemeClr val="accent1"/>
+          </a:lnRef>
+          <a:fillRef idx="3">
+            <a:schemeClr val="accent1"/>
+          </a:fillRef>
+          <a:effectRef idx="2">
+            <a:schemeClr val="accent1"/>
+          </a:effectRef>
+          <a:fontRef idx="minor">
+            <a:schemeClr val="lt1"/>
+          </a:fontRef>
+        </p:style>
+      </p:sp>
+      <p:sp>
+        <p:nvSpPr>
+          <p:cNvPr id="2" name="Title 1"/>
+          <p:cNvSpPr>
+            <a:spLocks noGrp="1"/>
+          </p:cNvSpPr>
+          <p:nvPr>
+            <p:ph type="title"/>
+          </p:nvPr>
+        </p:nvSpPr>
+        <p:spPr>
+          <a:xfrm>
+            <a:off x="8369643" y="1037967"/>
+            <a:ext cx="3054091" cy="4709131"/>
+          </a:xfrm>
+        </p:spPr>
+        <p:txBody>
+          <a:bodyPr anchor="ctr">
+            <a:normAutofit/>
+          </a:bodyPr>
+          <a:lstStyle/>
+          <a:p>
+            <a:r>
+              <a:rPr lang="en-US" sz="3200">
+                <a:solidFill>
+                  <a:srgbClr val="FFFEFF"/>
+                </a:solidFill>
+              </a:rPr>
+              <a:t>Motivation</a:t>
+            </a:r>
+          </a:p>
+        </p:txBody>
+      </p:sp>
+      <p:sp>
+        <p:nvSpPr>
+          <p:cNvPr id="5" name="Slide Number Placeholder 4">
+            <a:extLst>
+              <a:ext uri="{FF2B5EF4-FFF2-40B4-BE49-F238E27FC236}">
+                <a16:creationId xmlns:a16="http://schemas.microsoft.com/office/drawing/2014/main" id="{07539F28-21AF-9941-95A5-DFC254212C7C}"/>
+              </a:ext>
+            </a:extLst>
+          </p:cNvPr>
+          <p:cNvSpPr>
+            <a:spLocks noGrp="1"/>
+          </p:cNvSpPr>
+          <p:nvPr>
+            <p:ph type="sldNum" sz="quarter" idx="12"/>
+          </p:nvPr>
+        </p:nvSpPr>
+        <p:spPr>
+          <a:xfrm>
+            <a:off x="10558300" y="5956137"/>
+            <a:ext cx="1052508" cy="365125"/>
+          </a:xfrm>
+        </p:spPr>
+        <p:txBody>
+          <a:bodyPr>
+            <a:normAutofit/>
+          </a:bodyPr>
+          <a:lstStyle/>
+          <a:p>
+            <a:pPr>
+              <a:spcAft>
+                <a:spcPts val="600"/>
+              </a:spcAft>
+            </a:pPr>
+            <a:fld id="{D57F1E4F-1CFF-5643-939E-217C01CDF565}" type="slidenum">
+              <a:rPr lang="en-US" smtClean="0">
+                <a:solidFill>
+                  <a:schemeClr val="accent1">
+                    <a:lumMod val="75000"/>
+                    <a:lumOff val="25000"/>
+                  </a:schemeClr>
+                </a:solidFill>
+              </a:rPr>
+              <a:pPr>
+                <a:spcAft>
+                  <a:spcPts val="600"/>
+                </a:spcAft>
+              </a:pPr>
+              <a:t>9</a:t>
+            </a:fld>
+            <a:endParaRPr lang="en-US">
+              <a:solidFill>
+                <a:schemeClr val="accent1">
+                  <a:lumMod val="75000"/>
+                  <a:lumOff val="25000"/>
+                </a:schemeClr>
+              </a:solidFill>
+            </a:endParaRPr>
+          </a:p>
+        </p:txBody>
+      </p:sp>
+      <p:pic>
+        <p:nvPicPr>
+          <p:cNvPr id="13" name="Picture 12">
+            <a:extLst>
+              <a:ext uri="{FF2B5EF4-FFF2-40B4-BE49-F238E27FC236}">
+                <a16:creationId xmlns:a16="http://schemas.microsoft.com/office/drawing/2014/main" id="{081DB367-E151-5C42-9F27-8944F6243A63}"/>
+              </a:ext>
+            </a:extLst>
+          </p:cNvPr>
+          <p:cNvPicPr>
+            <a:picLocks noChangeAspect="1"/>
+          </p:cNvPicPr>
+          <p:nvPr/>
+        </p:nvPicPr>
+        <p:blipFill>
+          <a:blip r:embed="rId3"/>
+          <a:stretch>
+            <a:fillRect/>
+          </a:stretch>
+        </p:blipFill>
+        <p:spPr>
+          <a:xfrm>
+            <a:off x="310397" y="3515224"/>
+            <a:ext cx="3886200" cy="508000"/>
+          </a:xfrm>
+          <a:prstGeom prst="rect">
+            <a:avLst/>
+          </a:prstGeom>
+        </p:spPr>
+      </p:pic>
+      <p:pic>
+        <p:nvPicPr>
+          <p:cNvPr id="15" name="Picture 14" descr="A picture containing bird&#10;&#10;Description automatically generated">
+            <a:extLst>
+              <a:ext uri="{FF2B5EF4-FFF2-40B4-BE49-F238E27FC236}">
+                <a16:creationId xmlns:a16="http://schemas.microsoft.com/office/drawing/2014/main" id="{8068CB72-AE5B-BF49-9BC1-79EB3ED441E2}"/>
+              </a:ext>
+            </a:extLst>
+          </p:cNvPr>
+          <p:cNvPicPr>
+            <a:picLocks noChangeAspect="1"/>
+          </p:cNvPicPr>
+          <p:nvPr/>
+        </p:nvPicPr>
+        <p:blipFill>
+          <a:blip r:embed="rId4"/>
+          <a:stretch>
+            <a:fillRect/>
+          </a:stretch>
+        </p:blipFill>
+        <p:spPr>
+          <a:xfrm>
+            <a:off x="347632" y="4023224"/>
+            <a:ext cx="4292600" cy="1879600"/>
+          </a:xfrm>
+          <a:prstGeom prst="rect">
+            <a:avLst/>
+          </a:prstGeom>
+        </p:spPr>
+      </p:pic>
+      <p:pic>
+        <p:nvPicPr>
+          <p:cNvPr id="19" name="Picture 18">
+            <a:extLst>
+              <a:ext uri="{FF2B5EF4-FFF2-40B4-BE49-F238E27FC236}">
+                <a16:creationId xmlns:a16="http://schemas.microsoft.com/office/drawing/2014/main" id="{01DA66A3-6DC9-6346-ACCC-8941B74C43D7}"/>
+              </a:ext>
+            </a:extLst>
+          </p:cNvPr>
+          <p:cNvPicPr>
+            <a:picLocks noChangeAspect="1"/>
+          </p:cNvPicPr>
+          <p:nvPr/>
+        </p:nvPicPr>
+        <p:blipFill>
+          <a:blip r:embed="rId5"/>
+          <a:stretch>
+            <a:fillRect/>
+          </a:stretch>
+        </p:blipFill>
+        <p:spPr>
+          <a:xfrm>
+            <a:off x="446533" y="2838915"/>
+            <a:ext cx="6832600" cy="711200"/>
+          </a:xfrm>
+          <a:prstGeom prst="rect">
+            <a:avLst/>
+          </a:prstGeom>
+        </p:spPr>
+      </p:pic>
+      <p:pic>
+        <p:nvPicPr>
+          <p:cNvPr id="23" name="Picture 22" descr="A screenshot of a cell phone&#10;&#10;Description automatically generated">
+            <a:extLst>
+              <a:ext uri="{FF2B5EF4-FFF2-40B4-BE49-F238E27FC236}">
+                <a16:creationId xmlns:a16="http://schemas.microsoft.com/office/drawing/2014/main" id="{0A5A30DA-1384-E543-9779-A26E3A1C466D}"/>
+              </a:ext>
+            </a:extLst>
+          </p:cNvPr>
+          <p:cNvPicPr>
+            <a:picLocks noChangeAspect="1"/>
+          </p:cNvPicPr>
+          <p:nvPr/>
+        </p:nvPicPr>
+        <p:blipFill>
+          <a:blip r:embed="rId6"/>
+          <a:stretch>
+            <a:fillRect/>
+          </a:stretch>
+        </p:blipFill>
+        <p:spPr>
+          <a:xfrm>
+            <a:off x="446533" y="1200007"/>
+            <a:ext cx="5067300" cy="1828800"/>
+          </a:xfrm>
+          <a:prstGeom prst="rect">
+            <a:avLst/>
+          </a:prstGeom>
+        </p:spPr>
+      </p:pic>
+      <p:pic>
+        <p:nvPicPr>
+          <p:cNvPr id="1026" name="Picture 2">
+            <a:extLst>
+              <a:ext uri="{FF2B5EF4-FFF2-40B4-BE49-F238E27FC236}">
+                <a16:creationId xmlns:a16="http://schemas.microsoft.com/office/drawing/2014/main" id="{BDFF6D60-2037-0F41-A783-A1BC1D921EDF}"/>
+              </a:ext>
+            </a:extLst>
+          </p:cNvPr>
+          <p:cNvPicPr>
+            <a:picLocks noChangeAspect="1" noChangeArrowheads="1"/>
+          </p:cNvPicPr>
+          <p:nvPr/>
+        </p:nvPicPr>
+        <p:blipFill>
+          <a:blip r:embed="rId7">
+            <a:extLst>
+              <a:ext uri="{28A0092B-C50C-407E-A947-70E740481C1C}">
+                <a14:useLocalDpi xmlns:a14="http://schemas.microsoft.com/office/drawing/2010/main" val="0"/>
+              </a:ext>
+            </a:extLst>
+          </a:blip>
+          <a:srcRect/>
+          <a:stretch>
+            <a:fillRect/>
+          </a:stretch>
+        </p:blipFill>
+        <p:spPr bwMode="auto">
+          <a:xfrm>
+            <a:off x="4472229" y="3989129"/>
+            <a:ext cx="3464043" cy="1391391"/>
+          </a:xfrm>
+          <a:prstGeom prst="rect">
+            <a:avLst/>
+          </a:prstGeom>
+          <a:noFill/>
+          <a:extLst>
+            <a:ext uri="{909E8E84-426E-40DD-AFC4-6F175D3DCCD1}">
+              <a14:hiddenFill xmlns:a14="http://schemas.microsoft.com/office/drawing/2010/main">
+                <a:solidFill>
+                  <a:srgbClr val="FFFFFF"/>
+                </a:solidFill>
+              </a14:hiddenFill>
+            </a:ext>
+          </a:extLst>
+        </p:spPr>
+      </p:pic>
+      <p:sp>
+        <p:nvSpPr>
+          <p:cNvPr id="27" name="TextBox 26">
+            <a:extLst>
+              <a:ext uri="{FF2B5EF4-FFF2-40B4-BE49-F238E27FC236}">
+                <a16:creationId xmlns:a16="http://schemas.microsoft.com/office/drawing/2014/main" id="{AC3F2858-D0EF-B943-A165-0D2FF9A126D5}"/>
+              </a:ext>
+            </a:extLst>
+          </p:cNvPr>
+          <p:cNvSpPr txBox="1"/>
+          <p:nvPr/>
+        </p:nvSpPr>
+        <p:spPr>
+          <a:xfrm>
+            <a:off x="4930151" y="5380520"/>
+            <a:ext cx="2549646" cy="338554"/>
+          </a:xfrm>
+          <a:prstGeom prst="rect">
+            <a:avLst/>
+          </a:prstGeom>
+          <a:noFill/>
+        </p:spPr>
+        <p:txBody>
+          <a:bodyPr wrap="square" rtlCol="0">
+            <a:spAutoFit/>
+          </a:bodyPr>
+          <a:lstStyle/>
+          <a:p>
+            <a:pPr algn="ctr"/>
+            <a:r>
+              <a:rPr lang="en-US" sz="1600" dirty="0"/>
+              <a:t>Open Syringe Pump</a:t>
+            </a:r>
+          </a:p>
+        </p:txBody>
+      </p:sp>
+      <p:sp>
+        <p:nvSpPr>
+          <p:cNvPr id="29" name="TextBox 28">
+            <a:extLst>
+              <a:ext uri="{FF2B5EF4-FFF2-40B4-BE49-F238E27FC236}">
+                <a16:creationId xmlns:a16="http://schemas.microsoft.com/office/drawing/2014/main" id="{09069FE6-606F-F545-B88D-5F30210BBFAD}"/>
+              </a:ext>
+            </a:extLst>
+          </p:cNvPr>
+          <p:cNvSpPr txBox="1"/>
+          <p:nvPr/>
+        </p:nvSpPr>
+        <p:spPr>
+          <a:xfrm>
+            <a:off x="446533" y="670175"/>
+            <a:ext cx="5531609" cy="369332"/>
+          </a:xfrm>
+          <a:prstGeom prst="rect">
+            <a:avLst/>
+          </a:prstGeom>
+          <a:noFill/>
+        </p:spPr>
+        <p:txBody>
+          <a:bodyPr wrap="square" rtlCol="0">
+            <a:spAutoFit/>
+          </a:bodyPr>
+          <a:lstStyle/>
+          <a:p>
+            <a:r>
+              <a:rPr lang="en-US" dirty="0" err="1"/>
+              <a:t>syringePump.c</a:t>
+            </a:r>
+            <a:r>
+              <a:rPr lang="en-US" dirty="0"/>
+              <a:t> (open sourced syringe pump binary)</a:t>
+            </a:r>
+          </a:p>
+        </p:txBody>
+      </p:sp>
+    </p:spTree>
+    <p:extLst>
+      <p:ext uri="{BB962C8B-B14F-4D97-AF65-F5344CB8AC3E}">
+        <p14:creationId xmlns:p14="http://schemas.microsoft.com/office/powerpoint/2010/main" val="3570654922"/>
       </p:ext>
     </p:extLst>
   </p:cSld>

--- a/dfa.pptx
+++ b/dfa.pptx
@@ -5,10 +5,10 @@
     <p:sldMasterId id="2147483648" r:id="rId1"/>
   </p:sldMasterIdLst>
   <p:notesMasterIdLst>
-    <p:notesMasterId r:id="rId13"/>
+    <p:notesMasterId r:id="rId14"/>
   </p:notesMasterIdLst>
   <p:handoutMasterIdLst>
-    <p:handoutMasterId r:id="rId14"/>
+    <p:handoutMasterId r:id="rId15"/>
   </p:handoutMasterIdLst>
   <p:sldIdLst>
     <p:sldId id="258" r:id="rId2"/>
@@ -21,7 +21,8 @@
     <p:sldId id="261" r:id="rId9"/>
     <p:sldId id="268" r:id="rId10"/>
     <p:sldId id="264" r:id="rId11"/>
-    <p:sldId id="265" r:id="rId12"/>
+    <p:sldId id="271" r:id="rId12"/>
+    <p:sldId id="265" r:id="rId13"/>
   </p:sldIdLst>
   <p:sldSz cx="12192000" cy="6858000"/>
   <p:notesSz cx="6858000" cy="9144000"/>
@@ -819,7 +820,7 @@
             <a:spLocks noGrp="1"/>
           </p:cNvSpPr>
           <p:nvPr>
-            <p:ph type="sldNum" sz="quarter" idx="5"/>
+            <p:ph type="sldNum" sz="quarter" idx="10"/>
           </p:nvPr>
         </p:nvSpPr>
         <p:spPr/>
@@ -830,6 +831,90 @@
             <a:fld id="{E0746DE6-3336-457D-A091-FA20AC1C536E}" type="slidenum">
               <a:rPr lang="en-US" smtClean="0"/>
               <a:t>11</a:t>
+            </a:fld>
+            <a:endParaRPr lang="en-US"/>
+          </a:p>
+        </p:txBody>
+      </p:sp>
+    </p:spTree>
+    <p:extLst>
+      <p:ext uri="{BB962C8B-B14F-4D97-AF65-F5344CB8AC3E}">
+        <p14:creationId xmlns:p14="http://schemas.microsoft.com/office/powerpoint/2010/main" val="1523328938"/>
+      </p:ext>
+    </p:extLst>
+  </p:cSld>
+  <p:clrMapOvr>
+    <a:masterClrMapping/>
+  </p:clrMapOvr>
+</p:notes>
+</file>
+
+<file path=ppt/notesSlides/notesSlide11.xml><?xml version="1.0" encoding="utf-8"?>
+<p:notes xmlns:a="http://schemas.openxmlformats.org/drawingml/2006/main" xmlns:r="http://schemas.openxmlformats.org/officeDocument/2006/relationships" xmlns:p="http://schemas.openxmlformats.org/presentationml/2006/main">
+  <p:cSld>
+    <p:spTree>
+      <p:nvGrpSpPr>
+        <p:cNvPr id="1" name=""/>
+        <p:cNvGrpSpPr/>
+        <p:nvPr/>
+      </p:nvGrpSpPr>
+      <p:grpSpPr>
+        <a:xfrm>
+          <a:off x="0" y="0"/>
+          <a:ext cx="0" cy="0"/>
+          <a:chOff x="0" y="0"/>
+          <a:chExt cx="0" cy="0"/>
+        </a:xfrm>
+      </p:grpSpPr>
+      <p:sp>
+        <p:nvSpPr>
+          <p:cNvPr id="2" name="Slide Image Placeholder 1"/>
+          <p:cNvSpPr>
+            <a:spLocks noGrp="1" noRot="1" noChangeAspect="1"/>
+          </p:cNvSpPr>
+          <p:nvPr>
+            <p:ph type="sldImg"/>
+          </p:nvPr>
+        </p:nvSpPr>
+        <p:spPr/>
+      </p:sp>
+      <p:sp>
+        <p:nvSpPr>
+          <p:cNvPr id="3" name="Notes Placeholder 2"/>
+          <p:cNvSpPr>
+            <a:spLocks noGrp="1"/>
+          </p:cNvSpPr>
+          <p:nvPr>
+            <p:ph type="body" idx="1"/>
+          </p:nvPr>
+        </p:nvSpPr>
+        <p:spPr/>
+        <p:txBody>
+          <a:bodyPr/>
+          <a:lstStyle/>
+          <a:p>
+            <a:endParaRPr lang="en-US" dirty="0"/>
+          </a:p>
+        </p:txBody>
+      </p:sp>
+      <p:sp>
+        <p:nvSpPr>
+          <p:cNvPr id="4" name="Slide Number Placeholder 3"/>
+          <p:cNvSpPr>
+            <a:spLocks noGrp="1"/>
+          </p:cNvSpPr>
+          <p:nvPr>
+            <p:ph type="sldNum" sz="quarter" idx="5"/>
+          </p:nvPr>
+        </p:nvSpPr>
+        <p:spPr/>
+        <p:txBody>
+          <a:bodyPr/>
+          <a:lstStyle/>
+          <a:p>
+            <a:fld id="{E0746DE6-3336-457D-A091-FA20AC1C536E}" type="slidenum">
+              <a:rPr lang="en-US" smtClean="0"/>
+              <a:t>12</a:t>
             </a:fld>
             <a:endParaRPr lang="en-US"/>
           </a:p>
@@ -6125,6 +6210,29 @@
           <a:p>
             <a:r>
               <a:rPr lang="en-US" sz="2000" dirty="0"/>
+              <a:t>Secure DFA monitor residing in ARM-</a:t>
+            </a:r>
+            <a:r>
+              <a:rPr lang="en-US" sz="2000" dirty="0" err="1"/>
+              <a:t>TrustZone</a:t>
+            </a:r>
+            <a:r>
+              <a:rPr lang="en-US" sz="2000" dirty="0"/>
+              <a:t> (</a:t>
+            </a:r>
+            <a:r>
+              <a:rPr lang="en-US" sz="2000" dirty="0" err="1"/>
+              <a:t>Rasberry</a:t>
+            </a:r>
+            <a:r>
+              <a:rPr lang="en-US" sz="2000" dirty="0"/>
+              <a:t> Pi)</a:t>
+            </a:r>
+            <a:endParaRPr lang="en-US" sz="2000" b="1" dirty="0"/>
+          </a:p>
+          <a:p>
+            <a:r>
+              <a:rPr lang="en-US" sz="2000" dirty="0"/>
               <a:t>Remote attestation architecture for checking the integrity of the </a:t>
             </a:r>
             <a:r>
@@ -6138,28 +6246,6 @@
             <a:r>
               <a:rPr lang="en-US" sz="2000" i="1" dirty="0"/>
               <a:t>control flow</a:t>
-            </a:r>
-          </a:p>
-          <a:p>
-            <a:r>
-              <a:rPr lang="en-US" sz="2000" dirty="0"/>
-              <a:t>Secure DFA monitor residing in ARM-</a:t>
-            </a:r>
-            <a:r>
-              <a:rPr lang="en-US" sz="2000" dirty="0" err="1"/>
-              <a:t>TrustZone</a:t>
-            </a:r>
-            <a:r>
-              <a:rPr lang="en-US" sz="2000" dirty="0"/>
-              <a:t> (</a:t>
-            </a:r>
-            <a:r>
-              <a:rPr lang="en-US" sz="2000" dirty="0" err="1"/>
-              <a:t>Rasberry</a:t>
-            </a:r>
-            <a:r>
-              <a:rPr lang="en-US" sz="2000" dirty="0"/>
-              <a:t> Pi)</a:t>
             </a:r>
           </a:p>
           <a:p>
@@ -6403,7 +6489,7 @@
       </p:grpSpPr>
       <p:sp useBgFill="1">
         <p:nvSpPr>
-          <p:cNvPr id="23" name="Rectangle 22">
+          <p:cNvPr id="16" name="Rectangle 15">
             <a:extLst>
               <a:ext uri="{FF2B5EF4-FFF2-40B4-BE49-F238E27FC236}">
                 <a16:creationId xmlns:a16="http://schemas.microsoft.com/office/drawing/2014/main" id="{F858DF7D-C2D0-4B03-A7A0-2F06B789EE35}"/>
@@ -6463,7 +6549,7 @@
       </p:sp>
       <p:sp>
         <p:nvSpPr>
-          <p:cNvPr id="25" name="Rectangle 24">
+          <p:cNvPr id="18" name="Rectangle 17">
             <a:extLst>
               <a:ext uri="{FF2B5EF4-FFF2-40B4-BE49-F238E27FC236}">
                 <a16:creationId xmlns:a16="http://schemas.microsoft.com/office/drawing/2014/main" id="{1B26B711-3121-40B0-8377-A64F3DC00C7A}"/>
@@ -6517,7 +6603,7 @@
       </p:sp>
       <p:sp>
         <p:nvSpPr>
-          <p:cNvPr id="27" name="Rectangle 26">
+          <p:cNvPr id="20" name="Rectangle 19">
             <a:extLst>
               <a:ext uri="{FF2B5EF4-FFF2-40B4-BE49-F238E27FC236}">
                 <a16:creationId xmlns:a16="http://schemas.microsoft.com/office/drawing/2014/main" id="{645C4D3D-ABBA-4B4E-93E5-01E343719849}"/>
@@ -6571,7 +6657,7 @@
       </p:sp>
       <p:sp>
         <p:nvSpPr>
-          <p:cNvPr id="29" name="Rectangle 28">
+          <p:cNvPr id="22" name="Rectangle 21">
             <a:extLst>
               <a:ext uri="{FF2B5EF4-FFF2-40B4-BE49-F238E27FC236}">
                 <a16:creationId xmlns:a16="http://schemas.microsoft.com/office/drawing/2014/main" id="{98DDD5E5-0097-4C6C-B266-5732EDA96CC4}"/>
@@ -6647,65 +6733,53 @@
           <a:p>
             <a:r>
               <a:rPr lang="en-US" sz="2000" dirty="0"/>
-              <a:t>REFERENCES</a:t>
-            </a:r>
-          </a:p>
-          <a:p>
-            <a:pPr lvl="1"/>
+              <a:t>Reproduce CFLAT on our </a:t>
+            </a:r>
             <a:r>
               <a:rPr lang="en-US" sz="2000" dirty="0" err="1"/>
-              <a:t>Tigist</a:t>
+              <a:t>Rasberry</a:t>
             </a:r>
             <a:r>
               <a:rPr lang="en-US" sz="2000" dirty="0"/>
-              <a:t> </a:t>
+              <a:t> Pi</a:t>
+            </a:r>
+          </a:p>
+          <a:p>
+            <a:r>
+              <a:rPr lang="en-US" sz="2000" dirty="0"/>
+              <a:t>Visual an attack to steal the key or exploit data flow without changing the control flow</a:t>
+            </a:r>
+          </a:p>
+          <a:p>
+            <a:r>
+              <a:rPr lang="en-US" sz="2000" dirty="0"/>
+              <a:t>Create def-use chains for every data variable</a:t>
+            </a:r>
+          </a:p>
+          <a:p>
+            <a:r>
+              <a:rPr lang="en-US" sz="2000" dirty="0"/>
+              <a:t>Hash chain each one along with the node id</a:t>
+            </a:r>
+          </a:p>
+          <a:p>
+            <a:r>
+              <a:rPr lang="en-US" sz="2000" dirty="0"/>
+              <a:t>Deploy it on </a:t>
             </a:r>
             <a:r>
               <a:rPr lang="en-US" sz="2000" dirty="0" err="1"/>
-              <a:t>Abera</a:t>
+              <a:t>Rasberry</a:t>
             </a:r>
             <a:r>
               <a:rPr lang="en-US" sz="2000" dirty="0"/>
-              <a:t>, N. </a:t>
-            </a:r>
-            <a:r>
-              <a:rPr lang="en-US" sz="2000" dirty="0" err="1"/>
-              <a:t>Asokan</a:t>
-            </a:r>
+              <a:t> Pi</a:t>
+            </a:r>
+          </a:p>
+          <a:p>
             <a:r>
               <a:rPr lang="en-US" sz="2000" dirty="0"/>
-              <a:t>, Lucas </a:t>
-            </a:r>
-            <a:r>
-              <a:rPr lang="en-US" sz="2000" dirty="0" err="1"/>
-              <a:t>Davi</a:t>
-            </a:r>
-            <a:r>
-              <a:rPr lang="en-US" sz="2000" dirty="0"/>
-              <a:t>, Jan-Erik Ekberg, Thomas Nyman, Andrew </a:t>
-            </a:r>
-            <a:r>
-              <a:rPr lang="en-US" sz="2000" dirty="0" err="1"/>
-              <a:t>Paverd</a:t>
-            </a:r>
-            <a:r>
-              <a:rPr lang="en-US" sz="2000" dirty="0"/>
-              <a:t>, Ahmad-Reza Sadeghi, Gene </a:t>
-            </a:r>
-            <a:r>
-              <a:rPr lang="en-US" sz="2000" dirty="0" err="1"/>
-              <a:t>Tsudik</a:t>
-            </a:r>
-            <a:r>
-              <a:rPr lang="en-US" sz="2000" dirty="0"/>
-              <a:t>.     C-FLAT: Control-Flow Attestation for Embedded Systems Software.</a:t>
-            </a:r>
-          </a:p>
-          <a:p>
-            <a:pPr lvl="1"/>
-            <a:r>
-              <a:rPr lang="en-US" sz="2000" dirty="0"/>
-              <a:t>Miguel Castro, Manuel Costa, Tim Harris. Securing software by enforcing data-flow integrity.</a:t>
+              <a:t>Measure the performance overhead and compare it with CFLAT and other related ones.</a:t>
             </a:r>
           </a:p>
         </p:txBody>
@@ -6715,7 +6789,7 @@
           <p:cNvPr id="4" name="Footer Placeholder 3">
             <a:extLst>
               <a:ext uri="{FF2B5EF4-FFF2-40B4-BE49-F238E27FC236}">
-                <a16:creationId xmlns:a16="http://schemas.microsoft.com/office/drawing/2014/main" id="{6E042391-FC9B-8B4F-900C-23E410B5D3AC}"/>
+                <a16:creationId xmlns:a16="http://schemas.microsoft.com/office/drawing/2014/main" id="{79B028C2-7AB0-CD4E-AFEC-CABBC7A07236}"/>
               </a:ext>
             </a:extLst>
           </p:cNvPr>
@@ -6744,7 +6818,7 @@
               </a:spcAft>
             </a:pPr>
             <a:r>
-              <a:rPr lang="en-US"/>
+              <a:rPr lang="en-US" dirty="0"/>
               <a:t>CS295: Pre-Proposal Presentation</a:t>
             </a:r>
           </a:p>
@@ -6752,7 +6826,7 @@
       </p:sp>
       <p:sp>
         <p:nvSpPr>
-          <p:cNvPr id="31" name="Rectangle 30">
+          <p:cNvPr id="24" name="Rectangle 23">
             <a:extLst>
               <a:ext uri="{FF2B5EF4-FFF2-40B4-BE49-F238E27FC236}">
                 <a16:creationId xmlns:a16="http://schemas.microsoft.com/office/drawing/2014/main" id="{8952EF87-C74F-4D3F-9CAD-EEA1733C9BD0}"/>
@@ -6827,12 +6901,12 @@
           <a:lstStyle/>
           <a:p>
             <a:r>
-              <a:rPr lang="en-US" sz="3200">
+              <a:rPr lang="en-US" sz="3200" dirty="0">
                 <a:solidFill>
                   <a:srgbClr val="FFFEFF"/>
                 </a:solidFill>
               </a:rPr>
-              <a:t>thank you!</a:t>
+              <a:t>Our Approach</a:t>
             </a:r>
           </a:p>
         </p:txBody>
@@ -6842,7 +6916,7 @@
           <p:cNvPr id="5" name="Slide Number Placeholder 4">
             <a:extLst>
               <a:ext uri="{FF2B5EF4-FFF2-40B4-BE49-F238E27FC236}">
-                <a16:creationId xmlns:a16="http://schemas.microsoft.com/office/drawing/2014/main" id="{C1B36E01-C3AC-1F41-8E6F-E82A7BBF1F50}"/>
+                <a16:creationId xmlns:a16="http://schemas.microsoft.com/office/drawing/2014/main" id="{DD121888-DF1A-C84A-8442-F42EE4CFC723}"/>
               </a:ext>
             </a:extLst>
           </p:cNvPr>
@@ -6885,6 +6959,540 @@
                 </a:spcAft>
               </a:pPr>
               <a:t>11</a:t>
+            </a:fld>
+            <a:endParaRPr lang="en-US">
+              <a:solidFill>
+                <a:schemeClr val="accent1">
+                  <a:lumMod val="75000"/>
+                  <a:lumOff val="25000"/>
+                </a:schemeClr>
+              </a:solidFill>
+            </a:endParaRPr>
+          </a:p>
+        </p:txBody>
+      </p:sp>
+    </p:spTree>
+    <p:extLst>
+      <p:ext uri="{BB962C8B-B14F-4D97-AF65-F5344CB8AC3E}">
+        <p14:creationId xmlns:p14="http://schemas.microsoft.com/office/powerpoint/2010/main" val="4085677352"/>
+      </p:ext>
+    </p:extLst>
+  </p:cSld>
+  <p:clrMapOvr>
+    <a:masterClrMapping/>
+  </p:clrMapOvr>
+</p:sld>
+</file>
+
+<file path=ppt/slides/slide12.xml><?xml version="1.0" encoding="utf-8"?>
+<p:sld xmlns:a="http://schemas.openxmlformats.org/drawingml/2006/main" xmlns:r="http://schemas.openxmlformats.org/officeDocument/2006/relationships" xmlns:p="http://schemas.openxmlformats.org/presentationml/2006/main">
+  <p:cSld>
+    <p:bg>
+      <p:bgPr>
+        <a:solidFill>
+          <a:schemeClr val="bg1"/>
+        </a:solidFill>
+        <a:effectLst/>
+      </p:bgPr>
+    </p:bg>
+    <p:spTree>
+      <p:nvGrpSpPr>
+        <p:cNvPr id="1" name=""/>
+        <p:cNvGrpSpPr/>
+        <p:nvPr/>
+      </p:nvGrpSpPr>
+      <p:grpSpPr>
+        <a:xfrm>
+          <a:off x="0" y="0"/>
+          <a:ext cx="0" cy="0"/>
+          <a:chOff x="0" y="0"/>
+          <a:chExt cx="0" cy="0"/>
+        </a:xfrm>
+      </p:grpSpPr>
+      <p:sp useBgFill="1">
+        <p:nvSpPr>
+          <p:cNvPr id="23" name="Rectangle 22">
+            <a:extLst>
+              <a:ext uri="{FF2B5EF4-FFF2-40B4-BE49-F238E27FC236}">
+                <a16:creationId xmlns:a16="http://schemas.microsoft.com/office/drawing/2014/main" id="{F858DF7D-C2D0-4B03-A7A0-2F06B789EE35}"/>
+              </a:ext>
+              <a:ext uri="{C183D7F6-B498-43B3-948B-1728B52AA6E4}">
+                <adec:decorative xmlns:adec="http://schemas.microsoft.com/office/drawing/2017/decorative" val="1"/>
+              </a:ext>
+            </a:extLst>
+          </p:cNvPr>
+          <p:cNvSpPr>
+            <a:spLocks noGrp="1" noRot="1" noChangeAspect="1" noMove="1" noResize="1" noEditPoints="1" noAdjustHandles="1" noChangeArrowheads="1" noChangeShapeType="1" noTextEdit="1"/>
+          </p:cNvSpPr>
+          <p:nvPr>
+            <p:extLst>
+              <p:ext uri="{386F3935-93C4-4BCD-93E2-E3B085C9AB24}">
+                <p16:designElem xmlns:p16="http://schemas.microsoft.com/office/powerpoint/2015/main" val="1"/>
+              </p:ext>
+            </p:extLst>
+          </p:nvPr>
+        </p:nvSpPr>
+        <p:spPr>
+          <a:xfrm>
+            <a:off x="0" y="0"/>
+            <a:ext cx="12191999" cy="6858001"/>
+          </a:xfrm>
+          <a:prstGeom prst="rect">
+            <a:avLst/>
+          </a:prstGeom>
+          <a:ln>
+            <a:noFill/>
+          </a:ln>
+        </p:spPr>
+        <p:style>
+          <a:lnRef idx="2">
+            <a:schemeClr val="accent1">
+              <a:shade val="50000"/>
+            </a:schemeClr>
+          </a:lnRef>
+          <a:fillRef idx="1">
+            <a:schemeClr val="accent1"/>
+          </a:fillRef>
+          <a:effectRef idx="0">
+            <a:schemeClr val="accent1"/>
+          </a:effectRef>
+          <a:fontRef idx="minor">
+            <a:schemeClr val="lt1"/>
+          </a:fontRef>
+        </p:style>
+        <p:txBody>
+          <a:bodyPr rtlCol="0" anchor="ctr"/>
+          <a:lstStyle/>
+          <a:p>
+            <a:pPr algn="ctr"/>
+            <a:endParaRPr lang="en-US"/>
+          </a:p>
+        </p:txBody>
+      </p:sp>
+      <p:sp>
+        <p:nvSpPr>
+          <p:cNvPr id="25" name="Rectangle 24">
+            <a:extLst>
+              <a:ext uri="{FF2B5EF4-FFF2-40B4-BE49-F238E27FC236}">
+                <a16:creationId xmlns:a16="http://schemas.microsoft.com/office/drawing/2014/main" id="{1B26B711-3121-40B0-8377-A64F3DC00C7A}"/>
+              </a:ext>
+              <a:ext uri="{C183D7F6-B498-43B3-948B-1728B52AA6E4}">
+                <adec:decorative xmlns:adec="http://schemas.microsoft.com/office/drawing/2017/decorative" val="1"/>
+              </a:ext>
+            </a:extLst>
+          </p:cNvPr>
+          <p:cNvSpPr>
+            <a:spLocks noGrp="1" noRot="1" noChangeAspect="1" noMove="1" noResize="1" noEditPoints="1" noAdjustHandles="1" noChangeArrowheads="1" noChangeShapeType="1" noTextEdit="1"/>
+          </p:cNvSpPr>
+          <p:nvPr>
+            <p:extLst>
+              <p:ext uri="{386F3935-93C4-4BCD-93E2-E3B085C9AB24}">
+                <p16:designElem xmlns:p16="http://schemas.microsoft.com/office/powerpoint/2015/main" val="1"/>
+              </p:ext>
+            </p:extLst>
+          </p:nvPr>
+        </p:nvSpPr>
+        <p:spPr>
+          <a:xfrm>
+            <a:off x="446534" y="457200"/>
+            <a:ext cx="3703320" cy="94997"/>
+          </a:xfrm>
+          <a:prstGeom prst="rect">
+            <a:avLst/>
+          </a:prstGeom>
+          <a:solidFill>
+            <a:schemeClr val="accent1"/>
+          </a:solidFill>
+          <a:ln>
+            <a:noFill/>
+          </a:ln>
+          <a:effectLst/>
+        </p:spPr>
+        <p:style>
+          <a:lnRef idx="1">
+            <a:schemeClr val="accent1"/>
+          </a:lnRef>
+          <a:fillRef idx="3">
+            <a:schemeClr val="accent1"/>
+          </a:fillRef>
+          <a:effectRef idx="2">
+            <a:schemeClr val="accent1"/>
+          </a:effectRef>
+          <a:fontRef idx="minor">
+            <a:schemeClr val="lt1"/>
+          </a:fontRef>
+        </p:style>
+      </p:sp>
+      <p:sp>
+        <p:nvSpPr>
+          <p:cNvPr id="27" name="Rectangle 26">
+            <a:extLst>
+              <a:ext uri="{FF2B5EF4-FFF2-40B4-BE49-F238E27FC236}">
+                <a16:creationId xmlns:a16="http://schemas.microsoft.com/office/drawing/2014/main" id="{645C4D3D-ABBA-4B4E-93E5-01E343719849}"/>
+              </a:ext>
+              <a:ext uri="{C183D7F6-B498-43B3-948B-1728B52AA6E4}">
+                <adec:decorative xmlns:adec="http://schemas.microsoft.com/office/drawing/2017/decorative" val="1"/>
+              </a:ext>
+            </a:extLst>
+          </p:cNvPr>
+          <p:cNvSpPr>
+            <a:spLocks noGrp="1" noRot="1" noChangeAspect="1" noMove="1" noResize="1" noEditPoints="1" noAdjustHandles="1" noChangeArrowheads="1" noChangeShapeType="1" noTextEdit="1"/>
+          </p:cNvSpPr>
+          <p:nvPr>
+            <p:extLst>
+              <p:ext uri="{386F3935-93C4-4BCD-93E2-E3B085C9AB24}">
+                <p16:designElem xmlns:p16="http://schemas.microsoft.com/office/powerpoint/2015/main" val="1"/>
+              </p:ext>
+            </p:extLst>
+          </p:nvPr>
+        </p:nvSpPr>
+        <p:spPr>
+          <a:xfrm>
+            <a:off x="4241830" y="457200"/>
+            <a:ext cx="3703320" cy="91440"/>
+          </a:xfrm>
+          <a:prstGeom prst="rect">
+            <a:avLst/>
+          </a:prstGeom>
+          <a:solidFill>
+            <a:schemeClr val="accent2"/>
+          </a:solidFill>
+          <a:ln>
+            <a:noFill/>
+          </a:ln>
+          <a:effectLst/>
+        </p:spPr>
+        <p:style>
+          <a:lnRef idx="1">
+            <a:schemeClr val="accent1"/>
+          </a:lnRef>
+          <a:fillRef idx="3">
+            <a:schemeClr val="accent1"/>
+          </a:fillRef>
+          <a:effectRef idx="2">
+            <a:schemeClr val="accent1"/>
+          </a:effectRef>
+          <a:fontRef idx="minor">
+            <a:schemeClr val="lt1"/>
+          </a:fontRef>
+        </p:style>
+      </p:sp>
+      <p:sp>
+        <p:nvSpPr>
+          <p:cNvPr id="29" name="Rectangle 28">
+            <a:extLst>
+              <a:ext uri="{FF2B5EF4-FFF2-40B4-BE49-F238E27FC236}">
+                <a16:creationId xmlns:a16="http://schemas.microsoft.com/office/drawing/2014/main" id="{98DDD5E5-0097-4C6C-B266-5732EDA96CC4}"/>
+              </a:ext>
+              <a:ext uri="{C183D7F6-B498-43B3-948B-1728B52AA6E4}">
+                <adec:decorative xmlns:adec="http://schemas.microsoft.com/office/drawing/2017/decorative" val="1"/>
+              </a:ext>
+            </a:extLst>
+          </p:cNvPr>
+          <p:cNvSpPr>
+            <a:spLocks noGrp="1" noRot="1" noChangeAspect="1" noMove="1" noResize="1" noEditPoints="1" noAdjustHandles="1" noChangeArrowheads="1" noChangeShapeType="1" noTextEdit="1"/>
+          </p:cNvSpPr>
+          <p:nvPr>
+            <p:extLst>
+              <p:ext uri="{386F3935-93C4-4BCD-93E2-E3B085C9AB24}">
+                <p16:designElem xmlns:p16="http://schemas.microsoft.com/office/powerpoint/2015/main" val="1"/>
+              </p:ext>
+            </p:extLst>
+          </p:nvPr>
+        </p:nvSpPr>
+        <p:spPr>
+          <a:xfrm>
+            <a:off x="8042147" y="453643"/>
+            <a:ext cx="3703320" cy="98554"/>
+          </a:xfrm>
+          <a:prstGeom prst="rect">
+            <a:avLst/>
+          </a:prstGeom>
+          <a:solidFill>
+            <a:schemeClr val="accent4"/>
+          </a:solidFill>
+          <a:ln>
+            <a:noFill/>
+          </a:ln>
+          <a:effectLst/>
+        </p:spPr>
+        <p:style>
+          <a:lnRef idx="1">
+            <a:schemeClr val="accent1"/>
+          </a:lnRef>
+          <a:fillRef idx="3">
+            <a:schemeClr val="accent1"/>
+          </a:fillRef>
+          <a:effectRef idx="2">
+            <a:schemeClr val="accent1"/>
+          </a:effectRef>
+          <a:fontRef idx="minor">
+            <a:schemeClr val="lt1"/>
+          </a:fontRef>
+        </p:style>
+      </p:sp>
+      <p:sp>
+        <p:nvSpPr>
+          <p:cNvPr id="3" name="Content Placeholder 2"/>
+          <p:cNvSpPr>
+            <a:spLocks noGrp="1"/>
+          </p:cNvSpPr>
+          <p:nvPr>
+            <p:ph idx="1"/>
+          </p:nvPr>
+        </p:nvSpPr>
+        <p:spPr>
+          <a:xfrm>
+            <a:off x="581192" y="1037968"/>
+            <a:ext cx="7014423" cy="4820832"/>
+          </a:xfrm>
+        </p:spPr>
+        <p:txBody>
+          <a:bodyPr>
+            <a:normAutofit/>
+          </a:bodyPr>
+          <a:lstStyle/>
+          <a:p>
+            <a:r>
+              <a:rPr lang="en-US" sz="2000" dirty="0"/>
+              <a:t>REFERENCES</a:t>
+            </a:r>
+          </a:p>
+          <a:p>
+            <a:pPr lvl="1"/>
+            <a:r>
+              <a:rPr lang="en-US" sz="2000" dirty="0" err="1"/>
+              <a:t>Tigist</a:t>
+            </a:r>
+            <a:r>
+              <a:rPr lang="en-US" sz="2000" dirty="0"/>
+              <a:t> </a:t>
+            </a:r>
+            <a:r>
+              <a:rPr lang="en-US" sz="2000" dirty="0" err="1"/>
+              <a:t>Abera</a:t>
+            </a:r>
+            <a:r>
+              <a:rPr lang="en-US" sz="2000" dirty="0"/>
+              <a:t>, N. </a:t>
+            </a:r>
+            <a:r>
+              <a:rPr lang="en-US" sz="2000" dirty="0" err="1"/>
+              <a:t>Asokan</a:t>
+            </a:r>
+            <a:r>
+              <a:rPr lang="en-US" sz="2000" dirty="0"/>
+              <a:t>, Lucas </a:t>
+            </a:r>
+            <a:r>
+              <a:rPr lang="en-US" sz="2000" dirty="0" err="1"/>
+              <a:t>Davi</a:t>
+            </a:r>
+            <a:r>
+              <a:rPr lang="en-US" sz="2000" dirty="0"/>
+              <a:t>, Jan-Erik Ekberg, Thomas Nyman, Andrew </a:t>
+            </a:r>
+            <a:r>
+              <a:rPr lang="en-US" sz="2000" dirty="0" err="1"/>
+              <a:t>Paverd</a:t>
+            </a:r>
+            <a:r>
+              <a:rPr lang="en-US" sz="2000" dirty="0"/>
+              <a:t>, Ahmad-Reza Sadeghi, Gene </a:t>
+            </a:r>
+            <a:r>
+              <a:rPr lang="en-US" sz="2000" dirty="0" err="1"/>
+              <a:t>Tsudik</a:t>
+            </a:r>
+            <a:r>
+              <a:rPr lang="en-US" sz="2000" dirty="0"/>
+              <a:t>.     C-FLAT: Control-Flow Attestation for Embedded Systems Software.</a:t>
+            </a:r>
+          </a:p>
+          <a:p>
+            <a:pPr lvl="1"/>
+            <a:r>
+              <a:rPr lang="en-US" sz="2000" dirty="0"/>
+              <a:t>Miguel Castro, Manuel Costa, Tim Harris. Securing software by enforcing data-flow integrity.</a:t>
+            </a:r>
+          </a:p>
+        </p:txBody>
+      </p:sp>
+      <p:sp>
+        <p:nvSpPr>
+          <p:cNvPr id="4" name="Footer Placeholder 3">
+            <a:extLst>
+              <a:ext uri="{FF2B5EF4-FFF2-40B4-BE49-F238E27FC236}">
+                <a16:creationId xmlns:a16="http://schemas.microsoft.com/office/drawing/2014/main" id="{6E042391-FC9B-8B4F-900C-23E410B5D3AC}"/>
+              </a:ext>
+            </a:extLst>
+          </p:cNvPr>
+          <p:cNvSpPr>
+            <a:spLocks noGrp="1"/>
+          </p:cNvSpPr>
+          <p:nvPr>
+            <p:ph type="ftr" sz="quarter" idx="11"/>
+          </p:nvPr>
+        </p:nvSpPr>
+        <p:spPr>
+          <a:xfrm>
+            <a:off x="581192" y="5951811"/>
+            <a:ext cx="6917210" cy="365125"/>
+          </a:xfrm>
+        </p:spPr>
+        <p:txBody>
+          <a:bodyPr>
+            <a:normAutofit/>
+          </a:bodyPr>
+          <a:lstStyle/>
+          <a:p>
+            <a:pPr>
+              <a:spcAft>
+                <a:spcPts val="600"/>
+              </a:spcAft>
+            </a:pPr>
+            <a:r>
+              <a:rPr lang="en-US"/>
+              <a:t>CS295: Pre-Proposal Presentation</a:t>
+            </a:r>
+          </a:p>
+        </p:txBody>
+      </p:sp>
+      <p:sp>
+        <p:nvSpPr>
+          <p:cNvPr id="31" name="Rectangle 30">
+            <a:extLst>
+              <a:ext uri="{FF2B5EF4-FFF2-40B4-BE49-F238E27FC236}">
+                <a16:creationId xmlns:a16="http://schemas.microsoft.com/office/drawing/2014/main" id="{8952EF87-C74F-4D3F-9CAD-EEA1733C9BD0}"/>
+              </a:ext>
+              <a:ext uri="{C183D7F6-B498-43B3-948B-1728B52AA6E4}">
+                <adec:decorative xmlns:adec="http://schemas.microsoft.com/office/drawing/2017/decorative" val="1"/>
+              </a:ext>
+            </a:extLst>
+          </p:cNvPr>
+          <p:cNvSpPr>
+            <a:spLocks noGrp="1" noRot="1" noChangeAspect="1" noMove="1" noResize="1" noEditPoints="1" noAdjustHandles="1" noChangeArrowheads="1" noChangeShapeType="1" noTextEdit="1"/>
+          </p:cNvSpPr>
+          <p:nvPr>
+            <p:extLst>
+              <p:ext uri="{386F3935-93C4-4BCD-93E2-E3B085C9AB24}">
+                <p16:designElem xmlns:p16="http://schemas.microsoft.com/office/powerpoint/2015/main" val="1"/>
+              </p:ext>
+            </p:extLst>
+          </p:nvPr>
+        </p:nvSpPr>
+        <p:spPr>
+          <a:xfrm>
+            <a:off x="8042147" y="723899"/>
+            <a:ext cx="3703320" cy="5666666"/>
+          </a:xfrm>
+          <a:prstGeom prst="rect">
+            <a:avLst/>
+          </a:prstGeom>
+          <a:solidFill>
+            <a:schemeClr val="accent1"/>
+          </a:solidFill>
+          <a:ln>
+            <a:noFill/>
+          </a:ln>
+          <a:effectLst/>
+        </p:spPr>
+        <p:style>
+          <a:lnRef idx="1">
+            <a:schemeClr val="accent1"/>
+          </a:lnRef>
+          <a:fillRef idx="3">
+            <a:schemeClr val="accent1"/>
+          </a:fillRef>
+          <a:effectRef idx="2">
+            <a:schemeClr val="accent1"/>
+          </a:effectRef>
+          <a:fontRef idx="minor">
+            <a:schemeClr val="lt1"/>
+          </a:fontRef>
+        </p:style>
+      </p:sp>
+      <p:sp>
+        <p:nvSpPr>
+          <p:cNvPr id="2" name="Title 1"/>
+          <p:cNvSpPr>
+            <a:spLocks noGrp="1"/>
+          </p:cNvSpPr>
+          <p:nvPr>
+            <p:ph type="title"/>
+          </p:nvPr>
+        </p:nvSpPr>
+        <p:spPr>
+          <a:xfrm>
+            <a:off x="8369643" y="1037967"/>
+            <a:ext cx="3054091" cy="4709131"/>
+          </a:xfrm>
+        </p:spPr>
+        <p:txBody>
+          <a:bodyPr anchor="ctr">
+            <a:normAutofit/>
+          </a:bodyPr>
+          <a:lstStyle/>
+          <a:p>
+            <a:r>
+              <a:rPr lang="en-US" sz="3200">
+                <a:solidFill>
+                  <a:srgbClr val="FFFEFF"/>
+                </a:solidFill>
+              </a:rPr>
+              <a:t>thank you!</a:t>
+            </a:r>
+          </a:p>
+        </p:txBody>
+      </p:sp>
+      <p:sp>
+        <p:nvSpPr>
+          <p:cNvPr id="5" name="Slide Number Placeholder 4">
+            <a:extLst>
+              <a:ext uri="{FF2B5EF4-FFF2-40B4-BE49-F238E27FC236}">
+                <a16:creationId xmlns:a16="http://schemas.microsoft.com/office/drawing/2014/main" id="{C1B36E01-C3AC-1F41-8E6F-E82A7BBF1F50}"/>
+              </a:ext>
+            </a:extLst>
+          </p:cNvPr>
+          <p:cNvSpPr>
+            <a:spLocks noGrp="1"/>
+          </p:cNvSpPr>
+          <p:nvPr>
+            <p:ph type="sldNum" sz="quarter" idx="12"/>
+          </p:nvPr>
+        </p:nvSpPr>
+        <p:spPr>
+          <a:xfrm>
+            <a:off x="10558300" y="5956137"/>
+            <a:ext cx="1052508" cy="365125"/>
+          </a:xfrm>
+        </p:spPr>
+        <p:txBody>
+          <a:bodyPr>
+            <a:normAutofit/>
+          </a:bodyPr>
+          <a:lstStyle/>
+          <a:p>
+            <a:pPr>
+              <a:spcAft>
+                <a:spcPts val="600"/>
+              </a:spcAft>
+            </a:pPr>
+            <a:fld id="{D57F1E4F-1CFF-5643-939E-217C01CDF565}" type="slidenum">
+              <a:rPr lang="en-US">
+                <a:solidFill>
+                  <a:schemeClr val="accent1">
+                    <a:lumMod val="75000"/>
+                    <a:lumOff val="25000"/>
+                  </a:schemeClr>
+                </a:solidFill>
+              </a:rPr>
+              <a:pPr>
+                <a:spcAft>
+                  <a:spcPts val="600"/>
+                </a:spcAft>
+              </a:pPr>
+              <a:t>12</a:t>
             </a:fld>
             <a:endParaRPr lang="en-US">
               <a:solidFill>
@@ -10340,7 +10948,7 @@
           <a:lstStyle/>
           <a:p>
             <a:r>
-              <a:rPr lang="en-US" sz="3200">
+              <a:rPr lang="en-US" sz="3200" dirty="0">
                 <a:solidFill>
                   <a:srgbClr val="FFFEFF"/>
                 </a:solidFill>
